--- a/AAS 2017/Alphapower_Poster.pptx
+++ b/AAS 2017/Alphapower_Poster.pptx
@@ -127,2462 +127,6 @@
 </p:cmAuthorLst>
 </file>
 
-<file path=ppt/charts/chart1.xml><?xml version="1.0" encoding="utf-8"?>
-<c:chartSpace xmlns:c="http://schemas.openxmlformats.org/drawingml/2006/chart" xmlns:a="http://schemas.openxmlformats.org/drawingml/2006/main" xmlns:r="http://schemas.openxmlformats.org/officeDocument/2006/relationships" xmlns:c16r2="http://schemas.microsoft.com/office/drawing/2015/06/chart">
-  <c:date1904 val="0"/>
-  <c:lang val="en-US"/>
-  <c:roundedCorners val="0"/>
-  <mc:AlternateContent xmlns:mc="http://schemas.openxmlformats.org/markup-compatibility/2006">
-    <mc:Choice xmlns:c14="http://schemas.microsoft.com/office/drawing/2007/8/2/chart" Requires="c14">
-      <c14:style val="102"/>
-    </mc:Choice>
-    <mc:Fallback>
-      <c:style val="2"/>
-    </mc:Fallback>
-  </mc:AlternateContent>
-  <c:chart>
-    <c:title>
-      <c:overlay val="0"/>
-      <c:spPr>
-        <a:noFill/>
-        <a:ln>
-          <a:noFill/>
-        </a:ln>
-        <a:effectLst/>
-      </c:spPr>
-      <c:txPr>
-        <a:bodyPr rot="0" spcFirstLastPara="1" vertOverflow="ellipsis" vert="horz" wrap="square" anchor="ctr" anchorCtr="1"/>
-        <a:lstStyle/>
-        <a:p>
-          <a:pPr>
-            <a:defRPr sz="1862" b="0" i="0" u="none" strike="noStrike" kern="1200" spc="0" baseline="0">
-              <a:solidFill>
-                <a:schemeClr val="tx1">
-                  <a:lumMod val="65000"/>
-                  <a:lumOff val="35000"/>
-                </a:schemeClr>
-              </a:solidFill>
-              <a:latin typeface="+mn-lt"/>
-              <a:ea typeface="+mn-ea"/>
-              <a:cs typeface="+mn-cs"/>
-            </a:defRPr>
-          </a:pPr>
-          <a:endParaRPr lang="en-US"/>
-        </a:p>
-      </c:txPr>
-    </c:title>
-    <c:autoTitleDeleted val="0"/>
-    <c:plotArea>
-      <c:layout/>
-      <c:lineChart>
-        <c:grouping val="standard"/>
-        <c:varyColors val="0"/>
-        <c:ser>
-          <c:idx val="0"/>
-          <c:order val="0"/>
-          <c:tx>
-            <c:strRef>
-              <c:f>Sheet1!$B$1</c:f>
-              <c:strCache>
-                <c:ptCount val="1"/>
-                <c:pt idx="0">
-                  <c:v>Series 1</c:v>
-                </c:pt>
-              </c:strCache>
-            </c:strRef>
-          </c:tx>
-          <c:spPr>
-            <a:ln w="28575" cap="rnd">
-              <a:solidFill>
-                <a:schemeClr val="accent1"/>
-              </a:solidFill>
-              <a:round/>
-            </a:ln>
-            <a:effectLst/>
-          </c:spPr>
-          <c:marker>
-            <c:symbol val="none"/>
-          </c:marker>
-          <c:dLbls>
-            <c:dLbl>
-              <c:idx val="3"/>
-              <c:dLblPos val="r"/>
-              <c:showLegendKey val="0"/>
-              <c:showVal val="1"/>
-              <c:showCatName val="0"/>
-              <c:showSerName val="1"/>
-              <c:showPercent val="0"/>
-              <c:showBubbleSize val="0"/>
-              <c:extLst>
-                <c:ext xmlns:c15="http://schemas.microsoft.com/office/drawing/2012/chart" uri="{CE6537A1-D6FC-4f65-9D91-7224C49458BB}"/>
-                <c:ext xmlns:c16="http://schemas.microsoft.com/office/drawing/2014/chart" uri="{C3380CC4-5D6E-409C-BE32-E72D297353CC}">
-                  <c16:uniqueId val="{00000000-F9CB-4650-AF11-DC53E70B5FC9}"/>
-                </c:ext>
-              </c:extLst>
-            </c:dLbl>
-            <c:spPr>
-              <a:noFill/>
-              <a:ln>
-                <a:noFill/>
-              </a:ln>
-              <a:effectLst/>
-            </c:spPr>
-            <c:txPr>
-              <a:bodyPr rot="0" spcFirstLastPara="1" vertOverflow="ellipsis" vert="horz" wrap="square" lIns="38100" tIns="19050" rIns="38100" bIns="19050" anchor="ctr" anchorCtr="1">
-                <a:spAutoFit/>
-              </a:bodyPr>
-              <a:lstStyle/>
-              <a:p>
-                <a:pPr>
-                  <a:defRPr sz="1197" b="0" i="0" u="none" strike="noStrike" kern="1200" baseline="0">
-                    <a:solidFill>
-                      <a:schemeClr val="tx1">
-                        <a:lumMod val="75000"/>
-                        <a:lumOff val="25000"/>
-                      </a:schemeClr>
-                    </a:solidFill>
-                    <a:latin typeface="+mn-lt"/>
-                    <a:ea typeface="+mn-ea"/>
-                    <a:cs typeface="+mn-cs"/>
-                  </a:defRPr>
-                </a:pPr>
-                <a:endParaRPr lang="en-US"/>
-              </a:p>
-            </c:txPr>
-            <c:showLegendKey val="0"/>
-            <c:showVal val="0"/>
-            <c:showCatName val="0"/>
-            <c:showSerName val="0"/>
-            <c:showPercent val="0"/>
-            <c:showBubbleSize val="0"/>
-            <c:extLst>
-              <c:ext xmlns:c15="http://schemas.microsoft.com/office/drawing/2012/chart" uri="{CE6537A1-D6FC-4f65-9D91-7224C49458BB}">
-                <c15:showLeaderLines val="1"/>
-                <c15:leaderLines>
-                  <c:spPr>
-                    <a:ln w="9525" cap="flat" cmpd="sng" algn="ctr">
-                      <a:solidFill>
-                        <a:schemeClr val="tx1">
-                          <a:lumMod val="35000"/>
-                          <a:lumOff val="65000"/>
-                        </a:schemeClr>
-                      </a:solidFill>
-                      <a:round/>
-                    </a:ln>
-                    <a:effectLst/>
-                  </c:spPr>
-                </c15:leaderLines>
-              </c:ext>
-            </c:extLst>
-          </c:dLbls>
-          <c:cat>
-            <c:strRef>
-              <c:f>Sheet1!$A$2:$A$5</c:f>
-              <c:strCache>
-                <c:ptCount val="4"/>
-                <c:pt idx="0">
-                  <c:v>Category 1</c:v>
-                </c:pt>
-                <c:pt idx="1">
-                  <c:v>Category 2</c:v>
-                </c:pt>
-                <c:pt idx="2">
-                  <c:v>Category 3</c:v>
-                </c:pt>
-                <c:pt idx="3">
-                  <c:v>Category 4</c:v>
-                </c:pt>
-              </c:strCache>
-            </c:strRef>
-          </c:cat>
-          <c:val>
-            <c:numRef>
-              <c:f>Sheet1!$B$2:$B$5</c:f>
-              <c:numCache>
-                <c:formatCode>General</c:formatCode>
-                <c:ptCount val="4"/>
-                <c:pt idx="0">
-                  <c:v>4.3</c:v>
-                </c:pt>
-                <c:pt idx="1">
-                  <c:v>2.5</c:v>
-                </c:pt>
-                <c:pt idx="2">
-                  <c:v>3.5</c:v>
-                </c:pt>
-                <c:pt idx="3">
-                  <c:v>4.5</c:v>
-                </c:pt>
-              </c:numCache>
-            </c:numRef>
-          </c:val>
-          <c:smooth val="0"/>
-          <c:extLst>
-            <c:ext xmlns:c16="http://schemas.microsoft.com/office/drawing/2014/chart" uri="{C3380CC4-5D6E-409C-BE32-E72D297353CC}">
-              <c16:uniqueId val="{00000001-F9CB-4650-AF11-DC53E70B5FC9}"/>
-            </c:ext>
-          </c:extLst>
-        </c:ser>
-        <c:ser>
-          <c:idx val="1"/>
-          <c:order val="1"/>
-          <c:tx>
-            <c:strRef>
-              <c:f>Sheet1!$C$1</c:f>
-              <c:strCache>
-                <c:ptCount val="1"/>
-                <c:pt idx="0">
-                  <c:v>Series 2</c:v>
-                </c:pt>
-              </c:strCache>
-            </c:strRef>
-          </c:tx>
-          <c:spPr>
-            <a:ln w="28575" cap="rnd">
-              <a:solidFill>
-                <a:schemeClr val="accent2"/>
-              </a:solidFill>
-              <a:round/>
-            </a:ln>
-            <a:effectLst/>
-          </c:spPr>
-          <c:marker>
-            <c:symbol val="none"/>
-          </c:marker>
-          <c:dLbls>
-            <c:dLbl>
-              <c:idx val="3"/>
-              <c:dLblPos val="r"/>
-              <c:showLegendKey val="0"/>
-              <c:showVal val="1"/>
-              <c:showCatName val="0"/>
-              <c:showSerName val="1"/>
-              <c:showPercent val="0"/>
-              <c:showBubbleSize val="0"/>
-              <c:extLst>
-                <c:ext xmlns:c15="http://schemas.microsoft.com/office/drawing/2012/chart" uri="{CE6537A1-D6FC-4f65-9D91-7224C49458BB}"/>
-                <c:ext xmlns:c16="http://schemas.microsoft.com/office/drawing/2014/chart" uri="{C3380CC4-5D6E-409C-BE32-E72D297353CC}">
-                  <c16:uniqueId val="{00000002-F9CB-4650-AF11-DC53E70B5FC9}"/>
-                </c:ext>
-              </c:extLst>
-            </c:dLbl>
-            <c:spPr>
-              <a:noFill/>
-              <a:ln>
-                <a:noFill/>
-              </a:ln>
-              <a:effectLst/>
-            </c:spPr>
-            <c:txPr>
-              <a:bodyPr rot="0" spcFirstLastPara="1" vertOverflow="ellipsis" vert="horz" wrap="square" lIns="38100" tIns="19050" rIns="38100" bIns="19050" anchor="ctr" anchorCtr="1">
-                <a:spAutoFit/>
-              </a:bodyPr>
-              <a:lstStyle/>
-              <a:p>
-                <a:pPr>
-                  <a:defRPr sz="1197" b="0" i="0" u="none" strike="noStrike" kern="1200" baseline="0">
-                    <a:solidFill>
-                      <a:schemeClr val="tx1">
-                        <a:lumMod val="75000"/>
-                        <a:lumOff val="25000"/>
-                      </a:schemeClr>
-                    </a:solidFill>
-                    <a:latin typeface="+mn-lt"/>
-                    <a:ea typeface="+mn-ea"/>
-                    <a:cs typeface="+mn-cs"/>
-                  </a:defRPr>
-                </a:pPr>
-                <a:endParaRPr lang="en-US"/>
-              </a:p>
-            </c:txPr>
-            <c:showLegendKey val="0"/>
-            <c:showVal val="0"/>
-            <c:showCatName val="0"/>
-            <c:showSerName val="0"/>
-            <c:showPercent val="0"/>
-            <c:showBubbleSize val="0"/>
-            <c:extLst>
-              <c:ext xmlns:c15="http://schemas.microsoft.com/office/drawing/2012/chart" uri="{CE6537A1-D6FC-4f65-9D91-7224C49458BB}">
-                <c15:showLeaderLines val="1"/>
-                <c15:leaderLines>
-                  <c:spPr>
-                    <a:ln w="9525" cap="flat" cmpd="sng" algn="ctr">
-                      <a:solidFill>
-                        <a:schemeClr val="tx1">
-                          <a:lumMod val="35000"/>
-                          <a:lumOff val="65000"/>
-                        </a:schemeClr>
-                      </a:solidFill>
-                      <a:round/>
-                    </a:ln>
-                    <a:effectLst/>
-                  </c:spPr>
-                </c15:leaderLines>
-              </c:ext>
-            </c:extLst>
-          </c:dLbls>
-          <c:cat>
-            <c:strRef>
-              <c:f>Sheet1!$A$2:$A$5</c:f>
-              <c:strCache>
-                <c:ptCount val="4"/>
-                <c:pt idx="0">
-                  <c:v>Category 1</c:v>
-                </c:pt>
-                <c:pt idx="1">
-                  <c:v>Category 2</c:v>
-                </c:pt>
-                <c:pt idx="2">
-                  <c:v>Category 3</c:v>
-                </c:pt>
-                <c:pt idx="3">
-                  <c:v>Category 4</c:v>
-                </c:pt>
-              </c:strCache>
-            </c:strRef>
-          </c:cat>
-          <c:val>
-            <c:numRef>
-              <c:f>Sheet1!$C$2:$C$5</c:f>
-              <c:numCache>
-                <c:formatCode>General</c:formatCode>
-                <c:ptCount val="4"/>
-                <c:pt idx="0">
-                  <c:v>2.4</c:v>
-                </c:pt>
-                <c:pt idx="1">
-                  <c:v>4.4000000000000004</c:v>
-                </c:pt>
-                <c:pt idx="2">
-                  <c:v>1.8</c:v>
-                </c:pt>
-                <c:pt idx="3">
-                  <c:v>2.8</c:v>
-                </c:pt>
-              </c:numCache>
-            </c:numRef>
-          </c:val>
-          <c:smooth val="0"/>
-          <c:extLst>
-            <c:ext xmlns:c16="http://schemas.microsoft.com/office/drawing/2014/chart" uri="{C3380CC4-5D6E-409C-BE32-E72D297353CC}">
-              <c16:uniqueId val="{00000003-F9CB-4650-AF11-DC53E70B5FC9}"/>
-            </c:ext>
-          </c:extLst>
-        </c:ser>
-        <c:ser>
-          <c:idx val="2"/>
-          <c:order val="2"/>
-          <c:tx>
-            <c:strRef>
-              <c:f>Sheet1!$D$1</c:f>
-              <c:strCache>
-                <c:ptCount val="1"/>
-                <c:pt idx="0">
-                  <c:v>Series 3</c:v>
-                </c:pt>
-              </c:strCache>
-            </c:strRef>
-          </c:tx>
-          <c:spPr>
-            <a:ln w="28575" cap="rnd">
-              <a:solidFill>
-                <a:schemeClr val="accent3"/>
-              </a:solidFill>
-              <a:round/>
-            </a:ln>
-            <a:effectLst/>
-          </c:spPr>
-          <c:marker>
-            <c:symbol val="none"/>
-          </c:marker>
-          <c:dLbls>
-            <c:dLbl>
-              <c:idx val="3"/>
-              <c:dLblPos val="r"/>
-              <c:showLegendKey val="0"/>
-              <c:showVal val="1"/>
-              <c:showCatName val="0"/>
-              <c:showSerName val="1"/>
-              <c:showPercent val="0"/>
-              <c:showBubbleSize val="0"/>
-              <c:extLst>
-                <c:ext xmlns:c15="http://schemas.microsoft.com/office/drawing/2012/chart" uri="{CE6537A1-D6FC-4f65-9D91-7224C49458BB}"/>
-                <c:ext xmlns:c16="http://schemas.microsoft.com/office/drawing/2014/chart" uri="{C3380CC4-5D6E-409C-BE32-E72D297353CC}">
-                  <c16:uniqueId val="{00000004-F9CB-4650-AF11-DC53E70B5FC9}"/>
-                </c:ext>
-              </c:extLst>
-            </c:dLbl>
-            <c:spPr>
-              <a:noFill/>
-              <a:ln>
-                <a:noFill/>
-              </a:ln>
-              <a:effectLst/>
-            </c:spPr>
-            <c:txPr>
-              <a:bodyPr rot="0" spcFirstLastPara="1" vertOverflow="ellipsis" vert="horz" wrap="square" lIns="38100" tIns="19050" rIns="38100" bIns="19050" anchor="ctr" anchorCtr="1">
-                <a:spAutoFit/>
-              </a:bodyPr>
-              <a:lstStyle/>
-              <a:p>
-                <a:pPr>
-                  <a:defRPr sz="1197" b="0" i="0" u="none" strike="noStrike" kern="1200" baseline="0">
-                    <a:solidFill>
-                      <a:schemeClr val="tx1">
-                        <a:lumMod val="75000"/>
-                        <a:lumOff val="25000"/>
-                      </a:schemeClr>
-                    </a:solidFill>
-                    <a:latin typeface="+mn-lt"/>
-                    <a:ea typeface="+mn-ea"/>
-                    <a:cs typeface="+mn-cs"/>
-                  </a:defRPr>
-                </a:pPr>
-                <a:endParaRPr lang="en-US"/>
-              </a:p>
-            </c:txPr>
-            <c:showLegendKey val="0"/>
-            <c:showVal val="0"/>
-            <c:showCatName val="0"/>
-            <c:showSerName val="0"/>
-            <c:showPercent val="0"/>
-            <c:showBubbleSize val="0"/>
-            <c:extLst>
-              <c:ext xmlns:c15="http://schemas.microsoft.com/office/drawing/2012/chart" uri="{CE6537A1-D6FC-4f65-9D91-7224C49458BB}">
-                <c15:showLeaderLines val="1"/>
-                <c15:leaderLines>
-                  <c:spPr>
-                    <a:ln w="9525" cap="flat" cmpd="sng" algn="ctr">
-                      <a:solidFill>
-                        <a:schemeClr val="tx1">
-                          <a:lumMod val="35000"/>
-                          <a:lumOff val="65000"/>
-                        </a:schemeClr>
-                      </a:solidFill>
-                      <a:round/>
-                    </a:ln>
-                    <a:effectLst/>
-                  </c:spPr>
-                </c15:leaderLines>
-              </c:ext>
-            </c:extLst>
-          </c:dLbls>
-          <c:cat>
-            <c:strRef>
-              <c:f>Sheet1!$A$2:$A$5</c:f>
-              <c:strCache>
-                <c:ptCount val="4"/>
-                <c:pt idx="0">
-                  <c:v>Category 1</c:v>
-                </c:pt>
-                <c:pt idx="1">
-                  <c:v>Category 2</c:v>
-                </c:pt>
-                <c:pt idx="2">
-                  <c:v>Category 3</c:v>
-                </c:pt>
-                <c:pt idx="3">
-                  <c:v>Category 4</c:v>
-                </c:pt>
-              </c:strCache>
-            </c:strRef>
-          </c:cat>
-          <c:val>
-            <c:numRef>
-              <c:f>Sheet1!$D$2:$D$5</c:f>
-              <c:numCache>
-                <c:formatCode>General</c:formatCode>
-                <c:ptCount val="4"/>
-                <c:pt idx="0">
-                  <c:v>2</c:v>
-                </c:pt>
-                <c:pt idx="1">
-                  <c:v>2</c:v>
-                </c:pt>
-                <c:pt idx="2">
-                  <c:v>3</c:v>
-                </c:pt>
-                <c:pt idx="3">
-                  <c:v>5</c:v>
-                </c:pt>
-              </c:numCache>
-            </c:numRef>
-          </c:val>
-          <c:smooth val="0"/>
-          <c:extLst>
-            <c:ext xmlns:c16="http://schemas.microsoft.com/office/drawing/2014/chart" uri="{C3380CC4-5D6E-409C-BE32-E72D297353CC}">
-              <c16:uniqueId val="{00000005-F9CB-4650-AF11-DC53E70B5FC9}"/>
-            </c:ext>
-          </c:extLst>
-        </c:ser>
-        <c:dLbls>
-          <c:showLegendKey val="0"/>
-          <c:showVal val="0"/>
-          <c:showCatName val="0"/>
-          <c:showSerName val="0"/>
-          <c:showPercent val="0"/>
-          <c:showBubbleSize val="0"/>
-        </c:dLbls>
-        <c:smooth val="0"/>
-        <c:axId val="311546848"/>
-        <c:axId val="311547408"/>
-      </c:lineChart>
-      <c:catAx>
-        <c:axId val="311546848"/>
-        <c:scaling>
-          <c:orientation val="minMax"/>
-        </c:scaling>
-        <c:delete val="0"/>
-        <c:axPos val="b"/>
-        <c:numFmt formatCode="General" sourceLinked="1"/>
-        <c:majorTickMark val="none"/>
-        <c:minorTickMark val="none"/>
-        <c:tickLblPos val="nextTo"/>
-        <c:spPr>
-          <a:noFill/>
-          <a:ln w="9525" cap="flat" cmpd="sng" algn="ctr">
-            <a:solidFill>
-              <a:schemeClr val="tx1">
-                <a:lumMod val="15000"/>
-                <a:lumOff val="85000"/>
-              </a:schemeClr>
-            </a:solidFill>
-            <a:round/>
-          </a:ln>
-          <a:effectLst/>
-        </c:spPr>
-        <c:txPr>
-          <a:bodyPr rot="-60000000" spcFirstLastPara="1" vertOverflow="ellipsis" vert="horz" wrap="square" anchor="ctr" anchorCtr="1"/>
-          <a:lstStyle/>
-          <a:p>
-            <a:pPr>
-              <a:defRPr sz="1197" b="0" i="0" u="none" strike="noStrike" kern="1200" baseline="0">
-                <a:solidFill>
-                  <a:schemeClr val="tx1">
-                    <a:lumMod val="65000"/>
-                    <a:lumOff val="35000"/>
-                  </a:schemeClr>
-                </a:solidFill>
-                <a:latin typeface="+mn-lt"/>
-                <a:ea typeface="+mn-ea"/>
-                <a:cs typeface="+mn-cs"/>
-              </a:defRPr>
-            </a:pPr>
-            <a:endParaRPr lang="en-US"/>
-          </a:p>
-        </c:txPr>
-        <c:crossAx val="311547408"/>
-        <c:crosses val="autoZero"/>
-        <c:auto val="1"/>
-        <c:lblAlgn val="ctr"/>
-        <c:lblOffset val="100"/>
-        <c:noMultiLvlLbl val="0"/>
-      </c:catAx>
-      <c:valAx>
-        <c:axId val="311547408"/>
-        <c:scaling>
-          <c:orientation val="minMax"/>
-        </c:scaling>
-        <c:delete val="0"/>
-        <c:axPos val="l"/>
-        <c:majorGridlines>
-          <c:spPr>
-            <a:ln w="9525" cap="flat" cmpd="sng" algn="ctr">
-              <a:solidFill>
-                <a:schemeClr val="tx1">
-                  <a:lumMod val="15000"/>
-                  <a:lumOff val="85000"/>
-                </a:schemeClr>
-              </a:solidFill>
-              <a:round/>
-            </a:ln>
-            <a:effectLst/>
-          </c:spPr>
-        </c:majorGridlines>
-        <c:title>
-          <c:overlay val="0"/>
-          <c:spPr>
-            <a:noFill/>
-            <a:ln>
-              <a:noFill/>
-            </a:ln>
-            <a:effectLst/>
-          </c:spPr>
-          <c:txPr>
-            <a:bodyPr rot="-5400000" spcFirstLastPara="1" vertOverflow="ellipsis" vert="horz" wrap="square" anchor="ctr" anchorCtr="1"/>
-            <a:lstStyle/>
-            <a:p>
-              <a:pPr>
-                <a:defRPr sz="1330" b="0" i="0" u="none" strike="noStrike" kern="1200" baseline="0">
-                  <a:solidFill>
-                    <a:schemeClr val="tx1">
-                      <a:lumMod val="65000"/>
-                      <a:lumOff val="35000"/>
-                    </a:schemeClr>
-                  </a:solidFill>
-                  <a:latin typeface="+mn-lt"/>
-                  <a:ea typeface="+mn-ea"/>
-                  <a:cs typeface="+mn-cs"/>
-                </a:defRPr>
-              </a:pPr>
-              <a:endParaRPr lang="en-US"/>
-            </a:p>
-          </c:txPr>
-        </c:title>
-        <c:numFmt formatCode="General" sourceLinked="1"/>
-        <c:majorTickMark val="none"/>
-        <c:minorTickMark val="none"/>
-        <c:tickLblPos val="nextTo"/>
-        <c:spPr>
-          <a:noFill/>
-          <a:ln>
-            <a:noFill/>
-          </a:ln>
-          <a:effectLst/>
-        </c:spPr>
-        <c:txPr>
-          <a:bodyPr rot="-60000000" spcFirstLastPara="1" vertOverflow="ellipsis" vert="horz" wrap="square" anchor="ctr" anchorCtr="1"/>
-          <a:lstStyle/>
-          <a:p>
-            <a:pPr>
-              <a:defRPr sz="1197" b="0" i="0" u="none" strike="noStrike" kern="1200" baseline="0">
-                <a:solidFill>
-                  <a:schemeClr val="tx1">
-                    <a:lumMod val="65000"/>
-                    <a:lumOff val="35000"/>
-                  </a:schemeClr>
-                </a:solidFill>
-                <a:latin typeface="+mn-lt"/>
-                <a:ea typeface="+mn-ea"/>
-                <a:cs typeface="+mn-cs"/>
-              </a:defRPr>
-            </a:pPr>
-            <a:endParaRPr lang="en-US"/>
-          </a:p>
-        </c:txPr>
-        <c:crossAx val="311546848"/>
-        <c:crosses val="autoZero"/>
-        <c:crossBetween val="between"/>
-      </c:valAx>
-      <c:spPr>
-        <a:noFill/>
-        <a:ln>
-          <a:noFill/>
-        </a:ln>
-        <a:effectLst/>
-      </c:spPr>
-    </c:plotArea>
-    <c:plotVisOnly val="1"/>
-    <c:dispBlanksAs val="gap"/>
-    <c:showDLblsOverMax val="0"/>
-  </c:chart>
-  <c:spPr>
-    <a:noFill/>
-    <a:ln>
-      <a:noFill/>
-    </a:ln>
-    <a:effectLst/>
-  </c:spPr>
-  <c:txPr>
-    <a:bodyPr/>
-    <a:lstStyle/>
-    <a:p>
-      <a:pPr>
-        <a:defRPr/>
-      </a:pPr>
-      <a:endParaRPr lang="en-US"/>
-    </a:p>
-  </c:txPr>
-  <c:externalData r:id="rId3">
-    <c:autoUpdate val="0"/>
-  </c:externalData>
-</c:chartSpace>
-</file>
-
-<file path=ppt/charts/chart2.xml><?xml version="1.0" encoding="utf-8"?>
-<c:chartSpace xmlns:c="http://schemas.openxmlformats.org/drawingml/2006/chart" xmlns:a="http://schemas.openxmlformats.org/drawingml/2006/main" xmlns:r="http://schemas.openxmlformats.org/officeDocument/2006/relationships" xmlns:c16r2="http://schemas.microsoft.com/office/drawing/2015/06/chart">
-  <c:date1904 val="0"/>
-  <c:lang val="en-US"/>
-  <c:roundedCorners val="0"/>
-  <mc:AlternateContent xmlns:mc="http://schemas.openxmlformats.org/markup-compatibility/2006">
-    <mc:Choice xmlns:c14="http://schemas.microsoft.com/office/drawing/2007/8/2/chart" Requires="c14">
-      <c14:style val="102"/>
-    </mc:Choice>
-    <mc:Fallback>
-      <c:style val="2"/>
-    </mc:Fallback>
-  </mc:AlternateContent>
-  <c:chart>
-    <c:title>
-      <c:overlay val="0"/>
-      <c:spPr>
-        <a:noFill/>
-        <a:ln>
-          <a:noFill/>
-        </a:ln>
-        <a:effectLst/>
-      </c:spPr>
-      <c:txPr>
-        <a:bodyPr rot="0" spcFirstLastPara="1" vertOverflow="ellipsis" vert="horz" wrap="square" anchor="ctr" anchorCtr="1"/>
-        <a:lstStyle/>
-        <a:p>
-          <a:pPr>
-            <a:defRPr sz="1862" b="0" i="0" u="none" strike="noStrike" kern="1200" spc="0" baseline="0">
-              <a:solidFill>
-                <a:schemeClr val="tx1">
-                  <a:lumMod val="65000"/>
-                  <a:lumOff val="35000"/>
-                </a:schemeClr>
-              </a:solidFill>
-              <a:latin typeface="+mn-lt"/>
-              <a:ea typeface="+mn-ea"/>
-              <a:cs typeface="+mn-cs"/>
-            </a:defRPr>
-          </a:pPr>
-          <a:endParaRPr lang="en-US"/>
-        </a:p>
-      </c:txPr>
-    </c:title>
-    <c:autoTitleDeleted val="0"/>
-    <c:plotArea>
-      <c:layout/>
-      <c:lineChart>
-        <c:grouping val="standard"/>
-        <c:varyColors val="0"/>
-        <c:ser>
-          <c:idx val="0"/>
-          <c:order val="0"/>
-          <c:tx>
-            <c:strRef>
-              <c:f>Sheet1!$B$1</c:f>
-              <c:strCache>
-                <c:ptCount val="1"/>
-                <c:pt idx="0">
-                  <c:v>Series 1</c:v>
-                </c:pt>
-              </c:strCache>
-            </c:strRef>
-          </c:tx>
-          <c:spPr>
-            <a:ln w="28575" cap="rnd">
-              <a:solidFill>
-                <a:schemeClr val="accent1"/>
-              </a:solidFill>
-              <a:round/>
-            </a:ln>
-            <a:effectLst/>
-          </c:spPr>
-          <c:marker>
-            <c:symbol val="none"/>
-          </c:marker>
-          <c:dLbls>
-            <c:dLbl>
-              <c:idx val="3"/>
-              <c:dLblPos val="r"/>
-              <c:showLegendKey val="0"/>
-              <c:showVal val="1"/>
-              <c:showCatName val="0"/>
-              <c:showSerName val="1"/>
-              <c:showPercent val="0"/>
-              <c:showBubbleSize val="0"/>
-              <c:extLst>
-                <c:ext xmlns:c15="http://schemas.microsoft.com/office/drawing/2012/chart" uri="{CE6537A1-D6FC-4f65-9D91-7224C49458BB}"/>
-                <c:ext xmlns:c16="http://schemas.microsoft.com/office/drawing/2014/chart" uri="{C3380CC4-5D6E-409C-BE32-E72D297353CC}">
-                  <c16:uniqueId val="{00000000-24E7-4BE0-87C4-86187089A3BB}"/>
-                </c:ext>
-              </c:extLst>
-            </c:dLbl>
-            <c:spPr>
-              <a:noFill/>
-              <a:ln>
-                <a:noFill/>
-              </a:ln>
-              <a:effectLst/>
-            </c:spPr>
-            <c:txPr>
-              <a:bodyPr rot="0" spcFirstLastPara="1" vertOverflow="ellipsis" vert="horz" wrap="square" lIns="38100" tIns="19050" rIns="38100" bIns="19050" anchor="ctr" anchorCtr="1">
-                <a:spAutoFit/>
-              </a:bodyPr>
-              <a:lstStyle/>
-              <a:p>
-                <a:pPr>
-                  <a:defRPr sz="1197" b="0" i="0" u="none" strike="noStrike" kern="1200" baseline="0">
-                    <a:solidFill>
-                      <a:schemeClr val="tx1">
-                        <a:lumMod val="75000"/>
-                        <a:lumOff val="25000"/>
-                      </a:schemeClr>
-                    </a:solidFill>
-                    <a:latin typeface="+mn-lt"/>
-                    <a:ea typeface="+mn-ea"/>
-                    <a:cs typeface="+mn-cs"/>
-                  </a:defRPr>
-                </a:pPr>
-                <a:endParaRPr lang="en-US"/>
-              </a:p>
-            </c:txPr>
-            <c:showLegendKey val="0"/>
-            <c:showVal val="0"/>
-            <c:showCatName val="0"/>
-            <c:showSerName val="0"/>
-            <c:showPercent val="0"/>
-            <c:showBubbleSize val="0"/>
-            <c:extLst>
-              <c:ext xmlns:c15="http://schemas.microsoft.com/office/drawing/2012/chart" uri="{CE6537A1-D6FC-4f65-9D91-7224C49458BB}">
-                <c15:showLeaderLines val="1"/>
-                <c15:leaderLines>
-                  <c:spPr>
-                    <a:ln w="9525" cap="flat" cmpd="sng" algn="ctr">
-                      <a:solidFill>
-                        <a:schemeClr val="tx1">
-                          <a:lumMod val="35000"/>
-                          <a:lumOff val="65000"/>
-                        </a:schemeClr>
-                      </a:solidFill>
-                      <a:round/>
-                    </a:ln>
-                    <a:effectLst/>
-                  </c:spPr>
-                </c15:leaderLines>
-              </c:ext>
-            </c:extLst>
-          </c:dLbls>
-          <c:cat>
-            <c:strRef>
-              <c:f>Sheet1!$A$2:$A$5</c:f>
-              <c:strCache>
-                <c:ptCount val="4"/>
-                <c:pt idx="0">
-                  <c:v>Category 1</c:v>
-                </c:pt>
-                <c:pt idx="1">
-                  <c:v>Category 2</c:v>
-                </c:pt>
-                <c:pt idx="2">
-                  <c:v>Category 3</c:v>
-                </c:pt>
-                <c:pt idx="3">
-                  <c:v>Category 4</c:v>
-                </c:pt>
-              </c:strCache>
-            </c:strRef>
-          </c:cat>
-          <c:val>
-            <c:numRef>
-              <c:f>Sheet1!$B$2:$B$5</c:f>
-              <c:numCache>
-                <c:formatCode>General</c:formatCode>
-                <c:ptCount val="4"/>
-                <c:pt idx="0">
-                  <c:v>4.3</c:v>
-                </c:pt>
-                <c:pt idx="1">
-                  <c:v>2.5</c:v>
-                </c:pt>
-                <c:pt idx="2">
-                  <c:v>3.5</c:v>
-                </c:pt>
-                <c:pt idx="3">
-                  <c:v>4.5</c:v>
-                </c:pt>
-              </c:numCache>
-            </c:numRef>
-          </c:val>
-          <c:smooth val="0"/>
-          <c:extLst>
-            <c:ext xmlns:c16="http://schemas.microsoft.com/office/drawing/2014/chart" uri="{C3380CC4-5D6E-409C-BE32-E72D297353CC}">
-              <c16:uniqueId val="{00000001-24E7-4BE0-87C4-86187089A3BB}"/>
-            </c:ext>
-          </c:extLst>
-        </c:ser>
-        <c:ser>
-          <c:idx val="1"/>
-          <c:order val="1"/>
-          <c:tx>
-            <c:strRef>
-              <c:f>Sheet1!$C$1</c:f>
-              <c:strCache>
-                <c:ptCount val="1"/>
-                <c:pt idx="0">
-                  <c:v>Series 2</c:v>
-                </c:pt>
-              </c:strCache>
-            </c:strRef>
-          </c:tx>
-          <c:spPr>
-            <a:ln w="28575" cap="rnd">
-              <a:solidFill>
-                <a:schemeClr val="accent2"/>
-              </a:solidFill>
-              <a:round/>
-            </a:ln>
-            <a:effectLst/>
-          </c:spPr>
-          <c:marker>
-            <c:symbol val="none"/>
-          </c:marker>
-          <c:dLbls>
-            <c:dLbl>
-              <c:idx val="3"/>
-              <c:dLblPos val="r"/>
-              <c:showLegendKey val="0"/>
-              <c:showVal val="1"/>
-              <c:showCatName val="0"/>
-              <c:showSerName val="1"/>
-              <c:showPercent val="0"/>
-              <c:showBubbleSize val="0"/>
-              <c:extLst>
-                <c:ext xmlns:c15="http://schemas.microsoft.com/office/drawing/2012/chart" uri="{CE6537A1-D6FC-4f65-9D91-7224C49458BB}"/>
-                <c:ext xmlns:c16="http://schemas.microsoft.com/office/drawing/2014/chart" uri="{C3380CC4-5D6E-409C-BE32-E72D297353CC}">
-                  <c16:uniqueId val="{00000002-24E7-4BE0-87C4-86187089A3BB}"/>
-                </c:ext>
-              </c:extLst>
-            </c:dLbl>
-            <c:spPr>
-              <a:noFill/>
-              <a:ln>
-                <a:noFill/>
-              </a:ln>
-              <a:effectLst/>
-            </c:spPr>
-            <c:txPr>
-              <a:bodyPr rot="0" spcFirstLastPara="1" vertOverflow="ellipsis" vert="horz" wrap="square" lIns="38100" tIns="19050" rIns="38100" bIns="19050" anchor="ctr" anchorCtr="1">
-                <a:spAutoFit/>
-              </a:bodyPr>
-              <a:lstStyle/>
-              <a:p>
-                <a:pPr>
-                  <a:defRPr sz="1197" b="0" i="0" u="none" strike="noStrike" kern="1200" baseline="0">
-                    <a:solidFill>
-                      <a:schemeClr val="tx1">
-                        <a:lumMod val="75000"/>
-                        <a:lumOff val="25000"/>
-                      </a:schemeClr>
-                    </a:solidFill>
-                    <a:latin typeface="+mn-lt"/>
-                    <a:ea typeface="+mn-ea"/>
-                    <a:cs typeface="+mn-cs"/>
-                  </a:defRPr>
-                </a:pPr>
-                <a:endParaRPr lang="en-US"/>
-              </a:p>
-            </c:txPr>
-            <c:showLegendKey val="0"/>
-            <c:showVal val="0"/>
-            <c:showCatName val="0"/>
-            <c:showSerName val="0"/>
-            <c:showPercent val="0"/>
-            <c:showBubbleSize val="0"/>
-            <c:extLst>
-              <c:ext xmlns:c15="http://schemas.microsoft.com/office/drawing/2012/chart" uri="{CE6537A1-D6FC-4f65-9D91-7224C49458BB}">
-                <c15:showLeaderLines val="1"/>
-                <c15:leaderLines>
-                  <c:spPr>
-                    <a:ln w="9525" cap="flat" cmpd="sng" algn="ctr">
-                      <a:solidFill>
-                        <a:schemeClr val="tx1">
-                          <a:lumMod val="35000"/>
-                          <a:lumOff val="65000"/>
-                        </a:schemeClr>
-                      </a:solidFill>
-                      <a:round/>
-                    </a:ln>
-                    <a:effectLst/>
-                  </c:spPr>
-                </c15:leaderLines>
-              </c:ext>
-            </c:extLst>
-          </c:dLbls>
-          <c:cat>
-            <c:strRef>
-              <c:f>Sheet1!$A$2:$A$5</c:f>
-              <c:strCache>
-                <c:ptCount val="4"/>
-                <c:pt idx="0">
-                  <c:v>Category 1</c:v>
-                </c:pt>
-                <c:pt idx="1">
-                  <c:v>Category 2</c:v>
-                </c:pt>
-                <c:pt idx="2">
-                  <c:v>Category 3</c:v>
-                </c:pt>
-                <c:pt idx="3">
-                  <c:v>Category 4</c:v>
-                </c:pt>
-              </c:strCache>
-            </c:strRef>
-          </c:cat>
-          <c:val>
-            <c:numRef>
-              <c:f>Sheet1!$C$2:$C$5</c:f>
-              <c:numCache>
-                <c:formatCode>General</c:formatCode>
-                <c:ptCount val="4"/>
-                <c:pt idx="0">
-                  <c:v>2.4</c:v>
-                </c:pt>
-                <c:pt idx="1">
-                  <c:v>4.4000000000000004</c:v>
-                </c:pt>
-                <c:pt idx="2">
-                  <c:v>1.8</c:v>
-                </c:pt>
-                <c:pt idx="3">
-                  <c:v>2.8</c:v>
-                </c:pt>
-              </c:numCache>
-            </c:numRef>
-          </c:val>
-          <c:smooth val="0"/>
-          <c:extLst>
-            <c:ext xmlns:c16="http://schemas.microsoft.com/office/drawing/2014/chart" uri="{C3380CC4-5D6E-409C-BE32-E72D297353CC}">
-              <c16:uniqueId val="{00000003-24E7-4BE0-87C4-86187089A3BB}"/>
-            </c:ext>
-          </c:extLst>
-        </c:ser>
-        <c:ser>
-          <c:idx val="2"/>
-          <c:order val="2"/>
-          <c:tx>
-            <c:strRef>
-              <c:f>Sheet1!$D$1</c:f>
-              <c:strCache>
-                <c:ptCount val="1"/>
-                <c:pt idx="0">
-                  <c:v>Series 3</c:v>
-                </c:pt>
-              </c:strCache>
-            </c:strRef>
-          </c:tx>
-          <c:spPr>
-            <a:ln w="28575" cap="rnd">
-              <a:solidFill>
-                <a:schemeClr val="accent3"/>
-              </a:solidFill>
-              <a:round/>
-            </a:ln>
-            <a:effectLst/>
-          </c:spPr>
-          <c:marker>
-            <c:symbol val="none"/>
-          </c:marker>
-          <c:dLbls>
-            <c:dLbl>
-              <c:idx val="3"/>
-              <c:dLblPos val="r"/>
-              <c:showLegendKey val="0"/>
-              <c:showVal val="1"/>
-              <c:showCatName val="0"/>
-              <c:showSerName val="1"/>
-              <c:showPercent val="0"/>
-              <c:showBubbleSize val="0"/>
-              <c:extLst>
-                <c:ext xmlns:c15="http://schemas.microsoft.com/office/drawing/2012/chart" uri="{CE6537A1-D6FC-4f65-9D91-7224C49458BB}"/>
-                <c:ext xmlns:c16="http://schemas.microsoft.com/office/drawing/2014/chart" uri="{C3380CC4-5D6E-409C-BE32-E72D297353CC}">
-                  <c16:uniqueId val="{00000004-24E7-4BE0-87C4-86187089A3BB}"/>
-                </c:ext>
-              </c:extLst>
-            </c:dLbl>
-            <c:spPr>
-              <a:noFill/>
-              <a:ln>
-                <a:noFill/>
-              </a:ln>
-              <a:effectLst/>
-            </c:spPr>
-            <c:txPr>
-              <a:bodyPr rot="0" spcFirstLastPara="1" vertOverflow="ellipsis" vert="horz" wrap="square" lIns="38100" tIns="19050" rIns="38100" bIns="19050" anchor="ctr" anchorCtr="1">
-                <a:spAutoFit/>
-              </a:bodyPr>
-              <a:lstStyle/>
-              <a:p>
-                <a:pPr>
-                  <a:defRPr sz="1197" b="0" i="0" u="none" strike="noStrike" kern="1200" baseline="0">
-                    <a:solidFill>
-                      <a:schemeClr val="tx1">
-                        <a:lumMod val="75000"/>
-                        <a:lumOff val="25000"/>
-                      </a:schemeClr>
-                    </a:solidFill>
-                    <a:latin typeface="+mn-lt"/>
-                    <a:ea typeface="+mn-ea"/>
-                    <a:cs typeface="+mn-cs"/>
-                  </a:defRPr>
-                </a:pPr>
-                <a:endParaRPr lang="en-US"/>
-              </a:p>
-            </c:txPr>
-            <c:showLegendKey val="0"/>
-            <c:showVal val="0"/>
-            <c:showCatName val="0"/>
-            <c:showSerName val="0"/>
-            <c:showPercent val="0"/>
-            <c:showBubbleSize val="0"/>
-            <c:extLst>
-              <c:ext xmlns:c15="http://schemas.microsoft.com/office/drawing/2012/chart" uri="{CE6537A1-D6FC-4f65-9D91-7224C49458BB}">
-                <c15:showLeaderLines val="1"/>
-                <c15:leaderLines>
-                  <c:spPr>
-                    <a:ln w="9525" cap="flat" cmpd="sng" algn="ctr">
-                      <a:solidFill>
-                        <a:schemeClr val="tx1">
-                          <a:lumMod val="35000"/>
-                          <a:lumOff val="65000"/>
-                        </a:schemeClr>
-                      </a:solidFill>
-                      <a:round/>
-                    </a:ln>
-                    <a:effectLst/>
-                  </c:spPr>
-                </c15:leaderLines>
-              </c:ext>
-            </c:extLst>
-          </c:dLbls>
-          <c:cat>
-            <c:strRef>
-              <c:f>Sheet1!$A$2:$A$5</c:f>
-              <c:strCache>
-                <c:ptCount val="4"/>
-                <c:pt idx="0">
-                  <c:v>Category 1</c:v>
-                </c:pt>
-                <c:pt idx="1">
-                  <c:v>Category 2</c:v>
-                </c:pt>
-                <c:pt idx="2">
-                  <c:v>Category 3</c:v>
-                </c:pt>
-                <c:pt idx="3">
-                  <c:v>Category 4</c:v>
-                </c:pt>
-              </c:strCache>
-            </c:strRef>
-          </c:cat>
-          <c:val>
-            <c:numRef>
-              <c:f>Sheet1!$D$2:$D$5</c:f>
-              <c:numCache>
-                <c:formatCode>General</c:formatCode>
-                <c:ptCount val="4"/>
-                <c:pt idx="0">
-                  <c:v>2</c:v>
-                </c:pt>
-                <c:pt idx="1">
-                  <c:v>2</c:v>
-                </c:pt>
-                <c:pt idx="2">
-                  <c:v>3</c:v>
-                </c:pt>
-                <c:pt idx="3">
-                  <c:v>5</c:v>
-                </c:pt>
-              </c:numCache>
-            </c:numRef>
-          </c:val>
-          <c:smooth val="0"/>
-          <c:extLst>
-            <c:ext xmlns:c16="http://schemas.microsoft.com/office/drawing/2014/chart" uri="{C3380CC4-5D6E-409C-BE32-E72D297353CC}">
-              <c16:uniqueId val="{00000005-24E7-4BE0-87C4-86187089A3BB}"/>
-            </c:ext>
-          </c:extLst>
-        </c:ser>
-        <c:dLbls>
-          <c:showLegendKey val="0"/>
-          <c:showVal val="0"/>
-          <c:showCatName val="0"/>
-          <c:showSerName val="0"/>
-          <c:showPercent val="0"/>
-          <c:showBubbleSize val="0"/>
-        </c:dLbls>
-        <c:smooth val="0"/>
-        <c:axId val="416104144"/>
-        <c:axId val="416104704"/>
-      </c:lineChart>
-      <c:catAx>
-        <c:axId val="416104144"/>
-        <c:scaling>
-          <c:orientation val="minMax"/>
-        </c:scaling>
-        <c:delete val="0"/>
-        <c:axPos val="b"/>
-        <c:numFmt formatCode="General" sourceLinked="1"/>
-        <c:majorTickMark val="none"/>
-        <c:minorTickMark val="none"/>
-        <c:tickLblPos val="nextTo"/>
-        <c:spPr>
-          <a:noFill/>
-          <a:ln w="9525" cap="flat" cmpd="sng" algn="ctr">
-            <a:solidFill>
-              <a:schemeClr val="tx1">
-                <a:lumMod val="15000"/>
-                <a:lumOff val="85000"/>
-              </a:schemeClr>
-            </a:solidFill>
-            <a:round/>
-          </a:ln>
-          <a:effectLst/>
-        </c:spPr>
-        <c:txPr>
-          <a:bodyPr rot="-60000000" spcFirstLastPara="1" vertOverflow="ellipsis" vert="horz" wrap="square" anchor="ctr" anchorCtr="1"/>
-          <a:lstStyle/>
-          <a:p>
-            <a:pPr>
-              <a:defRPr sz="1197" b="0" i="0" u="none" strike="noStrike" kern="1200" baseline="0">
-                <a:solidFill>
-                  <a:schemeClr val="tx1">
-                    <a:lumMod val="65000"/>
-                    <a:lumOff val="35000"/>
-                  </a:schemeClr>
-                </a:solidFill>
-                <a:latin typeface="+mn-lt"/>
-                <a:ea typeface="+mn-ea"/>
-                <a:cs typeface="+mn-cs"/>
-              </a:defRPr>
-            </a:pPr>
-            <a:endParaRPr lang="en-US"/>
-          </a:p>
-        </c:txPr>
-        <c:crossAx val="416104704"/>
-        <c:crosses val="autoZero"/>
-        <c:auto val="1"/>
-        <c:lblAlgn val="ctr"/>
-        <c:lblOffset val="100"/>
-        <c:noMultiLvlLbl val="0"/>
-      </c:catAx>
-      <c:valAx>
-        <c:axId val="416104704"/>
-        <c:scaling>
-          <c:orientation val="minMax"/>
-        </c:scaling>
-        <c:delete val="0"/>
-        <c:axPos val="l"/>
-        <c:majorGridlines>
-          <c:spPr>
-            <a:ln w="9525" cap="flat" cmpd="sng" algn="ctr">
-              <a:solidFill>
-                <a:schemeClr val="tx1">
-                  <a:lumMod val="15000"/>
-                  <a:lumOff val="85000"/>
-                </a:schemeClr>
-              </a:solidFill>
-              <a:round/>
-            </a:ln>
-            <a:effectLst/>
-          </c:spPr>
-        </c:majorGridlines>
-        <c:title>
-          <c:overlay val="0"/>
-          <c:spPr>
-            <a:noFill/>
-            <a:ln>
-              <a:noFill/>
-            </a:ln>
-            <a:effectLst/>
-          </c:spPr>
-          <c:txPr>
-            <a:bodyPr rot="-5400000" spcFirstLastPara="1" vertOverflow="ellipsis" vert="horz" wrap="square" anchor="ctr" anchorCtr="1"/>
-            <a:lstStyle/>
-            <a:p>
-              <a:pPr>
-                <a:defRPr sz="1330" b="0" i="0" u="none" strike="noStrike" kern="1200" baseline="0">
-                  <a:solidFill>
-                    <a:schemeClr val="tx1">
-                      <a:lumMod val="65000"/>
-                      <a:lumOff val="35000"/>
-                    </a:schemeClr>
-                  </a:solidFill>
-                  <a:latin typeface="+mn-lt"/>
-                  <a:ea typeface="+mn-ea"/>
-                  <a:cs typeface="+mn-cs"/>
-                </a:defRPr>
-              </a:pPr>
-              <a:endParaRPr lang="en-US"/>
-            </a:p>
-          </c:txPr>
-        </c:title>
-        <c:numFmt formatCode="General" sourceLinked="1"/>
-        <c:majorTickMark val="none"/>
-        <c:minorTickMark val="none"/>
-        <c:tickLblPos val="nextTo"/>
-        <c:spPr>
-          <a:noFill/>
-          <a:ln>
-            <a:noFill/>
-          </a:ln>
-          <a:effectLst/>
-        </c:spPr>
-        <c:txPr>
-          <a:bodyPr rot="-60000000" spcFirstLastPara="1" vertOverflow="ellipsis" vert="horz" wrap="square" anchor="ctr" anchorCtr="1"/>
-          <a:lstStyle/>
-          <a:p>
-            <a:pPr>
-              <a:defRPr sz="1197" b="0" i="0" u="none" strike="noStrike" kern="1200" baseline="0">
-                <a:solidFill>
-                  <a:schemeClr val="tx1">
-                    <a:lumMod val="65000"/>
-                    <a:lumOff val="35000"/>
-                  </a:schemeClr>
-                </a:solidFill>
-                <a:latin typeface="+mn-lt"/>
-                <a:ea typeface="+mn-ea"/>
-                <a:cs typeface="+mn-cs"/>
-              </a:defRPr>
-            </a:pPr>
-            <a:endParaRPr lang="en-US"/>
-          </a:p>
-        </c:txPr>
-        <c:crossAx val="416104144"/>
-        <c:crosses val="autoZero"/>
-        <c:crossBetween val="between"/>
-      </c:valAx>
-      <c:spPr>
-        <a:noFill/>
-        <a:ln>
-          <a:noFill/>
-        </a:ln>
-        <a:effectLst/>
-      </c:spPr>
-    </c:plotArea>
-    <c:plotVisOnly val="1"/>
-    <c:dispBlanksAs val="gap"/>
-    <c:showDLblsOverMax val="0"/>
-  </c:chart>
-  <c:spPr>
-    <a:noFill/>
-    <a:ln>
-      <a:noFill/>
-    </a:ln>
-    <a:effectLst/>
-  </c:spPr>
-  <c:txPr>
-    <a:bodyPr/>
-    <a:lstStyle/>
-    <a:p>
-      <a:pPr>
-        <a:defRPr/>
-      </a:pPr>
-      <a:endParaRPr lang="en-US"/>
-    </a:p>
-  </c:txPr>
-  <c:externalData r:id="rId3">
-    <c:autoUpdate val="0"/>
-  </c:externalData>
-</c:chartSpace>
-</file>
-
-<file path=ppt/charts/colors1.xml><?xml version="1.0" encoding="utf-8"?>
-<cs:colorStyle xmlns:cs="http://schemas.microsoft.com/office/drawing/2012/chartStyle" xmlns:a="http://schemas.openxmlformats.org/drawingml/2006/main" meth="cycle" id="10">
-  <a:schemeClr val="accent1"/>
-  <a:schemeClr val="accent2"/>
-  <a:schemeClr val="accent3"/>
-  <a:schemeClr val="accent4"/>
-  <a:schemeClr val="accent5"/>
-  <a:schemeClr val="accent6"/>
-  <cs:variation/>
-  <cs:variation>
-    <a:lumMod val="60000"/>
-  </cs:variation>
-  <cs:variation>
-    <a:lumMod val="80000"/>
-    <a:lumOff val="20000"/>
-  </cs:variation>
-  <cs:variation>
-    <a:lumMod val="80000"/>
-  </cs:variation>
-  <cs:variation>
-    <a:lumMod val="60000"/>
-    <a:lumOff val="40000"/>
-  </cs:variation>
-  <cs:variation>
-    <a:lumMod val="50000"/>
-  </cs:variation>
-  <cs:variation>
-    <a:lumMod val="70000"/>
-    <a:lumOff val="30000"/>
-  </cs:variation>
-  <cs:variation>
-    <a:lumMod val="70000"/>
-  </cs:variation>
-  <cs:variation>
-    <a:lumMod val="50000"/>
-    <a:lumOff val="50000"/>
-  </cs:variation>
-</cs:colorStyle>
-</file>
-
-<file path=ppt/charts/colors2.xml><?xml version="1.0" encoding="utf-8"?>
-<cs:colorStyle xmlns:cs="http://schemas.microsoft.com/office/drawing/2012/chartStyle" xmlns:a="http://schemas.openxmlformats.org/drawingml/2006/main" meth="cycle" id="10">
-  <a:schemeClr val="accent1"/>
-  <a:schemeClr val="accent2"/>
-  <a:schemeClr val="accent3"/>
-  <a:schemeClr val="accent4"/>
-  <a:schemeClr val="accent5"/>
-  <a:schemeClr val="accent6"/>
-  <cs:variation/>
-  <cs:variation>
-    <a:lumMod val="60000"/>
-  </cs:variation>
-  <cs:variation>
-    <a:lumMod val="80000"/>
-    <a:lumOff val="20000"/>
-  </cs:variation>
-  <cs:variation>
-    <a:lumMod val="80000"/>
-  </cs:variation>
-  <cs:variation>
-    <a:lumMod val="60000"/>
-    <a:lumOff val="40000"/>
-  </cs:variation>
-  <cs:variation>
-    <a:lumMod val="50000"/>
-  </cs:variation>
-  <cs:variation>
-    <a:lumMod val="70000"/>
-    <a:lumOff val="30000"/>
-  </cs:variation>
-  <cs:variation>
-    <a:lumMod val="70000"/>
-  </cs:variation>
-  <cs:variation>
-    <a:lumMod val="50000"/>
-    <a:lumOff val="50000"/>
-  </cs:variation>
-</cs:colorStyle>
-</file>
-
-<file path=ppt/charts/style1.xml><?xml version="1.0" encoding="utf-8"?>
-<cs:chartStyle xmlns:cs="http://schemas.microsoft.com/office/drawing/2012/chartStyle" xmlns:a="http://schemas.openxmlformats.org/drawingml/2006/main" id="227">
-  <cs:axisTitle>
-    <cs:lnRef idx="0"/>
-    <cs:fillRef idx="0"/>
-    <cs:effectRef idx="0"/>
-    <cs:fontRef idx="minor">
-      <a:schemeClr val="tx1">
-        <a:lumMod val="65000"/>
-        <a:lumOff val="35000"/>
-      </a:schemeClr>
-    </cs:fontRef>
-    <cs:defRPr sz="1330" kern="1200"/>
-  </cs:axisTitle>
-  <cs:categoryAxis>
-    <cs:lnRef idx="0"/>
-    <cs:fillRef idx="0"/>
-    <cs:effectRef idx="0"/>
-    <cs:fontRef idx="minor">
-      <a:schemeClr val="tx1">
-        <a:lumMod val="65000"/>
-        <a:lumOff val="35000"/>
-      </a:schemeClr>
-    </cs:fontRef>
-    <cs:spPr>
-      <a:ln w="9525" cap="flat" cmpd="sng" algn="ctr">
-        <a:solidFill>
-          <a:schemeClr val="tx1">
-            <a:lumMod val="15000"/>
-            <a:lumOff val="85000"/>
-          </a:schemeClr>
-        </a:solidFill>
-        <a:round/>
-      </a:ln>
-    </cs:spPr>
-    <cs:defRPr sz="1197" kern="1200"/>
-  </cs:categoryAxis>
-  <cs:chartArea mods="allowNoFillOverride allowNoLineOverride">
-    <cs:lnRef idx="0"/>
-    <cs:fillRef idx="0"/>
-    <cs:effectRef idx="0"/>
-    <cs:fontRef idx="minor">
-      <a:schemeClr val="tx1"/>
-    </cs:fontRef>
-    <cs:spPr>
-      <a:solidFill>
-        <a:schemeClr val="bg1"/>
-      </a:solidFill>
-      <a:ln w="9525" cap="flat" cmpd="sng" algn="ctr">
-        <a:solidFill>
-          <a:schemeClr val="tx1">
-            <a:lumMod val="15000"/>
-            <a:lumOff val="85000"/>
-          </a:schemeClr>
-        </a:solidFill>
-        <a:round/>
-      </a:ln>
-    </cs:spPr>
-    <cs:defRPr sz="1330" kern="1200"/>
-  </cs:chartArea>
-  <cs:dataLabel>
-    <cs:lnRef idx="0"/>
-    <cs:fillRef idx="0"/>
-    <cs:effectRef idx="0"/>
-    <cs:fontRef idx="minor">
-      <a:schemeClr val="tx1">
-        <a:lumMod val="75000"/>
-        <a:lumOff val="25000"/>
-      </a:schemeClr>
-    </cs:fontRef>
-    <cs:defRPr sz="1197" kern="1200"/>
-  </cs:dataLabel>
-  <cs:dataLabelCallout>
-    <cs:lnRef idx="0"/>
-    <cs:fillRef idx="0"/>
-    <cs:effectRef idx="0"/>
-    <cs:fontRef idx="minor">
-      <a:schemeClr val="dk1">
-        <a:lumMod val="65000"/>
-        <a:lumOff val="35000"/>
-      </a:schemeClr>
-    </cs:fontRef>
-    <cs:spPr>
-      <a:solidFill>
-        <a:schemeClr val="lt1"/>
-      </a:solidFill>
-      <a:ln>
-        <a:solidFill>
-          <a:schemeClr val="dk1">
-            <a:lumMod val="25000"/>
-            <a:lumOff val="75000"/>
-          </a:schemeClr>
-        </a:solidFill>
-      </a:ln>
-    </cs:spPr>
-    <cs:defRPr sz="1197" kern="1200"/>
-    <cs:bodyPr rot="0" spcFirstLastPara="1" vertOverflow="clip" horzOverflow="clip" vert="horz" wrap="square" lIns="36576" tIns="18288" rIns="36576" bIns="18288" anchor="ctr" anchorCtr="1">
-      <a:spAutoFit/>
-    </cs:bodyPr>
-  </cs:dataLabelCallout>
-  <cs:dataPoint>
-    <cs:lnRef idx="0"/>
-    <cs:fillRef idx="1">
-      <cs:styleClr val="auto"/>
-    </cs:fillRef>
-    <cs:effectRef idx="0"/>
-    <cs:fontRef idx="minor">
-      <a:schemeClr val="tx1"/>
-    </cs:fontRef>
-    <cs:spPr>
-      <a:solidFill>
-        <a:schemeClr val="phClr"/>
-      </a:solidFill>
-    </cs:spPr>
-  </cs:dataPoint>
-  <cs:dataPoint3D>
-    <cs:lnRef idx="0"/>
-    <cs:fillRef idx="1">
-      <cs:styleClr val="auto"/>
-    </cs:fillRef>
-    <cs:effectRef idx="0"/>
-    <cs:fontRef idx="minor">
-      <a:schemeClr val="tx1"/>
-    </cs:fontRef>
-    <cs:spPr>
-      <a:solidFill>
-        <a:schemeClr val="phClr"/>
-      </a:solidFill>
-    </cs:spPr>
-  </cs:dataPoint3D>
-  <cs:dataPointLine>
-    <cs:lnRef idx="0">
-      <cs:styleClr val="auto"/>
-    </cs:lnRef>
-    <cs:fillRef idx="1"/>
-    <cs:effectRef idx="0"/>
-    <cs:fontRef idx="minor">
-      <a:schemeClr val="tx1"/>
-    </cs:fontRef>
-    <cs:spPr>
-      <a:ln w="28575" cap="rnd">
-        <a:solidFill>
-          <a:schemeClr val="phClr"/>
-        </a:solidFill>
-        <a:round/>
-      </a:ln>
-    </cs:spPr>
-  </cs:dataPointLine>
-  <cs:dataPointMarker>
-    <cs:lnRef idx="0">
-      <cs:styleClr val="auto"/>
-    </cs:lnRef>
-    <cs:fillRef idx="1">
-      <cs:styleClr val="auto"/>
-    </cs:fillRef>
-    <cs:effectRef idx="0"/>
-    <cs:fontRef idx="minor">
-      <a:schemeClr val="tx1"/>
-    </cs:fontRef>
-    <cs:spPr>
-      <a:solidFill>
-        <a:schemeClr val="phClr"/>
-      </a:solidFill>
-      <a:ln w="9525">
-        <a:solidFill>
-          <a:schemeClr val="phClr"/>
-        </a:solidFill>
-      </a:ln>
-    </cs:spPr>
-  </cs:dataPointMarker>
-  <cs:dataPointMarkerLayout symbol="circle" size="5"/>
-  <cs:dataPointWireframe>
-    <cs:lnRef idx="0">
-      <cs:styleClr val="auto"/>
-    </cs:lnRef>
-    <cs:fillRef idx="1"/>
-    <cs:effectRef idx="0"/>
-    <cs:fontRef idx="minor">
-      <a:schemeClr val="tx1"/>
-    </cs:fontRef>
-    <cs:spPr>
-      <a:ln w="9525" cap="rnd">
-        <a:solidFill>
-          <a:schemeClr val="phClr"/>
-        </a:solidFill>
-        <a:round/>
-      </a:ln>
-    </cs:spPr>
-  </cs:dataPointWireframe>
-  <cs:dataTable>
-    <cs:lnRef idx="0"/>
-    <cs:fillRef idx="0"/>
-    <cs:effectRef idx="0"/>
-    <cs:fontRef idx="minor">
-      <a:schemeClr val="tx1">
-        <a:lumMod val="65000"/>
-        <a:lumOff val="35000"/>
-      </a:schemeClr>
-    </cs:fontRef>
-    <cs:spPr>
-      <a:noFill/>
-      <a:ln w="9525" cap="flat" cmpd="sng" algn="ctr">
-        <a:solidFill>
-          <a:schemeClr val="tx1">
-            <a:lumMod val="15000"/>
-            <a:lumOff val="85000"/>
-          </a:schemeClr>
-        </a:solidFill>
-        <a:round/>
-      </a:ln>
-    </cs:spPr>
-    <cs:defRPr sz="1197" kern="1200"/>
-  </cs:dataTable>
-  <cs:downBar>
-    <cs:lnRef idx="0"/>
-    <cs:fillRef idx="0"/>
-    <cs:effectRef idx="0"/>
-    <cs:fontRef idx="minor">
-      <a:schemeClr val="dk1"/>
-    </cs:fontRef>
-    <cs:spPr>
-      <a:solidFill>
-        <a:schemeClr val="dk1">
-          <a:lumMod val="65000"/>
-          <a:lumOff val="35000"/>
-        </a:schemeClr>
-      </a:solidFill>
-      <a:ln w="9525">
-        <a:solidFill>
-          <a:schemeClr val="tx1">
-            <a:lumMod val="65000"/>
-            <a:lumOff val="35000"/>
-          </a:schemeClr>
-        </a:solidFill>
-      </a:ln>
-    </cs:spPr>
-  </cs:downBar>
-  <cs:dropLine>
-    <cs:lnRef idx="0"/>
-    <cs:fillRef idx="0"/>
-    <cs:effectRef idx="0"/>
-    <cs:fontRef idx="minor">
-      <a:schemeClr val="tx1"/>
-    </cs:fontRef>
-    <cs:spPr>
-      <a:ln w="9525" cap="flat" cmpd="sng" algn="ctr">
-        <a:solidFill>
-          <a:schemeClr val="tx1">
-            <a:lumMod val="35000"/>
-            <a:lumOff val="65000"/>
-          </a:schemeClr>
-        </a:solidFill>
-        <a:round/>
-      </a:ln>
-    </cs:spPr>
-  </cs:dropLine>
-  <cs:errorBar>
-    <cs:lnRef idx="0"/>
-    <cs:fillRef idx="0"/>
-    <cs:effectRef idx="0"/>
-    <cs:fontRef idx="minor">
-      <a:schemeClr val="tx1"/>
-    </cs:fontRef>
-    <cs:spPr>
-      <a:ln w="9525" cap="flat" cmpd="sng" algn="ctr">
-        <a:solidFill>
-          <a:schemeClr val="tx1">
-            <a:lumMod val="65000"/>
-            <a:lumOff val="35000"/>
-          </a:schemeClr>
-        </a:solidFill>
-        <a:round/>
-      </a:ln>
-    </cs:spPr>
-  </cs:errorBar>
-  <cs:floor>
-    <cs:lnRef idx="0"/>
-    <cs:fillRef idx="0"/>
-    <cs:effectRef idx="0"/>
-    <cs:fontRef idx="minor">
-      <a:schemeClr val="tx1"/>
-    </cs:fontRef>
-    <cs:spPr>
-      <a:noFill/>
-      <a:ln>
-        <a:noFill/>
-      </a:ln>
-    </cs:spPr>
-  </cs:floor>
-  <cs:gridlineMajor>
-    <cs:lnRef idx="0"/>
-    <cs:fillRef idx="0"/>
-    <cs:effectRef idx="0"/>
-    <cs:fontRef idx="minor">
-      <a:schemeClr val="tx1"/>
-    </cs:fontRef>
-    <cs:spPr>
-      <a:ln w="9525" cap="flat" cmpd="sng" algn="ctr">
-        <a:solidFill>
-          <a:schemeClr val="tx1">
-            <a:lumMod val="15000"/>
-            <a:lumOff val="85000"/>
-          </a:schemeClr>
-        </a:solidFill>
-        <a:round/>
-      </a:ln>
-    </cs:spPr>
-  </cs:gridlineMajor>
-  <cs:gridlineMinor>
-    <cs:lnRef idx="0"/>
-    <cs:fillRef idx="0"/>
-    <cs:effectRef idx="0"/>
-    <cs:fontRef idx="minor">
-      <a:schemeClr val="tx1"/>
-    </cs:fontRef>
-    <cs:spPr>
-      <a:ln w="9525" cap="flat" cmpd="sng" algn="ctr">
-        <a:solidFill>
-          <a:schemeClr val="tx1">
-            <a:lumMod val="5000"/>
-            <a:lumOff val="95000"/>
-          </a:schemeClr>
-        </a:solidFill>
-        <a:round/>
-      </a:ln>
-    </cs:spPr>
-  </cs:gridlineMinor>
-  <cs:hiLoLine>
-    <cs:lnRef idx="0"/>
-    <cs:fillRef idx="0"/>
-    <cs:effectRef idx="0"/>
-    <cs:fontRef idx="minor">
-      <a:schemeClr val="tx1"/>
-    </cs:fontRef>
-    <cs:spPr>
-      <a:ln w="9525" cap="flat" cmpd="sng" algn="ctr">
-        <a:solidFill>
-          <a:schemeClr val="tx1">
-            <a:lumMod val="75000"/>
-            <a:lumOff val="25000"/>
-          </a:schemeClr>
-        </a:solidFill>
-        <a:round/>
-      </a:ln>
-    </cs:spPr>
-  </cs:hiLoLine>
-  <cs:leaderLine>
-    <cs:lnRef idx="0"/>
-    <cs:fillRef idx="0"/>
-    <cs:effectRef idx="0"/>
-    <cs:fontRef idx="minor">
-      <a:schemeClr val="tx1"/>
-    </cs:fontRef>
-    <cs:spPr>
-      <a:ln w="9525" cap="flat" cmpd="sng" algn="ctr">
-        <a:solidFill>
-          <a:schemeClr val="tx1">
-            <a:lumMod val="35000"/>
-            <a:lumOff val="65000"/>
-          </a:schemeClr>
-        </a:solidFill>
-        <a:round/>
-      </a:ln>
-    </cs:spPr>
-  </cs:leaderLine>
-  <cs:legend>
-    <cs:lnRef idx="0"/>
-    <cs:fillRef idx="0"/>
-    <cs:effectRef idx="0"/>
-    <cs:fontRef idx="minor">
-      <a:schemeClr val="tx1">
-        <a:lumMod val="65000"/>
-        <a:lumOff val="35000"/>
-      </a:schemeClr>
-    </cs:fontRef>
-    <cs:defRPr sz="1197" kern="1200"/>
-  </cs:legend>
-  <cs:plotArea mods="allowNoFillOverride allowNoLineOverride">
-    <cs:lnRef idx="0"/>
-    <cs:fillRef idx="0"/>
-    <cs:effectRef idx="0"/>
-    <cs:fontRef idx="minor">
-      <a:schemeClr val="tx1"/>
-    </cs:fontRef>
-  </cs:plotArea>
-  <cs:plotArea3D mods="allowNoFillOverride allowNoLineOverride">
-    <cs:lnRef idx="0"/>
-    <cs:fillRef idx="0"/>
-    <cs:effectRef idx="0"/>
-    <cs:fontRef idx="minor">
-      <a:schemeClr val="tx1"/>
-    </cs:fontRef>
-  </cs:plotArea3D>
-  <cs:seriesAxis>
-    <cs:lnRef idx="0"/>
-    <cs:fillRef idx="0"/>
-    <cs:effectRef idx="0"/>
-    <cs:fontRef idx="minor">
-      <a:schemeClr val="tx1">
-        <a:lumMod val="65000"/>
-        <a:lumOff val="35000"/>
-      </a:schemeClr>
-    </cs:fontRef>
-    <cs:defRPr sz="1197" kern="1200"/>
-  </cs:seriesAxis>
-  <cs:seriesLine>
-    <cs:lnRef idx="0"/>
-    <cs:fillRef idx="0"/>
-    <cs:effectRef idx="0"/>
-    <cs:fontRef idx="minor">
-      <a:schemeClr val="tx1"/>
-    </cs:fontRef>
-    <cs:spPr>
-      <a:ln w="9525" cap="flat" cmpd="sng" algn="ctr">
-        <a:solidFill>
-          <a:schemeClr val="tx1">
-            <a:lumMod val="35000"/>
-            <a:lumOff val="65000"/>
-          </a:schemeClr>
-        </a:solidFill>
-        <a:round/>
-      </a:ln>
-    </cs:spPr>
-  </cs:seriesLine>
-  <cs:title>
-    <cs:lnRef idx="0"/>
-    <cs:fillRef idx="0"/>
-    <cs:effectRef idx="0"/>
-    <cs:fontRef idx="minor">
-      <a:schemeClr val="tx1">
-        <a:lumMod val="65000"/>
-        <a:lumOff val="35000"/>
-      </a:schemeClr>
-    </cs:fontRef>
-    <cs:defRPr sz="1862" b="0" kern="1200" spc="0" baseline="0"/>
-  </cs:title>
-  <cs:trendline>
-    <cs:lnRef idx="0">
-      <cs:styleClr val="auto"/>
-    </cs:lnRef>
-    <cs:fillRef idx="0"/>
-    <cs:effectRef idx="0"/>
-    <cs:fontRef idx="minor">
-      <a:schemeClr val="tx1"/>
-    </cs:fontRef>
-    <cs:spPr>
-      <a:ln w="19050" cap="rnd">
-        <a:solidFill>
-          <a:schemeClr val="phClr"/>
-        </a:solidFill>
-        <a:prstDash val="sysDot"/>
-      </a:ln>
-    </cs:spPr>
-  </cs:trendline>
-  <cs:trendlineLabel>
-    <cs:lnRef idx="0"/>
-    <cs:fillRef idx="0"/>
-    <cs:effectRef idx="0"/>
-    <cs:fontRef idx="minor">
-      <a:schemeClr val="tx1">
-        <a:lumMod val="65000"/>
-        <a:lumOff val="35000"/>
-      </a:schemeClr>
-    </cs:fontRef>
-    <cs:defRPr sz="1197" kern="1200"/>
-  </cs:trendlineLabel>
-  <cs:upBar>
-    <cs:lnRef idx="0"/>
-    <cs:fillRef idx="0"/>
-    <cs:effectRef idx="0"/>
-    <cs:fontRef idx="minor">
-      <a:schemeClr val="dk1"/>
-    </cs:fontRef>
-    <cs:spPr>
-      <a:solidFill>
-        <a:schemeClr val="lt1"/>
-      </a:solidFill>
-      <a:ln w="9525">
-        <a:solidFill>
-          <a:schemeClr val="tx1">
-            <a:lumMod val="15000"/>
-            <a:lumOff val="85000"/>
-          </a:schemeClr>
-        </a:solidFill>
-      </a:ln>
-    </cs:spPr>
-  </cs:upBar>
-  <cs:valueAxis>
-    <cs:lnRef idx="0"/>
-    <cs:fillRef idx="0"/>
-    <cs:effectRef idx="0"/>
-    <cs:fontRef idx="minor">
-      <a:schemeClr val="tx1">
-        <a:lumMod val="65000"/>
-        <a:lumOff val="35000"/>
-      </a:schemeClr>
-    </cs:fontRef>
-    <cs:defRPr sz="1197" kern="1200"/>
-  </cs:valueAxis>
-  <cs:wall>
-    <cs:lnRef idx="0"/>
-    <cs:fillRef idx="0"/>
-    <cs:effectRef idx="0"/>
-    <cs:fontRef idx="minor">
-      <a:schemeClr val="tx1"/>
-    </cs:fontRef>
-    <cs:spPr>
-      <a:noFill/>
-      <a:ln>
-        <a:noFill/>
-      </a:ln>
-    </cs:spPr>
-  </cs:wall>
-</cs:chartStyle>
-</file>
-
-<file path=ppt/charts/style2.xml><?xml version="1.0" encoding="utf-8"?>
-<cs:chartStyle xmlns:cs="http://schemas.microsoft.com/office/drawing/2012/chartStyle" xmlns:a="http://schemas.openxmlformats.org/drawingml/2006/main" id="227">
-  <cs:axisTitle>
-    <cs:lnRef idx="0"/>
-    <cs:fillRef idx="0"/>
-    <cs:effectRef idx="0"/>
-    <cs:fontRef idx="minor">
-      <a:schemeClr val="tx1">
-        <a:lumMod val="65000"/>
-        <a:lumOff val="35000"/>
-      </a:schemeClr>
-    </cs:fontRef>
-    <cs:defRPr sz="1330" kern="1200"/>
-  </cs:axisTitle>
-  <cs:categoryAxis>
-    <cs:lnRef idx="0"/>
-    <cs:fillRef idx="0"/>
-    <cs:effectRef idx="0"/>
-    <cs:fontRef idx="minor">
-      <a:schemeClr val="tx1">
-        <a:lumMod val="65000"/>
-        <a:lumOff val="35000"/>
-      </a:schemeClr>
-    </cs:fontRef>
-    <cs:spPr>
-      <a:ln w="9525" cap="flat" cmpd="sng" algn="ctr">
-        <a:solidFill>
-          <a:schemeClr val="tx1">
-            <a:lumMod val="15000"/>
-            <a:lumOff val="85000"/>
-          </a:schemeClr>
-        </a:solidFill>
-        <a:round/>
-      </a:ln>
-    </cs:spPr>
-    <cs:defRPr sz="1197" kern="1200"/>
-  </cs:categoryAxis>
-  <cs:chartArea mods="allowNoFillOverride allowNoLineOverride">
-    <cs:lnRef idx="0"/>
-    <cs:fillRef idx="0"/>
-    <cs:effectRef idx="0"/>
-    <cs:fontRef idx="minor">
-      <a:schemeClr val="tx1"/>
-    </cs:fontRef>
-    <cs:spPr>
-      <a:solidFill>
-        <a:schemeClr val="bg1"/>
-      </a:solidFill>
-      <a:ln w="9525" cap="flat" cmpd="sng" algn="ctr">
-        <a:solidFill>
-          <a:schemeClr val="tx1">
-            <a:lumMod val="15000"/>
-            <a:lumOff val="85000"/>
-          </a:schemeClr>
-        </a:solidFill>
-        <a:round/>
-      </a:ln>
-    </cs:spPr>
-    <cs:defRPr sz="1330" kern="1200"/>
-  </cs:chartArea>
-  <cs:dataLabel>
-    <cs:lnRef idx="0"/>
-    <cs:fillRef idx="0"/>
-    <cs:effectRef idx="0"/>
-    <cs:fontRef idx="minor">
-      <a:schemeClr val="tx1">
-        <a:lumMod val="75000"/>
-        <a:lumOff val="25000"/>
-      </a:schemeClr>
-    </cs:fontRef>
-    <cs:defRPr sz="1197" kern="1200"/>
-  </cs:dataLabel>
-  <cs:dataLabelCallout>
-    <cs:lnRef idx="0"/>
-    <cs:fillRef idx="0"/>
-    <cs:effectRef idx="0"/>
-    <cs:fontRef idx="minor">
-      <a:schemeClr val="dk1">
-        <a:lumMod val="65000"/>
-        <a:lumOff val="35000"/>
-      </a:schemeClr>
-    </cs:fontRef>
-    <cs:spPr>
-      <a:solidFill>
-        <a:schemeClr val="lt1"/>
-      </a:solidFill>
-      <a:ln>
-        <a:solidFill>
-          <a:schemeClr val="dk1">
-            <a:lumMod val="25000"/>
-            <a:lumOff val="75000"/>
-          </a:schemeClr>
-        </a:solidFill>
-      </a:ln>
-    </cs:spPr>
-    <cs:defRPr sz="1197" kern="1200"/>
-    <cs:bodyPr rot="0" spcFirstLastPara="1" vertOverflow="clip" horzOverflow="clip" vert="horz" wrap="square" lIns="36576" tIns="18288" rIns="36576" bIns="18288" anchor="ctr" anchorCtr="1">
-      <a:spAutoFit/>
-    </cs:bodyPr>
-  </cs:dataLabelCallout>
-  <cs:dataPoint>
-    <cs:lnRef idx="0"/>
-    <cs:fillRef idx="1">
-      <cs:styleClr val="auto"/>
-    </cs:fillRef>
-    <cs:effectRef idx="0"/>
-    <cs:fontRef idx="minor">
-      <a:schemeClr val="tx1"/>
-    </cs:fontRef>
-    <cs:spPr>
-      <a:solidFill>
-        <a:schemeClr val="phClr"/>
-      </a:solidFill>
-    </cs:spPr>
-  </cs:dataPoint>
-  <cs:dataPoint3D>
-    <cs:lnRef idx="0"/>
-    <cs:fillRef idx="1">
-      <cs:styleClr val="auto"/>
-    </cs:fillRef>
-    <cs:effectRef idx="0"/>
-    <cs:fontRef idx="minor">
-      <a:schemeClr val="tx1"/>
-    </cs:fontRef>
-    <cs:spPr>
-      <a:solidFill>
-        <a:schemeClr val="phClr"/>
-      </a:solidFill>
-    </cs:spPr>
-  </cs:dataPoint3D>
-  <cs:dataPointLine>
-    <cs:lnRef idx="0">
-      <cs:styleClr val="auto"/>
-    </cs:lnRef>
-    <cs:fillRef idx="1"/>
-    <cs:effectRef idx="0"/>
-    <cs:fontRef idx="minor">
-      <a:schemeClr val="tx1"/>
-    </cs:fontRef>
-    <cs:spPr>
-      <a:ln w="28575" cap="rnd">
-        <a:solidFill>
-          <a:schemeClr val="phClr"/>
-        </a:solidFill>
-        <a:round/>
-      </a:ln>
-    </cs:spPr>
-  </cs:dataPointLine>
-  <cs:dataPointMarker>
-    <cs:lnRef idx="0">
-      <cs:styleClr val="auto"/>
-    </cs:lnRef>
-    <cs:fillRef idx="1">
-      <cs:styleClr val="auto"/>
-    </cs:fillRef>
-    <cs:effectRef idx="0"/>
-    <cs:fontRef idx="minor">
-      <a:schemeClr val="tx1"/>
-    </cs:fontRef>
-    <cs:spPr>
-      <a:solidFill>
-        <a:schemeClr val="phClr"/>
-      </a:solidFill>
-      <a:ln w="9525">
-        <a:solidFill>
-          <a:schemeClr val="phClr"/>
-        </a:solidFill>
-      </a:ln>
-    </cs:spPr>
-  </cs:dataPointMarker>
-  <cs:dataPointMarkerLayout symbol="circle" size="5"/>
-  <cs:dataPointWireframe>
-    <cs:lnRef idx="0">
-      <cs:styleClr val="auto"/>
-    </cs:lnRef>
-    <cs:fillRef idx="1"/>
-    <cs:effectRef idx="0"/>
-    <cs:fontRef idx="minor">
-      <a:schemeClr val="tx1"/>
-    </cs:fontRef>
-    <cs:spPr>
-      <a:ln w="9525" cap="rnd">
-        <a:solidFill>
-          <a:schemeClr val="phClr"/>
-        </a:solidFill>
-        <a:round/>
-      </a:ln>
-    </cs:spPr>
-  </cs:dataPointWireframe>
-  <cs:dataTable>
-    <cs:lnRef idx="0"/>
-    <cs:fillRef idx="0"/>
-    <cs:effectRef idx="0"/>
-    <cs:fontRef idx="minor">
-      <a:schemeClr val="tx1">
-        <a:lumMod val="65000"/>
-        <a:lumOff val="35000"/>
-      </a:schemeClr>
-    </cs:fontRef>
-    <cs:spPr>
-      <a:noFill/>
-      <a:ln w="9525" cap="flat" cmpd="sng" algn="ctr">
-        <a:solidFill>
-          <a:schemeClr val="tx1">
-            <a:lumMod val="15000"/>
-            <a:lumOff val="85000"/>
-          </a:schemeClr>
-        </a:solidFill>
-        <a:round/>
-      </a:ln>
-    </cs:spPr>
-    <cs:defRPr sz="1197" kern="1200"/>
-  </cs:dataTable>
-  <cs:downBar>
-    <cs:lnRef idx="0"/>
-    <cs:fillRef idx="0"/>
-    <cs:effectRef idx="0"/>
-    <cs:fontRef idx="minor">
-      <a:schemeClr val="dk1"/>
-    </cs:fontRef>
-    <cs:spPr>
-      <a:solidFill>
-        <a:schemeClr val="dk1">
-          <a:lumMod val="65000"/>
-          <a:lumOff val="35000"/>
-        </a:schemeClr>
-      </a:solidFill>
-      <a:ln w="9525">
-        <a:solidFill>
-          <a:schemeClr val="tx1">
-            <a:lumMod val="65000"/>
-            <a:lumOff val="35000"/>
-          </a:schemeClr>
-        </a:solidFill>
-      </a:ln>
-    </cs:spPr>
-  </cs:downBar>
-  <cs:dropLine>
-    <cs:lnRef idx="0"/>
-    <cs:fillRef idx="0"/>
-    <cs:effectRef idx="0"/>
-    <cs:fontRef idx="minor">
-      <a:schemeClr val="tx1"/>
-    </cs:fontRef>
-    <cs:spPr>
-      <a:ln w="9525" cap="flat" cmpd="sng" algn="ctr">
-        <a:solidFill>
-          <a:schemeClr val="tx1">
-            <a:lumMod val="35000"/>
-            <a:lumOff val="65000"/>
-          </a:schemeClr>
-        </a:solidFill>
-        <a:round/>
-      </a:ln>
-    </cs:spPr>
-  </cs:dropLine>
-  <cs:errorBar>
-    <cs:lnRef idx="0"/>
-    <cs:fillRef idx="0"/>
-    <cs:effectRef idx="0"/>
-    <cs:fontRef idx="minor">
-      <a:schemeClr val="tx1"/>
-    </cs:fontRef>
-    <cs:spPr>
-      <a:ln w="9525" cap="flat" cmpd="sng" algn="ctr">
-        <a:solidFill>
-          <a:schemeClr val="tx1">
-            <a:lumMod val="65000"/>
-            <a:lumOff val="35000"/>
-          </a:schemeClr>
-        </a:solidFill>
-        <a:round/>
-      </a:ln>
-    </cs:spPr>
-  </cs:errorBar>
-  <cs:floor>
-    <cs:lnRef idx="0"/>
-    <cs:fillRef idx="0"/>
-    <cs:effectRef idx="0"/>
-    <cs:fontRef idx="minor">
-      <a:schemeClr val="tx1"/>
-    </cs:fontRef>
-    <cs:spPr>
-      <a:noFill/>
-      <a:ln>
-        <a:noFill/>
-      </a:ln>
-    </cs:spPr>
-  </cs:floor>
-  <cs:gridlineMajor>
-    <cs:lnRef idx="0"/>
-    <cs:fillRef idx="0"/>
-    <cs:effectRef idx="0"/>
-    <cs:fontRef idx="minor">
-      <a:schemeClr val="tx1"/>
-    </cs:fontRef>
-    <cs:spPr>
-      <a:ln w="9525" cap="flat" cmpd="sng" algn="ctr">
-        <a:solidFill>
-          <a:schemeClr val="tx1">
-            <a:lumMod val="15000"/>
-            <a:lumOff val="85000"/>
-          </a:schemeClr>
-        </a:solidFill>
-        <a:round/>
-      </a:ln>
-    </cs:spPr>
-  </cs:gridlineMajor>
-  <cs:gridlineMinor>
-    <cs:lnRef idx="0"/>
-    <cs:fillRef idx="0"/>
-    <cs:effectRef idx="0"/>
-    <cs:fontRef idx="minor">
-      <a:schemeClr val="tx1"/>
-    </cs:fontRef>
-    <cs:spPr>
-      <a:ln w="9525" cap="flat" cmpd="sng" algn="ctr">
-        <a:solidFill>
-          <a:schemeClr val="tx1">
-            <a:lumMod val="5000"/>
-            <a:lumOff val="95000"/>
-          </a:schemeClr>
-        </a:solidFill>
-        <a:round/>
-      </a:ln>
-    </cs:spPr>
-  </cs:gridlineMinor>
-  <cs:hiLoLine>
-    <cs:lnRef idx="0"/>
-    <cs:fillRef idx="0"/>
-    <cs:effectRef idx="0"/>
-    <cs:fontRef idx="minor">
-      <a:schemeClr val="tx1"/>
-    </cs:fontRef>
-    <cs:spPr>
-      <a:ln w="9525" cap="flat" cmpd="sng" algn="ctr">
-        <a:solidFill>
-          <a:schemeClr val="tx1">
-            <a:lumMod val="75000"/>
-            <a:lumOff val="25000"/>
-          </a:schemeClr>
-        </a:solidFill>
-        <a:round/>
-      </a:ln>
-    </cs:spPr>
-  </cs:hiLoLine>
-  <cs:leaderLine>
-    <cs:lnRef idx="0"/>
-    <cs:fillRef idx="0"/>
-    <cs:effectRef idx="0"/>
-    <cs:fontRef idx="minor">
-      <a:schemeClr val="tx1"/>
-    </cs:fontRef>
-    <cs:spPr>
-      <a:ln w="9525" cap="flat" cmpd="sng" algn="ctr">
-        <a:solidFill>
-          <a:schemeClr val="tx1">
-            <a:lumMod val="35000"/>
-            <a:lumOff val="65000"/>
-          </a:schemeClr>
-        </a:solidFill>
-        <a:round/>
-      </a:ln>
-    </cs:spPr>
-  </cs:leaderLine>
-  <cs:legend>
-    <cs:lnRef idx="0"/>
-    <cs:fillRef idx="0"/>
-    <cs:effectRef idx="0"/>
-    <cs:fontRef idx="minor">
-      <a:schemeClr val="tx1">
-        <a:lumMod val="65000"/>
-        <a:lumOff val="35000"/>
-      </a:schemeClr>
-    </cs:fontRef>
-    <cs:defRPr sz="1197" kern="1200"/>
-  </cs:legend>
-  <cs:plotArea mods="allowNoFillOverride allowNoLineOverride">
-    <cs:lnRef idx="0"/>
-    <cs:fillRef idx="0"/>
-    <cs:effectRef idx="0"/>
-    <cs:fontRef idx="minor">
-      <a:schemeClr val="tx1"/>
-    </cs:fontRef>
-  </cs:plotArea>
-  <cs:plotArea3D mods="allowNoFillOverride allowNoLineOverride">
-    <cs:lnRef idx="0"/>
-    <cs:fillRef idx="0"/>
-    <cs:effectRef idx="0"/>
-    <cs:fontRef idx="minor">
-      <a:schemeClr val="tx1"/>
-    </cs:fontRef>
-  </cs:plotArea3D>
-  <cs:seriesAxis>
-    <cs:lnRef idx="0"/>
-    <cs:fillRef idx="0"/>
-    <cs:effectRef idx="0"/>
-    <cs:fontRef idx="minor">
-      <a:schemeClr val="tx1">
-        <a:lumMod val="65000"/>
-        <a:lumOff val="35000"/>
-      </a:schemeClr>
-    </cs:fontRef>
-    <cs:defRPr sz="1197" kern="1200"/>
-  </cs:seriesAxis>
-  <cs:seriesLine>
-    <cs:lnRef idx="0"/>
-    <cs:fillRef idx="0"/>
-    <cs:effectRef idx="0"/>
-    <cs:fontRef idx="minor">
-      <a:schemeClr val="tx1"/>
-    </cs:fontRef>
-    <cs:spPr>
-      <a:ln w="9525" cap="flat" cmpd="sng" algn="ctr">
-        <a:solidFill>
-          <a:schemeClr val="tx1">
-            <a:lumMod val="35000"/>
-            <a:lumOff val="65000"/>
-          </a:schemeClr>
-        </a:solidFill>
-        <a:round/>
-      </a:ln>
-    </cs:spPr>
-  </cs:seriesLine>
-  <cs:title>
-    <cs:lnRef idx="0"/>
-    <cs:fillRef idx="0"/>
-    <cs:effectRef idx="0"/>
-    <cs:fontRef idx="minor">
-      <a:schemeClr val="tx1">
-        <a:lumMod val="65000"/>
-        <a:lumOff val="35000"/>
-      </a:schemeClr>
-    </cs:fontRef>
-    <cs:defRPr sz="1862" b="0" kern="1200" spc="0" baseline="0"/>
-  </cs:title>
-  <cs:trendline>
-    <cs:lnRef idx="0">
-      <cs:styleClr val="auto"/>
-    </cs:lnRef>
-    <cs:fillRef idx="0"/>
-    <cs:effectRef idx="0"/>
-    <cs:fontRef idx="minor">
-      <a:schemeClr val="tx1"/>
-    </cs:fontRef>
-    <cs:spPr>
-      <a:ln w="19050" cap="rnd">
-        <a:solidFill>
-          <a:schemeClr val="phClr"/>
-        </a:solidFill>
-        <a:prstDash val="sysDot"/>
-      </a:ln>
-    </cs:spPr>
-  </cs:trendline>
-  <cs:trendlineLabel>
-    <cs:lnRef idx="0"/>
-    <cs:fillRef idx="0"/>
-    <cs:effectRef idx="0"/>
-    <cs:fontRef idx="minor">
-      <a:schemeClr val="tx1">
-        <a:lumMod val="65000"/>
-        <a:lumOff val="35000"/>
-      </a:schemeClr>
-    </cs:fontRef>
-    <cs:defRPr sz="1197" kern="1200"/>
-  </cs:trendlineLabel>
-  <cs:upBar>
-    <cs:lnRef idx="0"/>
-    <cs:fillRef idx="0"/>
-    <cs:effectRef idx="0"/>
-    <cs:fontRef idx="minor">
-      <a:schemeClr val="dk1"/>
-    </cs:fontRef>
-    <cs:spPr>
-      <a:solidFill>
-        <a:schemeClr val="lt1"/>
-      </a:solidFill>
-      <a:ln w="9525">
-        <a:solidFill>
-          <a:schemeClr val="tx1">
-            <a:lumMod val="15000"/>
-            <a:lumOff val="85000"/>
-          </a:schemeClr>
-        </a:solidFill>
-      </a:ln>
-    </cs:spPr>
-  </cs:upBar>
-  <cs:valueAxis>
-    <cs:lnRef idx="0"/>
-    <cs:fillRef idx="0"/>
-    <cs:effectRef idx="0"/>
-    <cs:fontRef idx="minor">
-      <a:schemeClr val="tx1">
-        <a:lumMod val="65000"/>
-        <a:lumOff val="35000"/>
-      </a:schemeClr>
-    </cs:fontRef>
-    <cs:defRPr sz="1197" kern="1200"/>
-  </cs:valueAxis>
-  <cs:wall>
-    <cs:lnRef idx="0"/>
-    <cs:fillRef idx="0"/>
-    <cs:effectRef idx="0"/>
-    <cs:fontRef idx="minor">
-      <a:schemeClr val="tx1"/>
-    </cs:fontRef>
-    <cs:spPr>
-      <a:noFill/>
-      <a:ln>
-        <a:noFill/>
-      </a:ln>
-    </cs:spPr>
-  </cs:wall>
-</cs:chartStyle>
-</file>
-
 <file path=ppt/comments/comment1.xml><?xml version="1.0" encoding="utf-8"?>
 <p:cmLst xmlns:a="http://schemas.openxmlformats.org/drawingml/2006/main" xmlns:r="http://schemas.openxmlformats.org/officeDocument/2006/relationships" xmlns:p="http://schemas.openxmlformats.org/presentationml/2006/main">
   <p:cm authorId="2" dt="2017-02-03T14:46:37.971" idx="1">
@@ -2646,7 +190,7 @@
             </a:lvl1pPr>
           </a:lstStyle>
           <a:p>
-            <a:endParaRPr lang="en-US"/>
+            <a:endParaRPr lang="en-US" dirty="0"/>
           </a:p>
         </p:txBody>
       </p:sp>
@@ -2679,9 +223,9 @@
           <a:p>
             <a:fld id="{F1C0B079-A316-4C9B-B165-DF9EA8325D2C}" type="datetimeFigureOut">
               <a:rPr lang="en-US" smtClean="0"/>
-              <a:t>2/3/2017</a:t>
+              <a:t>2/8/2017</a:t>
             </a:fld>
-            <a:endParaRPr lang="en-US"/>
+            <a:endParaRPr lang="en-US" dirty="0"/>
           </a:p>
         </p:txBody>
       </p:sp>
@@ -2712,7 +256,7 @@
             </a:lvl1pPr>
           </a:lstStyle>
           <a:p>
-            <a:endParaRPr lang="en-US"/>
+            <a:endParaRPr lang="en-US" dirty="0"/>
           </a:p>
         </p:txBody>
       </p:sp>
@@ -2747,7 +291,7 @@
               <a:rPr lang="en-US" smtClean="0"/>
               <a:t>‹#›</a:t>
             </a:fld>
-            <a:endParaRPr lang="en-US"/>
+            <a:endParaRPr lang="en-US" dirty="0"/>
           </a:p>
         </p:txBody>
       </p:sp>
@@ -2811,7 +355,7 @@
             </a:lvl1pPr>
           </a:lstStyle>
           <a:p>
-            <a:endParaRPr lang="en-US"/>
+            <a:endParaRPr lang="en-US" dirty="0"/>
           </a:p>
         </p:txBody>
       </p:sp>
@@ -2844,9 +388,9 @@
           <a:p>
             <a:fld id="{38F28AB8-57D1-494F-9851-055AD867E790}" type="datetimeFigureOut">
               <a:rPr lang="en-US" smtClean="0"/>
-              <a:t>2/3/2017</a:t>
+              <a:t>2/8/2017</a:t>
             </a:fld>
-            <a:endParaRPr lang="en-US"/>
+            <a:endParaRPr lang="en-US" dirty="0"/>
           </a:p>
         </p:txBody>
       </p:sp>
@@ -2879,7 +423,7 @@
           <a:bodyPr vert="horz" lIns="91440" tIns="45720" rIns="91440" bIns="45720" rtlCol="0" anchor="ctr"/>
           <a:lstStyle/>
           <a:p>
-            <a:endParaRPr lang="en-US"/>
+            <a:endParaRPr lang="en-US" dirty="0"/>
           </a:p>
         </p:txBody>
       </p:sp>
@@ -2969,7 +513,7 @@
             </a:lvl1pPr>
           </a:lstStyle>
           <a:p>
-            <a:endParaRPr lang="en-US"/>
+            <a:endParaRPr lang="en-US" dirty="0"/>
           </a:p>
         </p:txBody>
       </p:sp>
@@ -3004,7 +548,7 @@
               <a:rPr lang="en-US" smtClean="0"/>
               <a:t>‹#›</a:t>
             </a:fld>
-            <a:endParaRPr lang="en-US"/>
+            <a:endParaRPr lang="en-US" dirty="0"/>
           </a:p>
         </p:txBody>
       </p:sp>
@@ -3302,9 +846,9 @@
           <a:p>
             <a:fld id="{ECAA57DF-1C19-4726-AB84-014692BAD8F5}" type="datetimeFigureOut">
               <a:rPr lang="en-US" smtClean="0"/>
-              <a:t>2/3/2017</a:t>
+              <a:t>2/8/2017</a:t>
             </a:fld>
-            <a:endParaRPr lang="en-US"/>
+            <a:endParaRPr lang="en-US" dirty="0"/>
           </a:p>
         </p:txBody>
       </p:sp>
@@ -3323,7 +867,7 @@
           <a:bodyPr/>
           <a:lstStyle/>
           <a:p>
-            <a:endParaRPr lang="en-US"/>
+            <a:endParaRPr lang="en-US" dirty="0"/>
           </a:p>
         </p:txBody>
       </p:sp>
@@ -3346,7 +890,7 @@
               <a:rPr lang="en-US" smtClean="0"/>
               <a:t>‹#›</a:t>
             </a:fld>
-            <a:endParaRPr lang="en-US"/>
+            <a:endParaRPr lang="en-US" dirty="0"/>
           </a:p>
         </p:txBody>
       </p:sp>
@@ -5821,7 +3365,7 @@
           <a:lstStyle/>
           <a:p>
             <a:pPr algn="ctr"/>
-            <a:endParaRPr lang="en-US"/>
+            <a:endParaRPr lang="en-US" dirty="0"/>
           </a:p>
         </p:txBody>
       </p:sp>
@@ -5956,9 +3500,9 @@
             <a:fld id="{ECAA57DF-1C19-4726-AB84-014692BAD8F5}" type="datetimeFigureOut">
               <a:rPr lang="en-US" smtClean="0"/>
               <a:pPr/>
-              <a:t>2/3/2017</a:t>
+              <a:t>2/8/2017</a:t>
             </a:fld>
-            <a:endParaRPr lang="en-US"/>
+            <a:endParaRPr lang="en-US" dirty="0"/>
           </a:p>
         </p:txBody>
       </p:sp>
@@ -6037,7 +3581,7 @@
               <a:pPr/>
               <a:t>‹#›</a:t>
             </a:fld>
-            <a:endParaRPr lang="en-US"/>
+            <a:endParaRPr lang="en-US" dirty="0"/>
           </a:p>
         </p:txBody>
       </p:sp>
@@ -6560,16 +4104,57 @@
           </a:xfrm>
         </p:spPr>
         <p:txBody>
-          <a:bodyPr/>
+          <a:bodyPr>
+            <a:normAutofit lnSpcReduction="10000"/>
+          </a:bodyPr>
           <a:lstStyle/>
           <a:p>
+            <a:pPr algn="just"/>
+            <a:r>
+              <a:rPr lang="en-US" dirty="0"/>
+              <a:t>Speech understanding in the presence of background noise is a major issue for individuals with hearing impairment</a:t>
+            </a:r>
+          </a:p>
+          <a:p>
+            <a:pPr algn="just"/>
+            <a:r>
+              <a:rPr lang="en-US" dirty="0"/>
+              <a:t>Effects of aging and hearing loss on central inhibitory function could potentially contribute to poor speech in noise (SiN) performance</a:t>
+            </a:r>
+          </a:p>
+          <a:p>
+            <a:pPr algn="just"/>
+            <a:r>
+              <a:rPr lang="en-US" dirty="0"/>
+              <a:t>Cortical alpha (7.5-12.5Hz) activity is an indirect measure of central inhibition, and relates to speech understanding in noise</a:t>
+            </a:r>
+          </a:p>
+          <a:p>
+            <a:pPr algn="just"/>
+            <a:r>
+              <a:rPr lang="en-US" dirty="0"/>
+              <a:t>Alpha rhythms effects on SiN testing has been well studied, but less is known about how individual resting state alpha relates to SiN performance.</a:t>
+            </a:r>
+          </a:p>
+          <a:p>
+            <a:pPr algn="just"/>
+            <a:r>
+              <a:rPr lang="en-US" dirty="0"/>
+              <a:t>Increased alpha activity is believed to aid in the suppression of background noise as the listener focuses on the relevant signal stream, however decreases in cortical areas related to attention</a:t>
+            </a:r>
+          </a:p>
+          <a:p>
+            <a:pPr algn="just"/>
+            <a:r>
+              <a:rPr lang="en-US" dirty="0"/>
+              <a:t>Purpose of the present study was to examine if an individual’s inhibitory function, as defined by their resting state alpha activity, would predict sentences in noise (SNR) thresholds</a:t>
+            </a:r>
+          </a:p>
+          <a:p>
             <a:pPr marL="0" indent="0">
               <a:buNone/>
             </a:pPr>
-            <a:r>
-              <a:rPr lang="en-US" dirty="0"/>
-              <a:t>Type the abstract here. To remove bullet points, just click the Bullets button on the Home tab.</a:t>
-            </a:r>
+            <a:endParaRPr lang="en-US" dirty="0"/>
           </a:p>
         </p:txBody>
       </p:sp>
@@ -6607,122 +4192,183 @@
         </p:nvSpPr>
         <p:spPr>
           <a:xfrm>
-            <a:off x="1143000" y="16251936"/>
-            <a:ext cx="12801600" cy="15377160"/>
+            <a:off x="1143000" y="14992813"/>
+            <a:ext cx="12801600" cy="11853832"/>
           </a:xfrm>
         </p:spPr>
         <p:txBody>
-          <a:bodyPr/>
+          <a:bodyPr>
+            <a:normAutofit fontScale="92500" lnSpcReduction="20000"/>
+          </a:bodyPr>
           <a:lstStyle/>
           <a:p>
-            <a:r>
-              <a:rPr lang="en-US" dirty="0"/>
+            <a:pPr algn="just"/>
+            <a:r>
+              <a:rPr lang="en-US" sz="2600" dirty="0"/>
               <a:t>Participants: Adult bilateral hearing aid users (n = 15), age 59-81 (mean = 68.3)</a:t>
             </a:r>
           </a:p>
           <a:p>
-            <a:r>
-              <a:rPr lang="en-US" dirty="0"/>
+            <a:pPr algn="just"/>
+            <a:r>
+              <a:rPr lang="en-US" sz="2600" dirty="0"/>
               <a:t>Mild-moderate hearing loss</a:t>
             </a:r>
           </a:p>
           <a:p>
-            <a:r>
-              <a:rPr lang="en-US" dirty="0"/>
-              <a:t>All subjects had their hearing aids for at least two years prior to testing</a:t>
-            </a:r>
-          </a:p>
-          <a:p>
-            <a:r>
-              <a:rPr lang="en-US" dirty="0"/>
+            <a:pPr algn="just"/>
+            <a:r>
+              <a:rPr lang="en-US" sz="2600" dirty="0"/>
+              <a:t>All subjects wore hearing aids for at least two years prior to testing</a:t>
+            </a:r>
+          </a:p>
+          <a:p>
+            <a:pPr algn="just"/>
+            <a:r>
+              <a:rPr lang="en-US" sz="2600" dirty="0"/>
               <a:t>All testing was performed unaided</a:t>
             </a:r>
           </a:p>
           <a:p>
-            <a:r>
-              <a:rPr lang="en-US" dirty="0"/>
+            <a:pPr algn="just"/>
+            <a:r>
+              <a:rPr lang="en-US" sz="2600" dirty="0"/>
               <a:t>Baseline resting state activity was recorded in a silent, dark environment</a:t>
             </a:r>
-            <a:endParaRPr lang="en-US" dirty="0"/>
-          </a:p>
-          <a:p>
-            <a:pPr marL="0" indent="0">
+          </a:p>
+          <a:p>
+            <a:pPr marL="0" indent="0" algn="just">
               <a:buNone/>
             </a:pPr>
-            <a:endParaRPr lang="en-US" dirty="0"/>
-          </a:p>
-          <a:p>
-            <a:pPr marL="0" indent="0">
+            <a:r>
+              <a:rPr lang="en-US" sz="4000" u="sng" dirty="0"/>
+              <a:t>EEG Recording</a:t>
+            </a:r>
+            <a:endParaRPr lang="en-US" sz="2400" dirty="0"/>
+          </a:p>
+          <a:p>
+            <a:pPr algn="just"/>
+            <a:r>
+              <a:rPr lang="en-US" sz="2600" dirty="0"/>
+              <a:t>65 channel Neuroscan system</a:t>
+            </a:r>
+          </a:p>
+          <a:p>
+            <a:pPr algn="just"/>
+            <a:r>
+              <a:rPr lang="en-US" sz="2600" dirty="0"/>
+              <a:t>Online sampling rate of 1000Hz</a:t>
+            </a:r>
+          </a:p>
+          <a:p>
+            <a:pPr algn="just"/>
+            <a:r>
+              <a:rPr lang="en-US" sz="2600" dirty="0"/>
+              <a:t>Alternating 2 minute blocks of eyes open/eyes closed</a:t>
+            </a:r>
+          </a:p>
+          <a:p>
+            <a:pPr algn="just"/>
+            <a:r>
+              <a:rPr lang="en-US" sz="2600" dirty="0"/>
+              <a:t>Three blocks per condition</a:t>
+            </a:r>
+          </a:p>
+          <a:p>
+            <a:pPr marL="0" indent="0" algn="just">
               <a:buNone/>
             </a:pPr>
             <a:r>
-              <a:rPr lang="en-US" sz="4400" u="sng" dirty="0"/>
-              <a:t>EEG Recording</a:t>
-            </a:r>
-          </a:p>
-          <a:p>
-            <a:endParaRPr lang="en-US" dirty="0"/>
-          </a:p>
-          <a:p>
-            <a:r>
-              <a:rPr lang="en-US" dirty="0"/>
-              <a:t>65 channel Neuroscan</a:t>
-            </a:r>
-          </a:p>
-          <a:p>
-            <a:r>
-              <a:rPr lang="en-US" dirty="0"/>
-              <a:t>Alternating 2 minute blocks of eyes open or closed</a:t>
-            </a:r>
-          </a:p>
-          <a:p>
-            <a:r>
-              <a:rPr lang="en-US" dirty="0"/>
-              <a:t>Three blocks per condition</a:t>
-            </a:r>
-          </a:p>
-          <a:p>
-            <a:endParaRPr lang="en-US" dirty="0"/>
-          </a:p>
-          <a:p>
-            <a:pPr marL="0" indent="0">
+              <a:rPr lang="en-US" sz="4000" u="sng" dirty="0"/>
+              <a:t>SNR Testing</a:t>
+            </a:r>
+            <a:endParaRPr lang="en-US" sz="2400" dirty="0"/>
+          </a:p>
+          <a:p>
+            <a:pPr algn="just"/>
+            <a:r>
+              <a:rPr lang="en-US" sz="2600" dirty="0"/>
+              <a:t>Presented in sound field, single speaker  0° azimuth, 1m away</a:t>
+            </a:r>
+          </a:p>
+          <a:p>
+            <a:pPr algn="just"/>
+            <a:r>
+              <a:rPr lang="en-US" sz="2600" dirty="0"/>
+              <a:t>Noise:4-talker babble in international languages</a:t>
+            </a:r>
+          </a:p>
+          <a:p>
+            <a:pPr algn="just"/>
+            <a:r>
+              <a:rPr lang="en-US" sz="2600" dirty="0"/>
+              <a:t>English sentences presented -10 to +15 SNR in 5dB steps</a:t>
+            </a:r>
+          </a:p>
+          <a:p>
+            <a:pPr algn="just"/>
+            <a:r>
+              <a:rPr lang="en-US" sz="2600" dirty="0"/>
+              <a:t>Noise held constant at 65dB SPL</a:t>
+            </a:r>
+          </a:p>
+          <a:p>
+            <a:pPr marL="0" indent="0" algn="just">
               <a:buNone/>
             </a:pPr>
             <a:r>
-              <a:rPr lang="en-US" sz="4400" u="sng" dirty="0"/>
-              <a:t>SNR Testing</a:t>
-            </a:r>
-            <a:endParaRPr lang="en-US" sz="4400" dirty="0"/>
-          </a:p>
-          <a:p>
-            <a:endParaRPr lang="en-US" dirty="0"/>
-          </a:p>
-          <a:p>
-            <a:r>
-              <a:rPr lang="en-US" dirty="0"/>
-              <a:t>Presented in sound field, single speaker  0° azimuth, 1m away</a:t>
-            </a:r>
-          </a:p>
-          <a:p>
-            <a:r>
-              <a:rPr lang="en-US" dirty="0"/>
-              <a:t>Noise:4-talker babble in international languages</a:t>
-            </a:r>
-          </a:p>
-          <a:p>
-            <a:r>
-              <a:rPr lang="en-US" dirty="0"/>
-              <a:t>English sentences presented -10 to +15 SNR in 5dB steps</a:t>
-            </a:r>
-          </a:p>
-          <a:p>
-            <a:r>
-              <a:rPr lang="en-US" dirty="0"/>
-              <a:t>Noise held constant at 65dB SPL</a:t>
-            </a:r>
-          </a:p>
-          <a:p>
-            <a:endParaRPr lang="en-US" dirty="0"/>
+              <a:rPr lang="en-US" sz="4000" u="sng" dirty="0"/>
+              <a:t>Data Analysis Pipeline</a:t>
+            </a:r>
+          </a:p>
+          <a:p>
+            <a:pPr algn="just"/>
+            <a:r>
+              <a:rPr lang="en-US" sz="2600" dirty="0"/>
+              <a:t>Alpha power was calculated in Fieldtrip, a MATLAB based toolbox</a:t>
+            </a:r>
+          </a:p>
+          <a:p>
+            <a:pPr algn="just"/>
+            <a:r>
+              <a:rPr lang="en-US" sz="2600" dirty="0"/>
+              <a:t>Trials were defined as eyes open or eyes closed</a:t>
+            </a:r>
+          </a:p>
+          <a:p>
+            <a:pPr algn="just"/>
+            <a:r>
+              <a:rPr lang="en-US" sz="2600" dirty="0"/>
+              <a:t>Bandpass filtered 0.5-50Hz</a:t>
+            </a:r>
+          </a:p>
+          <a:p>
+            <a:pPr algn="just"/>
+            <a:r>
+              <a:rPr lang="en-US" sz="2600" dirty="0"/>
+              <a:t>Down sampled to 250Hz</a:t>
+            </a:r>
+          </a:p>
+          <a:p>
+            <a:pPr algn="just"/>
+            <a:r>
+              <a:rPr lang="en-US" sz="2600" dirty="0"/>
+              <a:t>Independent Component Analysis (ICA) was used to remove biological artifacts such as eye blinks, eye movements, electrocardiogram (EKG), as well as noisy channels (i.e. 60Hz line noise)</a:t>
+            </a:r>
+          </a:p>
+          <a:p>
+            <a:pPr lvl="1" algn="just"/>
+            <a:r>
+              <a:rPr lang="en-US" sz="2200" dirty="0"/>
+              <a:t>ICA was conducted over the continuous EEG recording data</a:t>
+            </a:r>
+          </a:p>
+          <a:p>
+            <a:pPr lvl="1" algn="just"/>
+            <a:r>
+              <a:rPr lang="en-US" sz="2200" dirty="0"/>
+              <a:t>Average of 3-5 components removed per subject</a:t>
+            </a:r>
           </a:p>
         </p:txBody>
       </p:sp>
@@ -6747,10 +4393,9 @@
           <a:lstStyle/>
           <a:p>
             <a:r>
-              <a:rPr lang="en-US"/>
+              <a:rPr lang="en-US" dirty="0"/>
               <a:t>objectives</a:t>
             </a:r>
-            <a:endParaRPr lang="en-US" dirty="0"/>
           </a:p>
         </p:txBody>
       </p:sp>
@@ -6764,540 +4409,25 @@
             <p:ph sz="quarter" idx="27"/>
           </p:nvPr>
         </p:nvSpPr>
-        <p:spPr/>
+        <p:spPr>
+          <a:xfrm>
+            <a:off x="15544799" y="7071359"/>
+            <a:ext cx="12393099" cy="1828483"/>
+          </a:xfrm>
+        </p:spPr>
         <p:txBody>
-          <a:bodyPr/>
+          <a:bodyPr>
+            <a:normAutofit/>
+          </a:bodyPr>
           <a:lstStyle/>
           <a:p>
-            <a:r>
-              <a:rPr lang="en-US" dirty="0"/>
-              <a:t>Result 1</a:t>
-            </a:r>
-          </a:p>
-          <a:p>
-            <a:r>
-              <a:rPr lang="en-US" dirty="0"/>
-              <a:t>Result 2</a:t>
-            </a:r>
-          </a:p>
-          <a:p>
-            <a:r>
-              <a:rPr lang="en-US" dirty="0"/>
-              <a:t>Result 3</a:t>
-            </a:r>
-          </a:p>
-        </p:txBody>
-      </p:sp>
-      <p:graphicFrame>
-        <p:nvGraphicFramePr>
-          <p:cNvPr id="25" name="Content Placeholder 24" descr="Sample table with 4 columns, 7 rows." title="Sample table"/>
-          <p:cNvGraphicFramePr>
-            <a:graphicFrameLocks noGrp="1"/>
-          </p:cNvGraphicFramePr>
-          <p:nvPr>
-            <p:ph sz="quarter" idx="23"/>
-            <p:extLst>
-              <p:ext uri="{D42A27DB-BD31-4B8C-83A1-F6EECF244321}">
-                <p14:modId xmlns:p14="http://schemas.microsoft.com/office/powerpoint/2010/main" val="2517281170"/>
-              </p:ext>
-            </p:extLst>
-          </p:nvPr>
-        </p:nvGraphicFramePr>
-        <p:xfrm>
-          <a:off x="15544800" y="11947525"/>
-          <a:ext cx="12801600" cy="6035617"/>
-        </p:xfrm>
-        <a:graphic>
-          <a:graphicData uri="http://schemas.openxmlformats.org/drawingml/2006/table">
-            <a:tbl>
-              <a:tblPr firstRow="1" bandRow="1">
-                <a:tableStyleId>{3B4B98B0-60AC-42C2-AFA5-B58CD77FA1E5}</a:tableStyleId>
-              </a:tblPr>
-              <a:tblGrid>
-                <a:gridCol w="3200400">
-                  <a:extLst>
-                    <a:ext uri="{9D8B030D-6E8A-4147-A177-3AD203B41FA5}">
-                      <a16:colId xmlns:a16="http://schemas.microsoft.com/office/drawing/2014/main" val="20000"/>
-                    </a:ext>
-                  </a:extLst>
-                </a:gridCol>
-                <a:gridCol w="3200400">
-                  <a:extLst>
-                    <a:ext uri="{9D8B030D-6E8A-4147-A177-3AD203B41FA5}">
-                      <a16:colId xmlns:a16="http://schemas.microsoft.com/office/drawing/2014/main" val="20001"/>
-                    </a:ext>
-                  </a:extLst>
-                </a:gridCol>
-                <a:gridCol w="3200400">
-                  <a:extLst>
-                    <a:ext uri="{9D8B030D-6E8A-4147-A177-3AD203B41FA5}">
-                      <a16:colId xmlns:a16="http://schemas.microsoft.com/office/drawing/2014/main" val="20002"/>
-                    </a:ext>
-                  </a:extLst>
-                </a:gridCol>
-                <a:gridCol w="3200400">
-                  <a:extLst>
-                    <a:ext uri="{9D8B030D-6E8A-4147-A177-3AD203B41FA5}">
-                      <a16:colId xmlns:a16="http://schemas.microsoft.com/office/drawing/2014/main" val="20003"/>
-                    </a:ext>
-                  </a:extLst>
-                </a:gridCol>
-              </a:tblGrid>
-              <a:tr h="862231">
-                <a:tc>
-                  <a:txBody>
-                    <a:bodyPr/>
-                    <a:lstStyle/>
-                    <a:p>
-                      <a:endParaRPr lang="en-US" sz="2800" dirty="0"/>
-                    </a:p>
-                  </a:txBody>
-                  <a:tcPr anchor="ctr"/>
-                </a:tc>
-                <a:tc>
-                  <a:txBody>
-                    <a:bodyPr/>
-                    <a:lstStyle/>
-                    <a:p>
-                      <a:pPr algn="ctr"/>
-                      <a:r>
-                        <a:rPr lang="en-US" sz="2800" dirty="0"/>
-                        <a:t>Heading</a:t>
-                      </a:r>
-                    </a:p>
-                  </a:txBody>
-                  <a:tcPr anchor="ctr"/>
-                </a:tc>
-                <a:tc>
-                  <a:txBody>
-                    <a:bodyPr/>
-                    <a:lstStyle/>
-                    <a:p>
-                      <a:pPr algn="ctr"/>
-                      <a:r>
-                        <a:rPr lang="en-US" sz="2800" dirty="0"/>
-                        <a:t>Heading</a:t>
-                      </a:r>
-                    </a:p>
-                  </a:txBody>
-                  <a:tcPr anchor="ctr"/>
-                </a:tc>
-                <a:tc>
-                  <a:txBody>
-                    <a:bodyPr/>
-                    <a:lstStyle/>
-                    <a:p>
-                      <a:pPr algn="ctr"/>
-                      <a:r>
-                        <a:rPr lang="en-US" sz="2800" dirty="0"/>
-                        <a:t>Heading</a:t>
-                      </a:r>
-                    </a:p>
-                  </a:txBody>
-                  <a:tcPr anchor="ctr"/>
-                </a:tc>
-                <a:extLst>
-                  <a:ext uri="{0D108BD9-81ED-4DB2-BD59-A6C34878D82A}">
-                    <a16:rowId xmlns:a16="http://schemas.microsoft.com/office/drawing/2014/main" val="10000"/>
-                  </a:ext>
-                </a:extLst>
-              </a:tr>
-              <a:tr h="862231">
-                <a:tc>
-                  <a:txBody>
-                    <a:bodyPr/>
-                    <a:lstStyle/>
-                    <a:p>
-                      <a:r>
-                        <a:rPr lang="en-US" sz="2800" dirty="0"/>
-                        <a:t>Item</a:t>
-                      </a:r>
-                    </a:p>
-                  </a:txBody>
-                  <a:tcPr anchor="ctr"/>
-                </a:tc>
-                <a:tc>
-                  <a:txBody>
-                    <a:bodyPr/>
-                    <a:lstStyle/>
-                    <a:p>
-                      <a:pPr algn="ctr"/>
-                      <a:r>
-                        <a:rPr lang="en-US" sz="2800" dirty="0"/>
-                        <a:t>122</a:t>
-                      </a:r>
-                    </a:p>
-                  </a:txBody>
-                  <a:tcPr anchor="ctr"/>
-                </a:tc>
-                <a:tc>
-                  <a:txBody>
-                    <a:bodyPr/>
-                    <a:lstStyle/>
-                    <a:p>
-                      <a:pPr algn="ctr"/>
-                      <a:r>
-                        <a:rPr lang="en-US" sz="2800" dirty="0"/>
-                        <a:t>233</a:t>
-                      </a:r>
-                    </a:p>
-                  </a:txBody>
-                  <a:tcPr anchor="ctr"/>
-                </a:tc>
-                <a:tc>
-                  <a:txBody>
-                    <a:bodyPr/>
-                    <a:lstStyle/>
-                    <a:p>
-                      <a:pPr algn="ctr"/>
-                      <a:r>
-                        <a:rPr lang="en-US" sz="2800" dirty="0"/>
-                        <a:t>345</a:t>
-                      </a:r>
-                    </a:p>
-                  </a:txBody>
-                  <a:tcPr anchor="ctr"/>
-                </a:tc>
-                <a:extLst>
-                  <a:ext uri="{0D108BD9-81ED-4DB2-BD59-A6C34878D82A}">
-                    <a16:rowId xmlns:a16="http://schemas.microsoft.com/office/drawing/2014/main" val="10001"/>
-                  </a:ext>
-                </a:extLst>
-              </a:tr>
-              <a:tr h="862231">
-                <a:tc>
-                  <a:txBody>
-                    <a:bodyPr/>
-                    <a:lstStyle/>
-                    <a:p>
-                      <a:r>
-                        <a:rPr lang="en-US" sz="2800" dirty="0"/>
-                        <a:t>Item</a:t>
-                      </a:r>
-                    </a:p>
-                  </a:txBody>
-                  <a:tcPr anchor="ctr"/>
-                </a:tc>
-                <a:tc>
-                  <a:txBody>
-                    <a:bodyPr/>
-                    <a:lstStyle/>
-                    <a:p>
-                      <a:pPr algn="ctr"/>
-                      <a:r>
-                        <a:rPr lang="en-US" sz="2800" dirty="0"/>
-                        <a:t>759</a:t>
-                      </a:r>
-                    </a:p>
-                  </a:txBody>
-                  <a:tcPr anchor="ctr"/>
-                </a:tc>
-                <a:tc>
-                  <a:txBody>
-                    <a:bodyPr/>
-                    <a:lstStyle/>
-                    <a:p>
-                      <a:pPr algn="ctr"/>
-                      <a:r>
-                        <a:rPr lang="en-US" sz="2800" dirty="0"/>
-                        <a:t>856</a:t>
-                      </a:r>
-                    </a:p>
-                  </a:txBody>
-                  <a:tcPr anchor="ctr"/>
-                </a:tc>
-                <a:tc>
-                  <a:txBody>
-                    <a:bodyPr/>
-                    <a:lstStyle/>
-                    <a:p>
-                      <a:pPr algn="ctr"/>
-                      <a:r>
-                        <a:rPr lang="en-US" sz="2800" dirty="0"/>
-                        <a:t>290</a:t>
-                      </a:r>
-                    </a:p>
-                  </a:txBody>
-                  <a:tcPr anchor="ctr"/>
-                </a:tc>
-                <a:extLst>
-                  <a:ext uri="{0D108BD9-81ED-4DB2-BD59-A6C34878D82A}">
-                    <a16:rowId xmlns:a16="http://schemas.microsoft.com/office/drawing/2014/main" val="10002"/>
-                  </a:ext>
-                </a:extLst>
-              </a:tr>
-              <a:tr h="862231">
-                <a:tc>
-                  <a:txBody>
-                    <a:bodyPr/>
-                    <a:lstStyle/>
-                    <a:p>
-                      <a:r>
-                        <a:rPr lang="en-US" sz="2800" dirty="0"/>
-                        <a:t>Item</a:t>
-                      </a:r>
-                    </a:p>
-                  </a:txBody>
-                  <a:tcPr anchor="ctr"/>
-                </a:tc>
-                <a:tc>
-                  <a:txBody>
-                    <a:bodyPr/>
-                    <a:lstStyle/>
-                    <a:p>
-                      <a:pPr algn="ctr"/>
-                      <a:r>
-                        <a:rPr lang="en-US" sz="2800" dirty="0"/>
-                        <a:t>228</a:t>
-                      </a:r>
-                    </a:p>
-                  </a:txBody>
-                  <a:tcPr anchor="ctr"/>
-                </a:tc>
-                <a:tc>
-                  <a:txBody>
-                    <a:bodyPr/>
-                    <a:lstStyle/>
-                    <a:p>
-                      <a:pPr algn="ctr"/>
-                      <a:r>
-                        <a:rPr lang="en-US" sz="2800" dirty="0"/>
-                        <a:t>134</a:t>
-                      </a:r>
-                    </a:p>
-                  </a:txBody>
-                  <a:tcPr anchor="ctr"/>
-                </a:tc>
-                <a:tc>
-                  <a:txBody>
-                    <a:bodyPr/>
-                    <a:lstStyle/>
-                    <a:p>
-                      <a:pPr algn="ctr"/>
-                      <a:r>
-                        <a:rPr lang="en-US" sz="2800" dirty="0"/>
-                        <a:t>238</a:t>
-                      </a:r>
-                    </a:p>
-                  </a:txBody>
-                  <a:tcPr anchor="ctr"/>
-                </a:tc>
-                <a:extLst>
-                  <a:ext uri="{0D108BD9-81ED-4DB2-BD59-A6C34878D82A}">
-                    <a16:rowId xmlns:a16="http://schemas.microsoft.com/office/drawing/2014/main" val="10003"/>
-                  </a:ext>
-                </a:extLst>
-              </a:tr>
-              <a:tr h="862231">
-                <a:tc>
-                  <a:txBody>
-                    <a:bodyPr/>
-                    <a:lstStyle/>
-                    <a:p>
-                      <a:r>
-                        <a:rPr lang="en-US" sz="2800" dirty="0"/>
-                        <a:t>Item</a:t>
-                      </a:r>
-                    </a:p>
-                  </a:txBody>
-                  <a:tcPr anchor="ctr"/>
-                </a:tc>
-                <a:tc>
-                  <a:txBody>
-                    <a:bodyPr/>
-                    <a:lstStyle/>
-                    <a:p>
-                      <a:pPr algn="ctr"/>
-                      <a:r>
-                        <a:rPr lang="en-US" sz="2800" dirty="0"/>
-                        <a:t>954</a:t>
-                      </a:r>
-                    </a:p>
-                  </a:txBody>
-                  <a:tcPr anchor="ctr"/>
-                </a:tc>
-                <a:tc>
-                  <a:txBody>
-                    <a:bodyPr/>
-                    <a:lstStyle/>
-                    <a:p>
-                      <a:pPr algn="ctr"/>
-                      <a:r>
-                        <a:rPr lang="en-US" sz="2800" dirty="0"/>
-                        <a:t>875</a:t>
-                      </a:r>
-                    </a:p>
-                  </a:txBody>
-                  <a:tcPr anchor="ctr"/>
-                </a:tc>
-                <a:tc>
-                  <a:txBody>
-                    <a:bodyPr/>
-                    <a:lstStyle/>
-                    <a:p>
-                      <a:pPr algn="ctr"/>
-                      <a:r>
-                        <a:rPr lang="en-US" sz="2800" dirty="0"/>
-                        <a:t>976</a:t>
-                      </a:r>
-                    </a:p>
-                  </a:txBody>
-                  <a:tcPr anchor="ctr"/>
-                </a:tc>
-                <a:extLst>
-                  <a:ext uri="{0D108BD9-81ED-4DB2-BD59-A6C34878D82A}">
-                    <a16:rowId xmlns:a16="http://schemas.microsoft.com/office/drawing/2014/main" val="10004"/>
-                  </a:ext>
-                </a:extLst>
-              </a:tr>
-              <a:tr h="862231">
-                <a:tc>
-                  <a:txBody>
-                    <a:bodyPr/>
-                    <a:lstStyle/>
-                    <a:p>
-                      <a:r>
-                        <a:rPr lang="en-US" sz="2800" dirty="0"/>
-                        <a:t>Item</a:t>
-                      </a:r>
-                    </a:p>
-                  </a:txBody>
-                  <a:tcPr anchor="ctr"/>
-                </a:tc>
-                <a:tc>
-                  <a:txBody>
-                    <a:bodyPr/>
-                    <a:lstStyle/>
-                    <a:p>
-                      <a:pPr algn="ctr"/>
-                      <a:r>
-                        <a:rPr lang="en-US" sz="2800" dirty="0"/>
-                        <a:t>324</a:t>
-                      </a:r>
-                    </a:p>
-                  </a:txBody>
-                  <a:tcPr anchor="ctr"/>
-                </a:tc>
-                <a:tc>
-                  <a:txBody>
-                    <a:bodyPr/>
-                    <a:lstStyle/>
-                    <a:p>
-                      <a:pPr algn="ctr"/>
-                      <a:r>
-                        <a:rPr lang="en-US" sz="2800" dirty="0"/>
-                        <a:t>325</a:t>
-                      </a:r>
-                    </a:p>
-                  </a:txBody>
-                  <a:tcPr anchor="ctr"/>
-                </a:tc>
-                <a:tc>
-                  <a:txBody>
-                    <a:bodyPr/>
-                    <a:lstStyle/>
-                    <a:p>
-                      <a:pPr algn="ctr"/>
-                      <a:r>
-                        <a:rPr lang="en-US" sz="2800" dirty="0"/>
-                        <a:t>301</a:t>
-                      </a:r>
-                    </a:p>
-                  </a:txBody>
-                  <a:tcPr anchor="ctr"/>
-                </a:tc>
-                <a:extLst>
-                  <a:ext uri="{0D108BD9-81ED-4DB2-BD59-A6C34878D82A}">
-                    <a16:rowId xmlns:a16="http://schemas.microsoft.com/office/drawing/2014/main" val="10005"/>
-                  </a:ext>
-                </a:extLst>
-              </a:tr>
-              <a:tr h="862231">
-                <a:tc>
-                  <a:txBody>
-                    <a:bodyPr/>
-                    <a:lstStyle/>
-                    <a:p>
-                      <a:r>
-                        <a:rPr lang="en-US" sz="2800" dirty="0"/>
-                        <a:t>Item</a:t>
-                      </a:r>
-                    </a:p>
-                  </a:txBody>
-                  <a:tcPr anchor="ctr"/>
-                </a:tc>
-                <a:tc>
-                  <a:txBody>
-                    <a:bodyPr/>
-                    <a:lstStyle/>
-                    <a:p>
-                      <a:pPr algn="ctr"/>
-                      <a:r>
-                        <a:rPr lang="en-US" sz="2800" dirty="0"/>
-                        <a:t>199</a:t>
-                      </a:r>
-                    </a:p>
-                  </a:txBody>
-                  <a:tcPr anchor="ctr"/>
-                </a:tc>
-                <a:tc>
-                  <a:txBody>
-                    <a:bodyPr/>
-                    <a:lstStyle/>
-                    <a:p>
-                      <a:pPr algn="ctr"/>
-                      <a:r>
-                        <a:rPr lang="en-US" sz="2800" dirty="0"/>
-                        <a:t>137</a:t>
-                      </a:r>
-                    </a:p>
-                  </a:txBody>
-                  <a:tcPr anchor="ctr"/>
-                </a:tc>
-                <a:tc>
-                  <a:txBody>
-                    <a:bodyPr/>
-                    <a:lstStyle/>
-                    <a:p>
-                      <a:pPr algn="ctr"/>
-                      <a:r>
-                        <a:rPr lang="en-US" sz="2800" dirty="0"/>
-                        <a:t>186</a:t>
-                      </a:r>
-                    </a:p>
-                  </a:txBody>
-                  <a:tcPr anchor="ctr"/>
-                </a:tc>
-                <a:extLst>
-                  <a:ext uri="{0D108BD9-81ED-4DB2-BD59-A6C34878D82A}">
-                    <a16:rowId xmlns:a16="http://schemas.microsoft.com/office/drawing/2014/main" val="10006"/>
-                  </a:ext>
-                </a:extLst>
-              </a:tr>
-            </a:tbl>
-          </a:graphicData>
-        </a:graphic>
-      </p:graphicFrame>
-      <p:sp>
-        <p:nvSpPr>
-          <p:cNvPr id="15" name="Content Placeholder 14"/>
-          <p:cNvSpPr>
-            <a:spLocks noGrp="1"/>
-          </p:cNvSpPr>
-          <p:nvPr>
-            <p:ph sz="quarter" idx="28"/>
-          </p:nvPr>
-        </p:nvSpPr>
-        <p:spPr/>
-        <p:txBody>
-          <a:bodyPr/>
-          <a:lstStyle/>
-          <a:p>
-            <a:r>
-              <a:rPr lang="en-US"/>
-              <a:t>Type a caption for the data content or pictures here.</a:t>
-            </a:r>
-            <a:endParaRPr lang="en-US" dirty="0"/>
+            <a:pPr marL="0" indent="0">
+              <a:buNone/>
+            </a:pPr>
+            <a:r>
+              <a:rPr lang="en-US" sz="4400" dirty="0"/>
+              <a:t>Resting state alpha activity in the eyes open condition varied among hearing aid patients</a:t>
+            </a:r>
           </a:p>
         </p:txBody>
       </p:sp>
@@ -7325,85 +4455,12 @@
           <a:lstStyle/>
           <a:p>
             <a:r>
-              <a:rPr lang="en-US"/>
+              <a:rPr lang="en-US" dirty="0"/>
               <a:t>results</a:t>
             </a:r>
-            <a:endParaRPr lang="en-US" dirty="0"/>
           </a:p>
         </p:txBody>
       </p:sp>
-      <p:sp>
-        <p:nvSpPr>
-          <p:cNvPr id="17" name="Content Placeholder 16"/>
-          <p:cNvSpPr>
-            <a:spLocks noGrp="1"/>
-          </p:cNvSpPr>
-          <p:nvPr>
-            <p:ph sz="quarter" idx="30"/>
-          </p:nvPr>
-        </p:nvSpPr>
-        <p:spPr/>
-        <p:txBody>
-          <a:bodyPr/>
-          <a:lstStyle/>
-          <a:p>
-            <a:r>
-              <a:rPr lang="en-US" dirty="0"/>
-              <a:t>Results Continued</a:t>
-            </a:r>
-          </a:p>
-        </p:txBody>
-      </p:sp>
-      <p:graphicFrame>
-        <p:nvGraphicFramePr>
-          <p:cNvPr id="24" name="Content Placeholder 23" descr="Line chart" title="Chart"/>
-          <p:cNvGraphicFramePr>
-            <a:graphicFrameLocks noGrp="1"/>
-          </p:cNvGraphicFramePr>
-          <p:nvPr>
-            <p:ph sz="quarter" idx="32"/>
-            <p:extLst>
-              <p:ext uri="{D42A27DB-BD31-4B8C-83A1-F6EECF244321}">
-                <p14:modId xmlns:p14="http://schemas.microsoft.com/office/powerpoint/2010/main" val="3569212190"/>
-              </p:ext>
-            </p:extLst>
-          </p:nvPr>
-        </p:nvGraphicFramePr>
-        <p:xfrm>
-          <a:off x="15544800" y="19167244"/>
-          <a:ext cx="6142037" cy="3509735"/>
-        </p:xfrm>
-        <a:graphic>
-          <a:graphicData uri="http://schemas.openxmlformats.org/drawingml/2006/chart">
-            <c:chart xmlns:c="http://schemas.openxmlformats.org/drawingml/2006/chart" xmlns:r="http://schemas.openxmlformats.org/officeDocument/2006/relationships" r:id="rId3"/>
-          </a:graphicData>
-        </a:graphic>
-      </p:graphicFrame>
-      <p:graphicFrame>
-        <p:nvGraphicFramePr>
-          <p:cNvPr id="32" name="Content Placeholder 31" descr="Line chart" title="Chart"/>
-          <p:cNvGraphicFramePr>
-            <a:graphicFrameLocks noGrp="1"/>
-          </p:cNvGraphicFramePr>
-          <p:nvPr>
-            <p:ph sz="quarter" idx="33"/>
-            <p:extLst>
-              <p:ext uri="{D42A27DB-BD31-4B8C-83A1-F6EECF244321}">
-                <p14:modId xmlns:p14="http://schemas.microsoft.com/office/powerpoint/2010/main" val="3820900368"/>
-              </p:ext>
-            </p:extLst>
-          </p:nvPr>
-        </p:nvGraphicFramePr>
-        <p:xfrm>
-          <a:off x="21763037" y="18915057"/>
-          <a:ext cx="6583363" cy="3761922"/>
-        </p:xfrm>
-        <a:graphic>
-          <a:graphicData uri="http://schemas.openxmlformats.org/drawingml/2006/chart">
-            <c:chart xmlns:c="http://schemas.openxmlformats.org/drawingml/2006/chart" xmlns:r="http://schemas.openxmlformats.org/officeDocument/2006/relationships" r:id="rId4"/>
-          </a:graphicData>
-        </a:graphic>
-      </p:graphicFrame>
       <p:sp>
         <p:nvSpPr>
           <p:cNvPr id="21" name="Text Placeholder 20"/>
@@ -7416,7 +4473,7 @@
         </p:nvSpPr>
         <p:spPr>
           <a:xfrm>
-            <a:off x="30521365" y="5869019"/>
+            <a:off x="30715384" y="20608159"/>
             <a:ext cx="12801600" cy="1219200"/>
           </a:xfrm>
           <a:solidFill>
@@ -7446,8 +4503,8 @@
         </p:nvSpPr>
         <p:spPr>
           <a:xfrm>
-            <a:off x="29946600" y="27444700"/>
-            <a:ext cx="12801600" cy="4572000"/>
+            <a:off x="30521365" y="30195232"/>
+            <a:ext cx="12755880" cy="2166577"/>
           </a:xfrm>
         </p:spPr>
         <p:txBody>
@@ -7482,7 +4539,7 @@
           <p:nvPr/>
         </p:nvPicPr>
         <p:blipFill>
-          <a:blip r:embed="rId5"/>
+          <a:blip r:embed="rId3"/>
           <a:stretch>
             <a:fillRect/>
           </a:stretch>
@@ -7557,7 +4614,7 @@
         </p:nvSpPr>
         <p:spPr>
           <a:xfrm>
-            <a:off x="1142683" y="14590037"/>
+            <a:off x="1142683" y="13752757"/>
             <a:ext cx="12801600" cy="1219200"/>
           </a:xfrm>
           <a:solidFill>
@@ -7586,6 +4643,10 @@
           </p:nvPr>
         </p:nvSpPr>
         <p:spPr>
+          <a:xfrm>
+            <a:off x="30715384" y="28733496"/>
+            <a:ext cx="12801600" cy="1219200"/>
+          </a:xfrm>
           <a:solidFill>
             <a:schemeClr val="accent5"/>
           </a:solidFill>
@@ -7601,6 +4662,955 @@
           </a:p>
         </p:txBody>
       </p:sp>
+      <p:pic>
+        <p:nvPicPr>
+          <p:cNvPr id="56" name="Content Placeholder 55"/>
+          <p:cNvPicPr>
+            <a:picLocks noGrp="1" noChangeAspect="1"/>
+          </p:cNvPicPr>
+          <p:nvPr>
+            <p:ph sz="quarter" idx="32"/>
+          </p:nvPr>
+        </p:nvPicPr>
+        <p:blipFill>
+          <a:blip r:embed="rId4">
+            <a:extLst>
+              <a:ext uri="{28A0092B-C50C-407E-A947-70E740481C1C}">
+                <a14:useLocalDpi xmlns:a14="http://schemas.microsoft.com/office/drawing/2010/main" val="0"/>
+              </a:ext>
+            </a:extLst>
+          </a:blip>
+          <a:stretch>
+            <a:fillRect/>
+          </a:stretch>
+        </p:blipFill>
+        <p:spPr>
+          <a:xfrm>
+            <a:off x="15831865" y="20099234"/>
+            <a:ext cx="6316935" cy="4042545"/>
+          </a:xfrm>
+        </p:spPr>
+      </p:pic>
+      <p:pic>
+        <p:nvPicPr>
+          <p:cNvPr id="57" name="Content Placeholder 56"/>
+          <p:cNvPicPr>
+            <a:picLocks noGrp="1" noChangeAspect="1"/>
+          </p:cNvPicPr>
+          <p:nvPr>
+            <p:ph sz="quarter" idx="33"/>
+          </p:nvPr>
+        </p:nvPicPr>
+        <p:blipFill>
+          <a:blip r:embed="rId5">
+            <a:extLst>
+              <a:ext uri="{28A0092B-C50C-407E-A947-70E740481C1C}">
+                <a14:useLocalDpi xmlns:a14="http://schemas.microsoft.com/office/drawing/2010/main" val="0"/>
+              </a:ext>
+            </a:extLst>
+          </a:blip>
+          <a:stretch>
+            <a:fillRect/>
+          </a:stretch>
+        </p:blipFill>
+        <p:spPr>
+          <a:xfrm>
+            <a:off x="16411114" y="27148002"/>
+            <a:ext cx="6762692" cy="4327809"/>
+          </a:xfrm>
+        </p:spPr>
+      </p:pic>
+      <p:grpSp>
+        <p:nvGrpSpPr>
+          <p:cNvPr id="55" name="Group 54"/>
+          <p:cNvGrpSpPr/>
+          <p:nvPr/>
+        </p:nvGrpSpPr>
+        <p:grpSpPr>
+          <a:xfrm>
+            <a:off x="15884259" y="8565617"/>
+            <a:ext cx="12122681" cy="6395917"/>
+            <a:chOff x="16223719" y="13619315"/>
+            <a:chExt cx="12122681" cy="6395917"/>
+          </a:xfrm>
+        </p:grpSpPr>
+        <p:grpSp>
+          <p:nvGrpSpPr>
+            <p:cNvPr id="28" name="Group 27"/>
+            <p:cNvGrpSpPr/>
+            <p:nvPr/>
+          </p:nvGrpSpPr>
+          <p:grpSpPr>
+            <a:xfrm>
+              <a:off x="16304691" y="13619315"/>
+              <a:ext cx="12041709" cy="3160643"/>
+              <a:chOff x="16304691" y="13619315"/>
+              <a:chExt cx="12041709" cy="3160643"/>
+            </a:xfrm>
+          </p:grpSpPr>
+          <p:pic>
+            <p:nvPicPr>
+              <p:cNvPr id="29" name="Picture 28"/>
+              <p:cNvPicPr>
+                <a:picLocks noChangeAspect="1"/>
+              </p:cNvPicPr>
+              <p:nvPr/>
+            </p:nvPicPr>
+            <p:blipFill>
+              <a:blip r:embed="rId6" cstate="print">
+                <a:extLst>
+                  <a:ext uri="{28A0092B-C50C-407E-A947-70E740481C1C}">
+                    <a14:useLocalDpi xmlns:a14="http://schemas.microsoft.com/office/drawing/2010/main" val="0"/>
+                  </a:ext>
+                </a:extLst>
+              </a:blip>
+              <a:stretch>
+                <a:fillRect/>
+              </a:stretch>
+            </p:blipFill>
+            <p:spPr>
+              <a:xfrm>
+                <a:off x="20377146" y="13619315"/>
+                <a:ext cx="4214191" cy="3160643"/>
+              </a:xfrm>
+              <a:prstGeom prst="rect">
+                <a:avLst/>
+              </a:prstGeom>
+            </p:spPr>
+          </p:pic>
+          <p:pic>
+            <p:nvPicPr>
+              <p:cNvPr id="31" name="Picture 30"/>
+              <p:cNvPicPr>
+                <a:picLocks noChangeAspect="1"/>
+              </p:cNvPicPr>
+              <p:nvPr/>
+            </p:nvPicPr>
+            <p:blipFill>
+              <a:blip r:embed="rId7" cstate="print">
+                <a:extLst>
+                  <a:ext uri="{28A0092B-C50C-407E-A947-70E740481C1C}">
+                    <a14:useLocalDpi xmlns:a14="http://schemas.microsoft.com/office/drawing/2010/main" val="0"/>
+                  </a:ext>
+                </a:extLst>
+              </a:blip>
+              <a:stretch>
+                <a:fillRect/>
+              </a:stretch>
+            </p:blipFill>
+            <p:spPr>
+              <a:xfrm>
+                <a:off x="24589438" y="13790775"/>
+                <a:ext cx="3756962" cy="2817721"/>
+              </a:xfrm>
+              <a:prstGeom prst="rect">
+                <a:avLst/>
+              </a:prstGeom>
+            </p:spPr>
+          </p:pic>
+          <p:pic>
+            <p:nvPicPr>
+              <p:cNvPr id="33" name="Picture 32"/>
+              <p:cNvPicPr>
+                <a:picLocks noChangeAspect="1"/>
+              </p:cNvPicPr>
+              <p:nvPr/>
+            </p:nvPicPr>
+            <p:blipFill>
+              <a:blip r:embed="rId8">
+                <a:extLst>
+                  <a:ext uri="{28A0092B-C50C-407E-A947-70E740481C1C}">
+                    <a14:useLocalDpi xmlns:a14="http://schemas.microsoft.com/office/drawing/2010/main" val="0"/>
+                  </a:ext>
+                </a:extLst>
+              </a:blip>
+              <a:stretch>
+                <a:fillRect/>
+              </a:stretch>
+            </p:blipFill>
+            <p:spPr>
+              <a:xfrm>
+                <a:off x="16304691" y="13620739"/>
+                <a:ext cx="4212292" cy="3159219"/>
+              </a:xfrm>
+              <a:prstGeom prst="rect">
+                <a:avLst/>
+              </a:prstGeom>
+            </p:spPr>
+          </p:pic>
+        </p:grpSp>
+        <p:grpSp>
+          <p:nvGrpSpPr>
+            <p:cNvPr id="27" name="Group 26"/>
+            <p:cNvGrpSpPr/>
+            <p:nvPr/>
+          </p:nvGrpSpPr>
+          <p:grpSpPr>
+            <a:xfrm>
+              <a:off x="16223719" y="16801886"/>
+              <a:ext cx="12122681" cy="3213346"/>
+              <a:chOff x="16175726" y="17651577"/>
+              <a:chExt cx="12122681" cy="3213346"/>
+            </a:xfrm>
+          </p:grpSpPr>
+          <p:pic>
+            <p:nvPicPr>
+              <p:cNvPr id="44" name="Picture 43"/>
+              <p:cNvPicPr>
+                <a:picLocks noChangeAspect="1"/>
+              </p:cNvPicPr>
+              <p:nvPr/>
+            </p:nvPicPr>
+            <p:blipFill>
+              <a:blip r:embed="rId9" cstate="print">
+                <a:extLst>
+                  <a:ext uri="{28A0092B-C50C-407E-A947-70E740481C1C}">
+                    <a14:useLocalDpi xmlns:a14="http://schemas.microsoft.com/office/drawing/2010/main" val="0"/>
+                  </a:ext>
+                </a:extLst>
+              </a:blip>
+              <a:stretch>
+                <a:fillRect/>
+              </a:stretch>
+            </p:blipFill>
+            <p:spPr>
+              <a:xfrm>
+                <a:off x="20455946" y="17834463"/>
+                <a:ext cx="4040612" cy="3030458"/>
+              </a:xfrm>
+              <a:prstGeom prst="rect">
+                <a:avLst/>
+              </a:prstGeom>
+            </p:spPr>
+          </p:pic>
+          <p:pic>
+            <p:nvPicPr>
+              <p:cNvPr id="45" name="Picture 44"/>
+              <p:cNvPicPr>
+                <a:picLocks noChangeAspect="1"/>
+              </p:cNvPicPr>
+              <p:nvPr/>
+            </p:nvPicPr>
+            <p:blipFill>
+              <a:blip r:embed="rId10" cstate="print">
+                <a:extLst>
+                  <a:ext uri="{28A0092B-C50C-407E-A947-70E740481C1C}">
+                    <a14:useLocalDpi xmlns:a14="http://schemas.microsoft.com/office/drawing/2010/main" val="0"/>
+                  </a:ext>
+                </a:extLst>
+              </a:blip>
+              <a:stretch>
+                <a:fillRect/>
+              </a:stretch>
+            </p:blipFill>
+            <p:spPr>
+              <a:xfrm>
+                <a:off x="24579046" y="17834461"/>
+                <a:ext cx="3719361" cy="2789520"/>
+              </a:xfrm>
+              <a:prstGeom prst="rect">
+                <a:avLst/>
+              </a:prstGeom>
+            </p:spPr>
+          </p:pic>
+          <p:pic>
+            <p:nvPicPr>
+              <p:cNvPr id="46" name="Picture 45"/>
+              <p:cNvPicPr>
+                <a:picLocks noChangeAspect="1"/>
+              </p:cNvPicPr>
+              <p:nvPr/>
+            </p:nvPicPr>
+            <p:blipFill>
+              <a:blip r:embed="rId11" cstate="print">
+                <a:extLst>
+                  <a:ext uri="{28A0092B-C50C-407E-A947-70E740481C1C}">
+                    <a14:useLocalDpi xmlns:a14="http://schemas.microsoft.com/office/drawing/2010/main" val="0"/>
+                  </a:ext>
+                </a:extLst>
+              </a:blip>
+              <a:stretch>
+                <a:fillRect/>
+              </a:stretch>
+            </p:blipFill>
+            <p:spPr>
+              <a:xfrm>
+                <a:off x="16175726" y="17651577"/>
+                <a:ext cx="4284461" cy="3213346"/>
+              </a:xfrm>
+              <a:prstGeom prst="rect">
+                <a:avLst/>
+              </a:prstGeom>
+            </p:spPr>
+          </p:pic>
+        </p:grpSp>
+      </p:grpSp>
+      <p:sp>
+        <p:nvSpPr>
+          <p:cNvPr id="48" name="Content Placeholder 16"/>
+          <p:cNvSpPr>
+            <a:spLocks noGrp="1"/>
+          </p:cNvSpPr>
+          <p:nvPr>
+            <p:ph sz="quarter" idx="30"/>
+          </p:nvPr>
+        </p:nvSpPr>
+        <p:spPr>
+          <a:xfrm>
+            <a:off x="16895969" y="15254352"/>
+            <a:ext cx="2939960" cy="693118"/>
+          </a:xfrm>
+        </p:spPr>
+        <p:txBody>
+          <a:bodyPr>
+            <a:normAutofit/>
+          </a:bodyPr>
+          <a:lstStyle/>
+          <a:p>
+            <a:pPr marL="0" indent="0">
+              <a:buNone/>
+            </a:pPr>
+            <a:r>
+              <a:rPr lang="en-US" sz="1800" dirty="0"/>
+              <a:t>FFT – occipital channels</a:t>
+            </a:r>
+          </a:p>
+        </p:txBody>
+      </p:sp>
+      <p:sp>
+        <p:nvSpPr>
+          <p:cNvPr id="49" name="Content Placeholder 16"/>
+          <p:cNvSpPr>
+            <a:spLocks noGrp="1"/>
+          </p:cNvSpPr>
+          <p:nvPr>
+            <p:ph sz="quarter" idx="30"/>
+          </p:nvPr>
+        </p:nvSpPr>
+        <p:spPr>
+          <a:xfrm>
+            <a:off x="20983223" y="15162972"/>
+            <a:ext cx="2939960" cy="693118"/>
+          </a:xfrm>
+        </p:spPr>
+        <p:txBody>
+          <a:bodyPr>
+            <a:normAutofit fontScale="92500" lnSpcReduction="20000"/>
+          </a:bodyPr>
+          <a:lstStyle/>
+          <a:p>
+            <a:pPr marL="0" indent="0">
+              <a:buNone/>
+            </a:pPr>
+            <a:r>
+              <a:rPr lang="en-US" sz="1800" dirty="0"/>
+              <a:t>Alpha power averaged across occipital channels</a:t>
+            </a:r>
+          </a:p>
+        </p:txBody>
+      </p:sp>
+      <p:sp>
+        <p:nvSpPr>
+          <p:cNvPr id="50" name="Content Placeholder 16"/>
+          <p:cNvSpPr>
+            <a:spLocks noGrp="1"/>
+          </p:cNvSpPr>
+          <p:nvPr>
+            <p:ph sz="quarter" idx="30"/>
+          </p:nvPr>
+        </p:nvSpPr>
+        <p:spPr>
+          <a:xfrm>
+            <a:off x="24997939" y="15127795"/>
+            <a:ext cx="2939960" cy="693118"/>
+          </a:xfrm>
+        </p:spPr>
+        <p:txBody>
+          <a:bodyPr>
+            <a:normAutofit/>
+          </a:bodyPr>
+          <a:lstStyle/>
+          <a:p>
+            <a:pPr marL="0" indent="0">
+              <a:buNone/>
+            </a:pPr>
+            <a:r>
+              <a:rPr lang="en-US" sz="1800" dirty="0"/>
+              <a:t>Topo-power in alpha band</a:t>
+            </a:r>
+          </a:p>
+        </p:txBody>
+      </p:sp>
+      <p:sp>
+        <p:nvSpPr>
+          <p:cNvPr id="52" name="Content Placeholder 16"/>
+          <p:cNvSpPr>
+            <a:spLocks noGrp="1"/>
+          </p:cNvSpPr>
+          <p:nvPr>
+            <p:ph sz="quarter" idx="30"/>
+          </p:nvPr>
+        </p:nvSpPr>
+        <p:spPr>
+          <a:xfrm>
+            <a:off x="16524449" y="16114802"/>
+            <a:ext cx="11413450" cy="1415566"/>
+          </a:xfrm>
+        </p:spPr>
+        <p:txBody>
+          <a:bodyPr>
+            <a:normAutofit fontScale="92500"/>
+          </a:bodyPr>
+          <a:lstStyle/>
+          <a:p>
+            <a:pPr marL="0" indent="0">
+              <a:buNone/>
+            </a:pPr>
+            <a:r>
+              <a:rPr lang="en-US" sz="2400" dirty="0"/>
+              <a:t>Figure 2. Individual subject differences in time frequency data during the eyes open condition.  Notice in the top row (subject 1) the increased activation in the alpha band (7.5-12.5Hz), while the bottom row (subject 2) shows no activation across different frequency bands.</a:t>
+            </a:r>
+          </a:p>
+        </p:txBody>
+      </p:sp>
+      <p:sp>
+        <p:nvSpPr>
+          <p:cNvPr id="60" name="Content Placeholder 13"/>
+          <p:cNvSpPr>
+            <a:spLocks noGrp="1"/>
+          </p:cNvSpPr>
+          <p:nvPr>
+            <p:ph sz="quarter" idx="27"/>
+          </p:nvPr>
+        </p:nvSpPr>
+        <p:spPr>
+          <a:xfrm>
+            <a:off x="15544799" y="17962182"/>
+            <a:ext cx="12393099" cy="1307968"/>
+          </a:xfrm>
+        </p:spPr>
+        <p:txBody>
+          <a:bodyPr>
+            <a:normAutofit fontScale="92500" lnSpcReduction="20000"/>
+          </a:bodyPr>
+          <a:lstStyle/>
+          <a:p>
+            <a:pPr marL="0" indent="0">
+              <a:buNone/>
+            </a:pPr>
+            <a:r>
+              <a:rPr lang="en-US" sz="4800" dirty="0"/>
+              <a:t>Decreased SNR thresholds were associated with increased alpha power</a:t>
+            </a:r>
+          </a:p>
+        </p:txBody>
+      </p:sp>
+      <p:pic>
+        <p:nvPicPr>
+          <p:cNvPr id="61" name="Picture 60"/>
+          <p:cNvPicPr>
+            <a:picLocks noChangeAspect="1"/>
+          </p:cNvPicPr>
+          <p:nvPr/>
+        </p:nvPicPr>
+        <p:blipFill>
+          <a:blip r:embed="rId12">
+            <a:extLst>
+              <a:ext uri="{28A0092B-C50C-407E-A947-70E740481C1C}">
+                <a14:useLocalDpi xmlns:a14="http://schemas.microsoft.com/office/drawing/2010/main" val="0"/>
+              </a:ext>
+            </a:extLst>
+          </a:blip>
+          <a:stretch>
+            <a:fillRect/>
+          </a:stretch>
+        </p:blipFill>
+        <p:spPr>
+          <a:xfrm>
+            <a:off x="22389238" y="20002316"/>
+            <a:ext cx="6474732" cy="4143528"/>
+          </a:xfrm>
+          <a:prstGeom prst="rect">
+            <a:avLst/>
+          </a:prstGeom>
+        </p:spPr>
+      </p:pic>
+      <p:sp>
+        <p:nvSpPr>
+          <p:cNvPr id="62" name="Content Placeholder 16"/>
+          <p:cNvSpPr>
+            <a:spLocks noGrp="1"/>
+          </p:cNvSpPr>
+          <p:nvPr>
+            <p:ph sz="quarter" idx="30"/>
+          </p:nvPr>
+        </p:nvSpPr>
+        <p:spPr>
+          <a:xfrm>
+            <a:off x="15965231" y="31475811"/>
+            <a:ext cx="12747714" cy="1167080"/>
+          </a:xfrm>
+        </p:spPr>
+        <p:txBody>
+          <a:bodyPr>
+            <a:normAutofit/>
+          </a:bodyPr>
+          <a:lstStyle/>
+          <a:p>
+            <a:pPr marL="0" indent="0">
+              <a:buNone/>
+            </a:pPr>
+            <a:r>
+              <a:rPr lang="en-US" sz="2200" dirty="0"/>
+              <a:t>Figure 4.  Significant correlations between SNR thresholds and pure tone average thresholds were observed</a:t>
+            </a:r>
+          </a:p>
+        </p:txBody>
+      </p:sp>
+      <p:sp>
+        <p:nvSpPr>
+          <p:cNvPr id="65" name="Content Placeholder 16"/>
+          <p:cNvSpPr>
+            <a:spLocks noGrp="1"/>
+          </p:cNvSpPr>
+          <p:nvPr>
+            <p:ph sz="quarter" idx="30"/>
+          </p:nvPr>
+        </p:nvSpPr>
+        <p:spPr>
+          <a:xfrm>
+            <a:off x="16117631" y="24563187"/>
+            <a:ext cx="12747714" cy="1167080"/>
+          </a:xfrm>
+        </p:spPr>
+        <p:txBody>
+          <a:bodyPr>
+            <a:normAutofit/>
+          </a:bodyPr>
+          <a:lstStyle/>
+          <a:p>
+            <a:pPr marL="0" indent="0">
+              <a:buNone/>
+            </a:pPr>
+            <a:r>
+              <a:rPr lang="en-US" sz="2200" dirty="0"/>
+              <a:t>Figure 3.  Significant correlations between SNR thresholds and alpha band power were observed</a:t>
+            </a:r>
+          </a:p>
+        </p:txBody>
+      </p:sp>
+      <p:grpSp>
+        <p:nvGrpSpPr>
+          <p:cNvPr id="75" name="Group 74"/>
+          <p:cNvGrpSpPr/>
+          <p:nvPr/>
+        </p:nvGrpSpPr>
+        <p:grpSpPr>
+          <a:xfrm>
+            <a:off x="11004108" y="29588763"/>
+            <a:ext cx="3717131" cy="2643333"/>
+            <a:chOff x="1262939" y="28487779"/>
+            <a:chExt cx="5826608" cy="4143427"/>
+          </a:xfrm>
+        </p:grpSpPr>
+        <p:grpSp>
+          <p:nvGrpSpPr>
+            <p:cNvPr id="66" name="Group 65"/>
+            <p:cNvGrpSpPr/>
+            <p:nvPr/>
+          </p:nvGrpSpPr>
+          <p:grpSpPr>
+            <a:xfrm>
+              <a:off x="1262939" y="31295905"/>
+              <a:ext cx="5166304" cy="1335301"/>
+              <a:chOff x="1153553" y="271848"/>
+              <a:chExt cx="5166304" cy="1335301"/>
+            </a:xfrm>
+          </p:grpSpPr>
+          <p:pic>
+            <p:nvPicPr>
+              <p:cNvPr id="67" name="Picture 66"/>
+              <p:cNvPicPr>
+                <a:picLocks noChangeAspect="1"/>
+              </p:cNvPicPr>
+              <p:nvPr/>
+            </p:nvPicPr>
+            <p:blipFill>
+              <a:blip r:embed="rId13"/>
+              <a:stretch>
+                <a:fillRect/>
+              </a:stretch>
+            </p:blipFill>
+            <p:spPr>
+              <a:xfrm>
+                <a:off x="3462357" y="321274"/>
+                <a:ext cx="2857500" cy="1285875"/>
+              </a:xfrm>
+              <a:prstGeom prst="rect">
+                <a:avLst/>
+              </a:prstGeom>
+            </p:spPr>
+          </p:pic>
+          <p:pic>
+            <p:nvPicPr>
+              <p:cNvPr id="68" name="Picture 67"/>
+              <p:cNvPicPr>
+                <a:picLocks noChangeAspect="1"/>
+              </p:cNvPicPr>
+              <p:nvPr/>
+            </p:nvPicPr>
+            <p:blipFill>
+              <a:blip r:embed="rId14"/>
+              <a:stretch>
+                <a:fillRect/>
+              </a:stretch>
+            </p:blipFill>
+            <p:spPr>
+              <a:xfrm>
+                <a:off x="1153553" y="271848"/>
+                <a:ext cx="1700857" cy="1285875"/>
+              </a:xfrm>
+              <a:prstGeom prst="rect">
+                <a:avLst/>
+              </a:prstGeom>
+            </p:spPr>
+          </p:pic>
+        </p:grpSp>
+        <p:grpSp>
+          <p:nvGrpSpPr>
+            <p:cNvPr id="69" name="Group 68"/>
+            <p:cNvGrpSpPr/>
+            <p:nvPr/>
+          </p:nvGrpSpPr>
+          <p:grpSpPr>
+            <a:xfrm>
+              <a:off x="1274661" y="28487779"/>
+              <a:ext cx="5814886" cy="1483967"/>
+              <a:chOff x="820692" y="2041888"/>
+              <a:chExt cx="5814886" cy="1483967"/>
+            </a:xfrm>
+          </p:grpSpPr>
+          <p:pic>
+            <p:nvPicPr>
+              <p:cNvPr id="70" name="Picture 69"/>
+              <p:cNvPicPr>
+                <a:picLocks noChangeAspect="1"/>
+              </p:cNvPicPr>
+              <p:nvPr/>
+            </p:nvPicPr>
+            <p:blipFill>
+              <a:blip r:embed="rId15"/>
+              <a:stretch>
+                <a:fillRect/>
+              </a:stretch>
+            </p:blipFill>
+            <p:spPr>
+              <a:xfrm>
+                <a:off x="3042227" y="2125680"/>
+                <a:ext cx="3593351" cy="1400175"/>
+              </a:xfrm>
+              <a:prstGeom prst="rect">
+                <a:avLst/>
+              </a:prstGeom>
+            </p:spPr>
+          </p:pic>
+          <p:pic>
+            <p:nvPicPr>
+              <p:cNvPr id="71" name="Picture 70"/>
+              <p:cNvPicPr>
+                <a:picLocks noChangeAspect="1"/>
+              </p:cNvPicPr>
+              <p:nvPr/>
+            </p:nvPicPr>
+            <p:blipFill>
+              <a:blip r:embed="rId16"/>
+              <a:stretch>
+                <a:fillRect/>
+              </a:stretch>
+            </p:blipFill>
+            <p:spPr>
+              <a:xfrm>
+                <a:off x="820692" y="2041888"/>
+                <a:ext cx="1526317" cy="1381125"/>
+              </a:xfrm>
+              <a:prstGeom prst="rect">
+                <a:avLst/>
+              </a:prstGeom>
+            </p:spPr>
+          </p:pic>
+        </p:grpSp>
+        <p:grpSp>
+          <p:nvGrpSpPr>
+            <p:cNvPr id="72" name="Group 71"/>
+            <p:cNvGrpSpPr/>
+            <p:nvPr/>
+          </p:nvGrpSpPr>
+          <p:grpSpPr>
+            <a:xfrm>
+              <a:off x="1274661" y="29952696"/>
+              <a:ext cx="5814885" cy="1247775"/>
+              <a:chOff x="610627" y="4281292"/>
+              <a:chExt cx="5814885" cy="1247775"/>
+            </a:xfrm>
+          </p:grpSpPr>
+          <p:pic>
+            <p:nvPicPr>
+              <p:cNvPr id="73" name="Picture 72"/>
+              <p:cNvPicPr>
+                <a:picLocks noChangeAspect="1"/>
+              </p:cNvPicPr>
+              <p:nvPr/>
+            </p:nvPicPr>
+            <p:blipFill>
+              <a:blip r:embed="rId17"/>
+              <a:stretch>
+                <a:fillRect/>
+              </a:stretch>
+            </p:blipFill>
+            <p:spPr>
+              <a:xfrm>
+                <a:off x="2832161" y="4300342"/>
+                <a:ext cx="3593351" cy="1228725"/>
+              </a:xfrm>
+              <a:prstGeom prst="rect">
+                <a:avLst/>
+              </a:prstGeom>
+            </p:spPr>
+          </p:pic>
+          <p:pic>
+            <p:nvPicPr>
+              <p:cNvPr id="74" name="Picture 73"/>
+              <p:cNvPicPr>
+                <a:picLocks noChangeAspect="1"/>
+              </p:cNvPicPr>
+              <p:nvPr/>
+            </p:nvPicPr>
+            <p:blipFill>
+              <a:blip r:embed="rId18"/>
+              <a:stretch>
+                <a:fillRect/>
+              </a:stretch>
+            </p:blipFill>
+            <p:spPr>
+              <a:xfrm>
+                <a:off x="610627" y="4281292"/>
+                <a:ext cx="1513317" cy="1247775"/>
+              </a:xfrm>
+              <a:prstGeom prst="rect">
+                <a:avLst/>
+              </a:prstGeom>
+            </p:spPr>
+          </p:pic>
+        </p:grpSp>
+      </p:grpSp>
+      <p:sp>
+        <p:nvSpPr>
+          <p:cNvPr id="76" name="Content Placeholder 16"/>
+          <p:cNvSpPr>
+            <a:spLocks noGrp="1"/>
+          </p:cNvSpPr>
+          <p:nvPr>
+            <p:ph sz="quarter" idx="30"/>
+          </p:nvPr>
+        </p:nvSpPr>
+        <p:spPr>
+          <a:xfrm>
+            <a:off x="211352" y="32059351"/>
+            <a:ext cx="12747714" cy="1167080"/>
+          </a:xfrm>
+        </p:spPr>
+        <p:txBody>
+          <a:bodyPr>
+            <a:normAutofit/>
+          </a:bodyPr>
+          <a:lstStyle/>
+          <a:p>
+            <a:pPr marL="0" indent="0">
+              <a:buNone/>
+            </a:pPr>
+            <a:r>
+              <a:rPr lang="en-US" sz="2200" dirty="0"/>
+              <a:t>Figure 1.  Raw EEG data before and after removal of biological artifacts using ICA.</a:t>
+            </a:r>
+          </a:p>
+        </p:txBody>
+      </p:sp>
+      <p:pic>
+        <p:nvPicPr>
+          <p:cNvPr id="51" name="Picture 50" descr="64-Channel Montage.pdf"/>
+          <p:cNvPicPr>
+            <a:picLocks noChangeAspect="1"/>
+          </p:cNvPicPr>
+          <p:nvPr/>
+        </p:nvPicPr>
+        <p:blipFill rotWithShape="1">
+          <a:blip r:embed="rId19">
+            <a:extLst>
+              <a:ext uri="{28A0092B-C50C-407E-A947-70E740481C1C}">
+                <a14:useLocalDpi xmlns:a14="http://schemas.microsoft.com/office/drawing/2010/main" val="0"/>
+              </a:ext>
+            </a:extLst>
+          </a:blip>
+          <a:srcRect l="18971" t="19647" r="54036" b="60039"/>
+          <a:stretch/>
+        </p:blipFill>
+        <p:spPr>
+          <a:xfrm>
+            <a:off x="10103119" y="17561328"/>
+            <a:ext cx="3590266" cy="3496703"/>
+          </a:xfrm>
+          <a:prstGeom prst="rect">
+            <a:avLst/>
+          </a:prstGeom>
+        </p:spPr>
+      </p:pic>
+      <p:sp>
+        <p:nvSpPr>
+          <p:cNvPr id="53" name="Text Placeholder 37"/>
+          <p:cNvSpPr>
+            <a:spLocks noGrp="1"/>
+          </p:cNvSpPr>
+          <p:nvPr>
+            <p:ph type="body" sz="quarter" idx="21"/>
+          </p:nvPr>
+        </p:nvSpPr>
+        <p:spPr>
+          <a:xfrm>
+            <a:off x="30715384" y="5851467"/>
+            <a:ext cx="12801600" cy="1219200"/>
+          </a:xfrm>
+        </p:spPr>
+        <p:txBody>
+          <a:bodyPr/>
+          <a:lstStyle/>
+          <a:p>
+            <a:r>
+              <a:rPr lang="en-US" dirty="0"/>
+              <a:t>3. Results Continued</a:t>
+            </a:r>
+          </a:p>
+        </p:txBody>
+      </p:sp>
+      <p:pic>
+        <p:nvPicPr>
+          <p:cNvPr id="3" name="Picture 2"/>
+          <p:cNvPicPr>
+            <a:picLocks noChangeAspect="1"/>
+          </p:cNvPicPr>
+          <p:nvPr/>
+        </p:nvPicPr>
+        <p:blipFill>
+          <a:blip r:embed="rId20"/>
+          <a:stretch>
+            <a:fillRect/>
+          </a:stretch>
+        </p:blipFill>
+        <p:spPr>
+          <a:xfrm>
+            <a:off x="35719687" y="9857895"/>
+            <a:ext cx="8446374" cy="4639558"/>
+          </a:xfrm>
+          <a:prstGeom prst="rect">
+            <a:avLst/>
+          </a:prstGeom>
+        </p:spPr>
+      </p:pic>
+      <p:pic>
+        <p:nvPicPr>
+          <p:cNvPr id="6" name="Picture 5"/>
+          <p:cNvPicPr>
+            <a:picLocks noChangeAspect="1"/>
+          </p:cNvPicPr>
+          <p:nvPr/>
+        </p:nvPicPr>
+        <p:blipFill>
+          <a:blip r:embed="rId21"/>
+          <a:stretch>
+            <a:fillRect/>
+          </a:stretch>
+        </p:blipFill>
+        <p:spPr>
+          <a:xfrm>
+            <a:off x="28863970" y="9428580"/>
+            <a:ext cx="6136178" cy="3372736"/>
+          </a:xfrm>
+          <a:prstGeom prst="rect">
+            <a:avLst/>
+          </a:prstGeom>
+        </p:spPr>
+      </p:pic>
+      <p:pic>
+        <p:nvPicPr>
+          <p:cNvPr id="9" name="Picture 8"/>
+          <p:cNvPicPr>
+            <a:picLocks noChangeAspect="1"/>
+          </p:cNvPicPr>
+          <p:nvPr/>
+        </p:nvPicPr>
+        <p:blipFill>
+          <a:blip r:embed="rId22"/>
+          <a:stretch>
+            <a:fillRect/>
+          </a:stretch>
+        </p:blipFill>
+        <p:spPr>
+          <a:xfrm>
+            <a:off x="2517143" y="26515994"/>
+            <a:ext cx="8501542" cy="887632"/>
+          </a:xfrm>
+          <a:prstGeom prst="rect">
+            <a:avLst/>
+          </a:prstGeom>
+        </p:spPr>
+      </p:pic>
+      <p:pic>
+        <p:nvPicPr>
+          <p:cNvPr id="13" name="Picture 12"/>
+          <p:cNvPicPr>
+            <a:picLocks noChangeAspect="1"/>
+          </p:cNvPicPr>
+          <p:nvPr/>
+        </p:nvPicPr>
+        <p:blipFill>
+          <a:blip r:embed="rId23"/>
+          <a:stretch>
+            <a:fillRect/>
+          </a:stretch>
+        </p:blipFill>
+        <p:spPr>
+          <a:xfrm>
+            <a:off x="2451370" y="27988138"/>
+            <a:ext cx="8444242" cy="1108974"/>
+          </a:xfrm>
+          <a:prstGeom prst="rect">
+            <a:avLst/>
+          </a:prstGeom>
+        </p:spPr>
+      </p:pic>
+      <p:pic>
+        <p:nvPicPr>
+          <p:cNvPr id="15" name="Picture 14"/>
+          <p:cNvPicPr>
+            <a:picLocks noChangeAspect="1"/>
+          </p:cNvPicPr>
+          <p:nvPr/>
+        </p:nvPicPr>
+        <p:blipFill>
+          <a:blip r:embed="rId24"/>
+          <a:stretch>
+            <a:fillRect/>
+          </a:stretch>
+        </p:blipFill>
+        <p:spPr>
+          <a:xfrm>
+            <a:off x="3034308" y="31504765"/>
+            <a:ext cx="6171429" cy="380952"/>
+          </a:xfrm>
+          <a:prstGeom prst="rect">
+            <a:avLst/>
+          </a:prstGeom>
+        </p:spPr>
+      </p:pic>
     </p:spTree>
     <p:extLst>
       <p:ext uri="{BB962C8B-B14F-4D97-AF65-F5344CB8AC3E}">

--- a/AAS 2017/Alphapower_Poster.pptx
+++ b/AAS 2017/Alphapower_Poster.pptx
@@ -127,20 +127,6 @@
 </p:cmAuthorLst>
 </file>
 
-<file path=ppt/comments/comment1.xml><?xml version="1.0" encoding="utf-8"?>
-<p:cmLst xmlns:a="http://schemas.openxmlformats.org/drawingml/2006/main" xmlns:r="http://schemas.openxmlformats.org/officeDocument/2006/relationships" xmlns:p="http://schemas.openxmlformats.org/presentationml/2006/main">
-  <p:cm authorId="2" dt="2017-02-03T14:46:37.971" idx="1">
-    <p:pos x="22800" y="1688"/>
-    <p:text>Need to find higher resolution image</p:text>
-    <p:extLst>
-      <p:ext uri="{C676402C-5697-4E1C-873F-D02D1690AC5C}">
-        <p15:threadingInfo xmlns:p15="http://schemas.microsoft.com/office/powerpoint/2012/main" timeZoneBias="480"/>
-      </p:ext>
-    </p:extLst>
-  </p:cm>
-</p:cmLst>
-</file>
-
 <file path=ppt/handoutMasters/handoutMaster1.xml><?xml version="1.0" encoding="utf-8"?>
 <p:handoutMaster xmlns:a="http://schemas.openxmlformats.org/drawingml/2006/main" xmlns:r="http://schemas.openxmlformats.org/officeDocument/2006/relationships" xmlns:p="http://schemas.openxmlformats.org/presentationml/2006/main">
   <p:cSld>
@@ -223,7 +209,7 @@
           <a:p>
             <a:fld id="{F1C0B079-A316-4C9B-B165-DF9EA8325D2C}" type="datetimeFigureOut">
               <a:rPr lang="en-US" smtClean="0"/>
-              <a:t>2/8/2017</a:t>
+              <a:t>2/9/2017</a:t>
             </a:fld>
             <a:endParaRPr lang="en-US" dirty="0"/>
           </a:p>
@@ -388,7 +374,7 @@
           <a:p>
             <a:fld id="{38F28AB8-57D1-494F-9851-055AD867E790}" type="datetimeFigureOut">
               <a:rPr lang="en-US" smtClean="0"/>
-              <a:t>2/8/2017</a:t>
+              <a:t>2/9/2017</a:t>
             </a:fld>
             <a:endParaRPr lang="en-US" dirty="0"/>
           </a:p>
@@ -846,7 +832,7 @@
           <a:p>
             <a:fld id="{ECAA57DF-1C19-4726-AB84-014692BAD8F5}" type="datetimeFigureOut">
               <a:rPr lang="en-US" smtClean="0"/>
-              <a:t>2/8/2017</a:t>
+              <a:t>2/9/2017</a:t>
             </a:fld>
             <a:endParaRPr lang="en-US" dirty="0"/>
           </a:p>
@@ -3500,7 +3486,7 @@
             <a:fld id="{ECAA57DF-1C19-4726-AB84-014692BAD8F5}" type="datetimeFigureOut">
               <a:rPr lang="en-US" smtClean="0"/>
               <a:pPr/>
-              <a:t>2/8/2017</a:t>
+              <a:t>2/9/2017</a:t>
             </a:fld>
             <a:endParaRPr lang="en-US" dirty="0"/>
           </a:p>
@@ -3966,7 +3952,7 @@
           <a:p>
             <a:r>
               <a:rPr lang="en-US" dirty="0"/>
-              <a:t>Are variations in speech-in-noise thresholds related to central inhibitory function?</a:t>
+              <a:t>Variations in speech-in-noise thresholds as it relates to central inhibitory function</a:t>
             </a:r>
           </a:p>
         </p:txBody>
@@ -4057,36 +4043,6 @@
           </a:p>
         </p:txBody>
       </p:sp>
-      <p:pic>
-        <p:nvPicPr>
-          <p:cNvPr id="36" name="Picture 35"/>
-          <p:cNvPicPr>
-            <a:picLocks noChangeAspect="1"/>
-          </p:cNvPicPr>
-          <p:nvPr/>
-        </p:nvPicPr>
-        <p:blipFill>
-          <a:blip r:embed="rId2">
-            <a:extLst>
-              <a:ext uri="{28A0092B-C50C-407E-A947-70E740481C1C}">
-                <a14:useLocalDpi xmlns:a14="http://schemas.microsoft.com/office/drawing/2010/main" val="0"/>
-              </a:ext>
-            </a:extLst>
-          </a:blip>
-          <a:stretch>
-            <a:fillRect/>
-          </a:stretch>
-        </p:blipFill>
-        <p:spPr>
-          <a:xfrm>
-            <a:off x="34835446" y="3409134"/>
-            <a:ext cx="8957981" cy="1621532"/>
-          </a:xfrm>
-          <a:prstGeom prst="rect">
-            <a:avLst/>
-          </a:prstGeom>
-        </p:spPr>
-      </p:pic>
       <p:sp>
         <p:nvSpPr>
           <p:cNvPr id="11" name="Content Placeholder 10"/>
@@ -4105,48 +4061,48 @@
         </p:spPr>
         <p:txBody>
           <a:bodyPr>
-            <a:normAutofit lnSpcReduction="10000"/>
+            <a:normAutofit/>
           </a:bodyPr>
           <a:lstStyle/>
           <a:p>
             <a:pPr algn="just"/>
             <a:r>
-              <a:rPr lang="en-US" dirty="0"/>
+              <a:rPr lang="en-US" sz="2400" dirty="0"/>
               <a:t>Speech understanding in the presence of background noise is a major issue for individuals with hearing impairment</a:t>
             </a:r>
           </a:p>
           <a:p>
             <a:pPr algn="just"/>
             <a:r>
-              <a:rPr lang="en-US" dirty="0"/>
+              <a:rPr lang="en-US" sz="2400" dirty="0"/>
               <a:t>Effects of aging and hearing loss on central inhibitory function could potentially contribute to poor speech in noise (SiN) performance</a:t>
             </a:r>
           </a:p>
           <a:p>
             <a:pPr algn="just"/>
             <a:r>
-              <a:rPr lang="en-US" dirty="0"/>
+              <a:rPr lang="en-US" sz="2400" dirty="0"/>
               <a:t>Cortical alpha (7.5-12.5Hz) activity is an indirect measure of central inhibition, and relates to speech understanding in noise</a:t>
             </a:r>
           </a:p>
           <a:p>
             <a:pPr algn="just"/>
             <a:r>
-              <a:rPr lang="en-US" dirty="0"/>
+              <a:rPr lang="en-US" sz="2400" dirty="0"/>
               <a:t>Alpha rhythms effects on SiN testing has been well studied, but less is known about how individual resting state alpha relates to SiN performance.</a:t>
             </a:r>
           </a:p>
           <a:p>
             <a:pPr algn="just"/>
             <a:r>
-              <a:rPr lang="en-US" dirty="0"/>
+              <a:rPr lang="en-US" sz="2400" dirty="0"/>
               <a:t>Increased alpha activity is believed to aid in the suppression of background noise as the listener focuses on the relevant signal stream, however decreases in cortical areas related to attention</a:t>
             </a:r>
           </a:p>
           <a:p>
             <a:pPr algn="just"/>
             <a:r>
-              <a:rPr lang="en-US" dirty="0"/>
+              <a:rPr lang="en-US" sz="2400" dirty="0"/>
               <a:t>Purpose of the present study was to examine if an individual’s inhibitory function, as defined by their resting state alpha activity, would predict sentences in noise (SNR) thresholds</a:t>
             </a:r>
           </a:p>
@@ -4154,7 +4110,7 @@
             <a:pPr marL="0" indent="0">
               <a:buNone/>
             </a:pPr>
-            <a:endParaRPr lang="en-US" dirty="0"/>
+            <a:endParaRPr lang="en-US" sz="2400" dirty="0"/>
           </a:p>
         </p:txBody>
       </p:sp>
@@ -4192,7 +4148,7 @@
         </p:nvSpPr>
         <p:spPr>
           <a:xfrm>
-            <a:off x="1143000" y="14992813"/>
+            <a:off x="1143000" y="14311882"/>
             <a:ext cx="12801600" cy="11853832"/>
           </a:xfrm>
         </p:spPr>
@@ -4411,7 +4367,7 @@
         </p:nvSpPr>
         <p:spPr>
           <a:xfrm>
-            <a:off x="15544799" y="7071359"/>
+            <a:off x="16132388" y="7598401"/>
             <a:ext cx="12393099" cy="1828483"/>
           </a:xfrm>
         </p:spPr>
@@ -4427,36 +4383,6 @@
             <a:r>
               <a:rPr lang="en-US" sz="4400" dirty="0"/>
               <a:t>Resting state alpha activity in the eyes open condition varied among hearing aid patients</a:t>
-            </a:r>
-          </a:p>
-        </p:txBody>
-      </p:sp>
-      <p:sp>
-        <p:nvSpPr>
-          <p:cNvPr id="16" name="Text Placeholder 15"/>
-          <p:cNvSpPr>
-            <a:spLocks noGrp="1"/>
-          </p:cNvSpPr>
-          <p:nvPr>
-            <p:ph type="body" sz="quarter" idx="29"/>
-          </p:nvPr>
-        </p:nvSpPr>
-        <p:spPr>
-          <a:xfrm>
-            <a:off x="15831865" y="5851467"/>
-            <a:ext cx="12801600" cy="1219200"/>
-          </a:xfrm>
-          <a:solidFill>
-            <a:schemeClr val="accent5"/>
-          </a:solidFill>
-        </p:spPr>
-        <p:txBody>
-          <a:bodyPr/>
-          <a:lstStyle/>
-          <a:p>
-            <a:r>
-              <a:rPr lang="en-US" dirty="0"/>
-              <a:t>results</a:t>
             </a:r>
           </a:p>
         </p:txBody>
@@ -4486,7 +4412,7 @@
           <a:p>
             <a:r>
               <a:rPr lang="en-US" dirty="0"/>
-              <a:t>4. conclusions</a:t>
+              <a:t>4. Conclusions</a:t>
             </a:r>
           </a:p>
         </p:txBody>
@@ -4539,7 +4465,7 @@
           <p:nvPr/>
         </p:nvPicPr>
         <p:blipFill>
-          <a:blip r:embed="rId3"/>
+          <a:blip r:embed="rId2"/>
           <a:stretch>
             <a:fillRect/>
           </a:stretch>
@@ -4590,7 +4516,12 @@
             <p:ph type="body" sz="quarter" idx="21"/>
           </p:nvPr>
         </p:nvSpPr>
-        <p:spPr/>
+        <p:spPr>
+          <a:xfrm>
+            <a:off x="16388770" y="5851467"/>
+            <a:ext cx="12801600" cy="1219200"/>
+          </a:xfrm>
+        </p:spPr>
         <p:txBody>
           <a:bodyPr/>
           <a:lstStyle/>
@@ -4614,7 +4545,7 @@
         </p:nvSpPr>
         <p:spPr>
           <a:xfrm>
-            <a:off x="1142683" y="13752757"/>
+            <a:off x="1142683" y="12811207"/>
             <a:ext cx="12801600" cy="1219200"/>
           </a:xfrm>
           <a:solidFill>
@@ -4670,6 +4601,35 @@
           </p:cNvPicPr>
           <p:nvPr>
             <p:ph sz="quarter" idx="32"/>
+          </p:nvPr>
+        </p:nvPicPr>
+        <p:blipFill>
+          <a:blip r:embed="rId3">
+            <a:extLst>
+              <a:ext uri="{28A0092B-C50C-407E-A947-70E740481C1C}">
+                <a14:useLocalDpi xmlns:a14="http://schemas.microsoft.com/office/drawing/2010/main" val="0"/>
+              </a:ext>
+            </a:extLst>
+          </a:blip>
+          <a:stretch>
+            <a:fillRect/>
+          </a:stretch>
+        </p:blipFill>
+        <p:spPr>
+          <a:xfrm>
+            <a:off x="30484879" y="9056886"/>
+            <a:ext cx="6316935" cy="4042545"/>
+          </a:xfrm>
+        </p:spPr>
+      </p:pic>
+      <p:pic>
+        <p:nvPicPr>
+          <p:cNvPr id="57" name="Content Placeholder 56"/>
+          <p:cNvPicPr>
+            <a:picLocks noGrp="1" noChangeAspect="1"/>
+          </p:cNvPicPr>
+          <p:nvPr>
+            <p:ph sz="quarter" idx="33"/>
           </p:nvPr>
         </p:nvPicPr>
         <p:blipFill>
@@ -4686,264 +4646,83 @@
         </p:blipFill>
         <p:spPr>
           <a:xfrm>
-            <a:off x="15831865" y="20099234"/>
-            <a:ext cx="6316935" cy="4042545"/>
-          </a:xfrm>
-        </p:spPr>
-      </p:pic>
-      <p:pic>
-        <p:nvPicPr>
-          <p:cNvPr id="57" name="Content Placeholder 56"/>
-          <p:cNvPicPr>
-            <a:picLocks noGrp="1" noChangeAspect="1"/>
-          </p:cNvPicPr>
-          <p:nvPr>
-            <p:ph sz="quarter" idx="33"/>
-          </p:nvPr>
-        </p:nvPicPr>
-        <p:blipFill>
-          <a:blip r:embed="rId5">
-            <a:extLst>
-              <a:ext uri="{28A0092B-C50C-407E-A947-70E740481C1C}">
-                <a14:useLocalDpi xmlns:a14="http://schemas.microsoft.com/office/drawing/2010/main" val="0"/>
-              </a:ext>
-            </a:extLst>
-          </a:blip>
-          <a:stretch>
-            <a:fillRect/>
-          </a:stretch>
-        </p:blipFill>
-        <p:spPr>
-          <a:xfrm>
-            <a:off x="16411114" y="27148002"/>
+            <a:off x="30889268" y="14457419"/>
             <a:ext cx="6762692" cy="4327809"/>
           </a:xfrm>
         </p:spPr>
       </p:pic>
       <p:grpSp>
         <p:nvGrpSpPr>
-          <p:cNvPr id="55" name="Group 54"/>
+          <p:cNvPr id="25" name="Group 24"/>
           <p:cNvGrpSpPr/>
           <p:nvPr/>
         </p:nvGrpSpPr>
         <p:grpSpPr>
           <a:xfrm>
-            <a:off x="15884259" y="8565617"/>
-            <a:ext cx="12122681" cy="6395917"/>
-            <a:chOff x="16223719" y="13619315"/>
-            <a:chExt cx="12122681" cy="6395917"/>
+            <a:off x="15999267" y="18139838"/>
+            <a:ext cx="14344879" cy="5288659"/>
+            <a:chOff x="15687058" y="19112441"/>
+            <a:chExt cx="14344879" cy="5288659"/>
           </a:xfrm>
         </p:grpSpPr>
-        <p:grpSp>
-          <p:nvGrpSpPr>
-            <p:cNvPr id="28" name="Group 27"/>
-            <p:cNvGrpSpPr/>
+        <p:pic>
+          <p:nvPicPr>
+            <p:cNvPr id="29" name="Picture 28"/>
+            <p:cNvPicPr>
+              <a:picLocks noChangeAspect="1"/>
+            </p:cNvPicPr>
             <p:nvPr/>
-          </p:nvGrpSpPr>
-          <p:grpSpPr>
+          </p:nvPicPr>
+          <p:blipFill rotWithShape="1">
+            <a:blip r:embed="rId5" cstate="print">
+              <a:extLst>
+                <a:ext uri="{28A0092B-C50C-407E-A947-70E740481C1C}">
+                  <a14:useLocalDpi xmlns:a14="http://schemas.microsoft.com/office/drawing/2010/main" val="0"/>
+                </a:ext>
+              </a:extLst>
+            </a:blip>
+            <a:srcRect t="7426" r="20174"/>
+            <a:stretch/>
+          </p:blipFill>
+          <p:spPr>
             <a:xfrm>
-              <a:off x="16304691" y="13619315"/>
-              <a:ext cx="12041709" cy="3160643"/>
-              <a:chOff x="16304691" y="13619315"/>
-              <a:chExt cx="12041709" cy="3160643"/>
+              <a:off x="15687058" y="19131063"/>
+              <a:ext cx="6059124" cy="5270037"/>
             </a:xfrm>
-          </p:grpSpPr>
-          <p:pic>
-            <p:nvPicPr>
-              <p:cNvPr id="29" name="Picture 28"/>
-              <p:cNvPicPr>
-                <a:picLocks noChangeAspect="1"/>
-              </p:cNvPicPr>
-              <p:nvPr/>
-            </p:nvPicPr>
-            <p:blipFill>
-              <a:blip r:embed="rId6" cstate="print">
-                <a:extLst>
-                  <a:ext uri="{28A0092B-C50C-407E-A947-70E740481C1C}">
-                    <a14:useLocalDpi xmlns:a14="http://schemas.microsoft.com/office/drawing/2010/main" val="0"/>
-                  </a:ext>
-                </a:extLst>
-              </a:blip>
-              <a:stretch>
-                <a:fillRect/>
-              </a:stretch>
-            </p:blipFill>
-            <p:spPr>
-              <a:xfrm>
-                <a:off x="20377146" y="13619315"/>
-                <a:ext cx="4214191" cy="3160643"/>
-              </a:xfrm>
-              <a:prstGeom prst="rect">
-                <a:avLst/>
-              </a:prstGeom>
-            </p:spPr>
-          </p:pic>
-          <p:pic>
-            <p:nvPicPr>
-              <p:cNvPr id="31" name="Picture 30"/>
-              <p:cNvPicPr>
-                <a:picLocks noChangeAspect="1"/>
-              </p:cNvPicPr>
-              <p:nvPr/>
-            </p:nvPicPr>
-            <p:blipFill>
-              <a:blip r:embed="rId7" cstate="print">
-                <a:extLst>
-                  <a:ext uri="{28A0092B-C50C-407E-A947-70E740481C1C}">
-                    <a14:useLocalDpi xmlns:a14="http://schemas.microsoft.com/office/drawing/2010/main" val="0"/>
-                  </a:ext>
-                </a:extLst>
-              </a:blip>
-              <a:stretch>
-                <a:fillRect/>
-              </a:stretch>
-            </p:blipFill>
-            <p:spPr>
-              <a:xfrm>
-                <a:off x="24589438" y="13790775"/>
-                <a:ext cx="3756962" cy="2817721"/>
-              </a:xfrm>
-              <a:prstGeom prst="rect">
-                <a:avLst/>
-              </a:prstGeom>
-            </p:spPr>
-          </p:pic>
-          <p:pic>
-            <p:nvPicPr>
-              <p:cNvPr id="33" name="Picture 32"/>
-              <p:cNvPicPr>
-                <a:picLocks noChangeAspect="1"/>
-              </p:cNvPicPr>
-              <p:nvPr/>
-            </p:nvPicPr>
-            <p:blipFill>
-              <a:blip r:embed="rId8">
-                <a:extLst>
-                  <a:ext uri="{28A0092B-C50C-407E-A947-70E740481C1C}">
-                    <a14:useLocalDpi xmlns:a14="http://schemas.microsoft.com/office/drawing/2010/main" val="0"/>
-                  </a:ext>
-                </a:extLst>
-              </a:blip>
-              <a:stretch>
-                <a:fillRect/>
-              </a:stretch>
-            </p:blipFill>
-            <p:spPr>
-              <a:xfrm>
-                <a:off x="16304691" y="13620739"/>
-                <a:ext cx="4212292" cy="3159219"/>
-              </a:xfrm>
-              <a:prstGeom prst="rect">
-                <a:avLst/>
-              </a:prstGeom>
-            </p:spPr>
-          </p:pic>
-        </p:grpSp>
-        <p:grpSp>
-          <p:nvGrpSpPr>
-            <p:cNvPr id="27" name="Group 26"/>
-            <p:cNvGrpSpPr/>
+            <a:prstGeom prst="rect">
+              <a:avLst/>
+            </a:prstGeom>
+          </p:spPr>
+        </p:pic>
+        <p:pic>
+          <p:nvPicPr>
+            <p:cNvPr id="44" name="Picture 43"/>
+            <p:cNvPicPr>
+              <a:picLocks noChangeAspect="1"/>
+            </p:cNvPicPr>
             <p:nvPr/>
-          </p:nvGrpSpPr>
-          <p:grpSpPr>
+          </p:nvPicPr>
+          <p:blipFill rotWithShape="1">
+            <a:blip r:embed="rId6" cstate="print">
+              <a:extLst>
+                <a:ext uri="{28A0092B-C50C-407E-A947-70E740481C1C}">
+                  <a14:useLocalDpi xmlns:a14="http://schemas.microsoft.com/office/drawing/2010/main" val="0"/>
+                </a:ext>
+              </a:extLst>
+            </a:blip>
+            <a:srcRect l="10253" t="6511"/>
+            <a:stretch/>
+          </p:blipFill>
+          <p:spPr>
             <a:xfrm>
-              <a:off x="16223719" y="16801886"/>
-              <a:ext cx="12122681" cy="3213346"/>
-              <a:chOff x="16175726" y="17651577"/>
-              <a:chExt cx="12122681" cy="3213346"/>
+              <a:off x="23299301" y="19112441"/>
+              <a:ext cx="6732636" cy="5260043"/>
             </a:xfrm>
-          </p:grpSpPr>
-          <p:pic>
-            <p:nvPicPr>
-              <p:cNvPr id="44" name="Picture 43"/>
-              <p:cNvPicPr>
-                <a:picLocks noChangeAspect="1"/>
-              </p:cNvPicPr>
-              <p:nvPr/>
-            </p:nvPicPr>
-            <p:blipFill>
-              <a:blip r:embed="rId9" cstate="print">
-                <a:extLst>
-                  <a:ext uri="{28A0092B-C50C-407E-A947-70E740481C1C}">
-                    <a14:useLocalDpi xmlns:a14="http://schemas.microsoft.com/office/drawing/2010/main" val="0"/>
-                  </a:ext>
-                </a:extLst>
-              </a:blip>
-              <a:stretch>
-                <a:fillRect/>
-              </a:stretch>
-            </p:blipFill>
-            <p:spPr>
-              <a:xfrm>
-                <a:off x="20455946" y="17834463"/>
-                <a:ext cx="4040612" cy="3030458"/>
-              </a:xfrm>
-              <a:prstGeom prst="rect">
-                <a:avLst/>
-              </a:prstGeom>
-            </p:spPr>
-          </p:pic>
-          <p:pic>
-            <p:nvPicPr>
-              <p:cNvPr id="45" name="Picture 44"/>
-              <p:cNvPicPr>
-                <a:picLocks noChangeAspect="1"/>
-              </p:cNvPicPr>
-              <p:nvPr/>
-            </p:nvPicPr>
-            <p:blipFill>
-              <a:blip r:embed="rId10" cstate="print">
-                <a:extLst>
-                  <a:ext uri="{28A0092B-C50C-407E-A947-70E740481C1C}">
-                    <a14:useLocalDpi xmlns:a14="http://schemas.microsoft.com/office/drawing/2010/main" val="0"/>
-                  </a:ext>
-                </a:extLst>
-              </a:blip>
-              <a:stretch>
-                <a:fillRect/>
-              </a:stretch>
-            </p:blipFill>
-            <p:spPr>
-              <a:xfrm>
-                <a:off x="24579046" y="17834461"/>
-                <a:ext cx="3719361" cy="2789520"/>
-              </a:xfrm>
-              <a:prstGeom prst="rect">
-                <a:avLst/>
-              </a:prstGeom>
-            </p:spPr>
-          </p:pic>
-          <p:pic>
-            <p:nvPicPr>
-              <p:cNvPr id="46" name="Picture 45"/>
-              <p:cNvPicPr>
-                <a:picLocks noChangeAspect="1"/>
-              </p:cNvPicPr>
-              <p:nvPr/>
-            </p:nvPicPr>
-            <p:blipFill>
-              <a:blip r:embed="rId11" cstate="print">
-                <a:extLst>
-                  <a:ext uri="{28A0092B-C50C-407E-A947-70E740481C1C}">
-                    <a14:useLocalDpi xmlns:a14="http://schemas.microsoft.com/office/drawing/2010/main" val="0"/>
-                  </a:ext>
-                </a:extLst>
-              </a:blip>
-              <a:stretch>
-                <a:fillRect/>
-              </a:stretch>
-            </p:blipFill>
-            <p:spPr>
-              <a:xfrm>
-                <a:off x="16175726" y="17651577"/>
-                <a:ext cx="4284461" cy="3213346"/>
-              </a:xfrm>
-              <a:prstGeom prst="rect">
-                <a:avLst/>
-              </a:prstGeom>
-            </p:spPr>
-          </p:pic>
-        </p:grpSp>
+            <a:prstGeom prst="rect">
+              <a:avLst/>
+            </a:prstGeom>
+          </p:spPr>
+        </p:pic>
       </p:grpSp>
       <p:sp>
         <p:nvSpPr>
@@ -4957,8 +4736,8 @@
         </p:nvSpPr>
         <p:spPr>
           <a:xfrm>
-            <a:off x="16895969" y="15254352"/>
-            <a:ext cx="2939960" cy="693118"/>
+            <a:off x="18925190" y="9824079"/>
+            <a:ext cx="6836229" cy="877346"/>
           </a:xfrm>
         </p:spPr>
         <p:txBody>
@@ -4967,12 +4746,12 @@
           </a:bodyPr>
           <a:lstStyle/>
           <a:p>
-            <a:pPr marL="0" indent="0">
+            <a:pPr marL="0" indent="0" algn="ctr">
               <a:buNone/>
             </a:pPr>
             <a:r>
-              <a:rPr lang="en-US" sz="1800" dirty="0"/>
-              <a:t>FFT – occipital channels</a:t>
+              <a:rPr lang="en-US" sz="3600" dirty="0"/>
+              <a:t>FFT – occipital channels </a:t>
             </a:r>
           </a:p>
         </p:txBody>
@@ -4989,22 +4768,30 @@
         </p:nvSpPr>
         <p:spPr>
           <a:xfrm>
-            <a:off x="20983223" y="15162972"/>
-            <a:ext cx="2939960" cy="693118"/>
+            <a:off x="18253675" y="16760538"/>
+            <a:ext cx="8663292" cy="1539646"/>
           </a:xfrm>
         </p:spPr>
         <p:txBody>
           <a:bodyPr>
-            <a:normAutofit fontScale="92500" lnSpcReduction="20000"/>
+            <a:normAutofit/>
           </a:bodyPr>
           <a:lstStyle/>
           <a:p>
-            <a:pPr marL="0" indent="0">
+            <a:pPr marL="0" indent="0" algn="ctr">
               <a:buNone/>
             </a:pPr>
             <a:r>
-              <a:rPr lang="en-US" sz="1800" dirty="0"/>
-              <a:t>Alpha power averaged across occipital channels</a:t>
+              <a:rPr lang="en-US" sz="3200" dirty="0"/>
+              <a:t>Alpha power </a:t>
+            </a:r>
+            <a:r>
+              <a:rPr lang="en-US" sz="3600" dirty="0"/>
+              <a:t>averaged</a:t>
+            </a:r>
+            <a:r>
+              <a:rPr lang="en-US" sz="3200" dirty="0"/>
+              <a:t> across occipital channels</a:t>
             </a:r>
           </a:p>
         </p:txBody>
@@ -5021,8 +4808,8 @@
         </p:nvSpPr>
         <p:spPr>
           <a:xfrm>
-            <a:off x="24997939" y="15127795"/>
-            <a:ext cx="2939960" cy="693118"/>
+            <a:off x="15083739" y="23952530"/>
+            <a:ext cx="15437626" cy="951725"/>
           </a:xfrm>
         </p:spPr>
         <p:txBody>
@@ -5031,12 +4818,12 @@
           </a:bodyPr>
           <a:lstStyle/>
           <a:p>
-            <a:pPr marL="0" indent="0">
+            <a:pPr marL="0" indent="0" algn="ctr">
               <a:buNone/>
             </a:pPr>
             <a:r>
-              <a:rPr lang="en-US" sz="1800" dirty="0"/>
-              <a:t>Topo-power in alpha band</a:t>
+              <a:rPr lang="en-US" sz="3600" dirty="0"/>
+              <a:t>Topographical representation of alpha band power</a:t>
             </a:r>
           </a:p>
         </p:txBody>
@@ -5053,13 +4840,13 @@
         </p:nvSpPr>
         <p:spPr>
           <a:xfrm>
-            <a:off x="16524449" y="16114802"/>
-            <a:ext cx="11413450" cy="1415566"/>
+            <a:off x="16878596" y="29642220"/>
+            <a:ext cx="11413450" cy="2971380"/>
           </a:xfrm>
         </p:spPr>
         <p:txBody>
           <a:bodyPr>
-            <a:normAutofit fontScale="92500"/>
+            <a:normAutofit/>
           </a:bodyPr>
           <a:lstStyle/>
           <a:p>
@@ -5067,7 +4854,7 @@
               <a:buNone/>
             </a:pPr>
             <a:r>
-              <a:rPr lang="en-US" sz="2400" dirty="0"/>
+              <a:rPr lang="en-US" dirty="0"/>
               <a:t>Figure 2. Individual subject differences in time frequency data during the eyes open condition.  Notice in the top row (subject 1) the increased activation in the alpha band (7.5-12.5Hz), while the bottom row (subject 2) shows no activation across different frequency bands.</a:t>
             </a:r>
           </a:p>
@@ -5085,7 +4872,7 @@
         </p:nvSpPr>
         <p:spPr>
           <a:xfrm>
-            <a:off x="15544799" y="17962182"/>
+            <a:off x="30742327" y="7409464"/>
             <a:ext cx="12393099" cy="1307968"/>
           </a:xfrm>
         </p:spPr>
@@ -5114,7 +4901,7 @@
           <p:nvPr/>
         </p:nvPicPr>
         <p:blipFill>
-          <a:blip r:embed="rId12">
+          <a:blip r:embed="rId7">
             <a:extLst>
               <a:ext uri="{28A0092B-C50C-407E-A947-70E740481C1C}">
                 <a14:useLocalDpi xmlns:a14="http://schemas.microsoft.com/office/drawing/2010/main" val="0"/>
@@ -5127,7 +4914,7 @@
         </p:blipFill>
         <p:spPr>
           <a:xfrm>
-            <a:off x="22389238" y="20002316"/>
+            <a:off x="37042252" y="8959968"/>
             <a:ext cx="6474732" cy="4143528"/>
           </a:xfrm>
           <a:prstGeom prst="rect">
@@ -5147,7 +4934,7 @@
         </p:nvSpPr>
         <p:spPr>
           <a:xfrm>
-            <a:off x="15965231" y="31475811"/>
+            <a:off x="30443385" y="18785228"/>
             <a:ext cx="12747714" cy="1167080"/>
           </a:xfrm>
         </p:spPr>
@@ -5179,7 +4966,7 @@
         </p:nvSpPr>
         <p:spPr>
           <a:xfrm>
-            <a:off x="16117631" y="24563187"/>
+            <a:off x="30465884" y="13280096"/>
             <a:ext cx="12747714" cy="1167080"/>
           </a:xfrm>
         </p:spPr>
@@ -5201,16 +4988,16 @@
       </p:sp>
       <p:grpSp>
         <p:nvGrpSpPr>
-          <p:cNvPr id="75" name="Group 74"/>
+          <p:cNvPr id="3" name="Group 2"/>
           <p:cNvGrpSpPr/>
           <p:nvPr/>
         </p:nvGrpSpPr>
         <p:grpSpPr>
           <a:xfrm>
-            <a:off x="11004108" y="29588763"/>
-            <a:ext cx="3717131" cy="2643333"/>
-            <a:chOff x="1262939" y="28487779"/>
-            <a:chExt cx="5826608" cy="4143427"/>
+            <a:off x="6946720" y="27264454"/>
+            <a:ext cx="2214018" cy="2013645"/>
+            <a:chOff x="6534133" y="26786855"/>
+            <a:chExt cx="2563859" cy="2331825"/>
           </a:xfrm>
         </p:grpSpPr>
         <p:grpSp>
@@ -5221,10 +5008,10 @@
           </p:nvGrpSpPr>
           <p:grpSpPr>
             <a:xfrm>
-              <a:off x="1262939" y="31295905"/>
-              <a:ext cx="5166304" cy="1335301"/>
-              <a:chOff x="1153553" y="271848"/>
-              <a:chExt cx="5166304" cy="1335301"/>
+              <a:off x="6534133" y="27638209"/>
+              <a:ext cx="2407579" cy="664662"/>
+              <a:chOff x="1153553" y="321274"/>
+              <a:chExt cx="5166304" cy="1285875"/>
             </a:xfrm>
           </p:grpSpPr>
           <p:pic>
@@ -5236,7 +5023,7 @@
               <p:nvPr/>
             </p:nvPicPr>
             <p:blipFill>
-              <a:blip r:embed="rId13"/>
+              <a:blip r:embed="rId8"/>
               <a:stretch>
                 <a:fillRect/>
               </a:stretch>
@@ -5260,15 +5047,15 @@
               <p:nvPr/>
             </p:nvPicPr>
             <p:blipFill>
-              <a:blip r:embed="rId14"/>
+              <a:blip r:embed="rId9"/>
               <a:stretch>
                 <a:fillRect/>
               </a:stretch>
             </p:blipFill>
             <p:spPr>
               <a:xfrm>
-                <a:off x="1153553" y="271848"/>
-                <a:ext cx="1700857" cy="1285875"/>
+                <a:off x="1153553" y="321274"/>
+                <a:ext cx="1635479" cy="1236449"/>
               </a:xfrm>
               <a:prstGeom prst="rect">
                 <a:avLst/>
@@ -5284,8 +5071,8 @@
           </p:nvGrpSpPr>
           <p:grpSpPr>
             <a:xfrm>
-              <a:off x="1274661" y="28487779"/>
-              <a:ext cx="5814886" cy="1483967"/>
+              <a:off x="6534133" y="26786855"/>
+              <a:ext cx="2379086" cy="676951"/>
               <a:chOff x="820692" y="2041888"/>
               <a:chExt cx="5814886" cy="1483967"/>
             </a:xfrm>
@@ -5299,7 +5086,7 @@
               <p:nvPr/>
             </p:nvPicPr>
             <p:blipFill>
-              <a:blip r:embed="rId15"/>
+              <a:blip r:embed="rId10"/>
               <a:stretch>
                 <a:fillRect/>
               </a:stretch>
@@ -5323,7 +5110,7 @@
               <p:nvPr/>
             </p:nvPicPr>
             <p:blipFill>
-              <a:blip r:embed="rId16"/>
+              <a:blip r:embed="rId11"/>
               <a:stretch>
                 <a:fillRect/>
               </a:stretch>
@@ -5347,8 +5134,8 @@
           </p:nvGrpSpPr>
           <p:grpSpPr>
             <a:xfrm>
-              <a:off x="1274661" y="29952696"/>
-              <a:ext cx="5814885" cy="1247775"/>
+              <a:off x="6537030" y="28505960"/>
+              <a:ext cx="2560962" cy="612720"/>
               <a:chOff x="610627" y="4281292"/>
               <a:chExt cx="5814885" cy="1247775"/>
             </a:xfrm>
@@ -5362,7 +5149,7 @@
               <p:nvPr/>
             </p:nvPicPr>
             <p:blipFill>
-              <a:blip r:embed="rId17"/>
+              <a:blip r:embed="rId12"/>
               <a:stretch>
                 <a:fillRect/>
               </a:stretch>
@@ -5386,7 +5173,7 @@
               <p:nvPr/>
             </p:nvPicPr>
             <p:blipFill>
-              <a:blip r:embed="rId18"/>
+              <a:blip r:embed="rId13"/>
               <a:stretch>
                 <a:fillRect/>
               </a:stretch>
@@ -5415,8 +5202,8 @@
         </p:nvSpPr>
         <p:spPr>
           <a:xfrm>
-            <a:off x="211352" y="32059351"/>
-            <a:ext cx="12747714" cy="1167080"/>
+            <a:off x="2573333" y="30940524"/>
+            <a:ext cx="11017118" cy="1167080"/>
           </a:xfrm>
         </p:spPr>
         <p:txBody>
@@ -5429,7 +5216,7 @@
               <a:buNone/>
             </a:pPr>
             <a:r>
-              <a:rPr lang="en-US" sz="2200" dirty="0"/>
+              <a:rPr lang="en-US" sz="2400" dirty="0"/>
               <a:t>Figure 1.  Raw EEG data before and after removal of biological artifacts using ICA.</a:t>
             </a:r>
           </a:p>
@@ -5444,7 +5231,7 @@
           <p:nvPr/>
         </p:nvPicPr>
         <p:blipFill rotWithShape="1">
-          <a:blip r:embed="rId19">
+          <a:blip r:embed="rId14">
             <a:extLst>
               <a:ext uri="{28A0092B-C50C-407E-A947-70E740481C1C}">
                 <a14:useLocalDpi xmlns:a14="http://schemas.microsoft.com/office/drawing/2010/main" val="0"/>
@@ -5456,8 +5243,8 @@
         </p:blipFill>
         <p:spPr>
           <a:xfrm>
-            <a:off x="10103119" y="17561328"/>
-            <a:ext cx="3590266" cy="3496703"/>
+            <a:off x="9912785" y="16635248"/>
+            <a:ext cx="5170954" cy="5036198"/>
           </a:xfrm>
           <a:prstGeom prst="rect">
             <a:avLst/>
@@ -5491,24 +5278,165 @@
           </a:p>
         </p:txBody>
       </p:sp>
+      <p:grpSp>
+        <p:nvGrpSpPr>
+          <p:cNvPr id="26" name="Group 25"/>
+          <p:cNvGrpSpPr/>
+          <p:nvPr/>
+        </p:nvGrpSpPr>
+        <p:grpSpPr>
+          <a:xfrm>
+            <a:off x="15371614" y="11136950"/>
+            <a:ext cx="14466702" cy="5248123"/>
+            <a:chOff x="15269028" y="12697030"/>
+            <a:chExt cx="14466702" cy="5248123"/>
+          </a:xfrm>
+        </p:grpSpPr>
+        <p:pic>
+          <p:nvPicPr>
+            <p:cNvPr id="2" name="Picture 1"/>
+            <p:cNvPicPr>
+              <a:picLocks noChangeAspect="1"/>
+            </p:cNvPicPr>
+            <p:nvPr/>
+          </p:nvPicPr>
+          <p:blipFill rotWithShape="1">
+            <a:blip r:embed="rId15">
+              <a:extLst>
+                <a:ext uri="{28A0092B-C50C-407E-A947-70E740481C1C}">
+                  <a14:useLocalDpi xmlns:a14="http://schemas.microsoft.com/office/drawing/2010/main" val="0"/>
+                </a:ext>
+              </a:extLst>
+            </a:blip>
+            <a:srcRect l="1088" t="6557"/>
+            <a:stretch/>
+          </p:blipFill>
+          <p:spPr>
+            <a:xfrm>
+              <a:off x="15269028" y="12697030"/>
+              <a:ext cx="7415247" cy="5241444"/>
+            </a:xfrm>
+            <a:prstGeom prst="rect">
+              <a:avLst/>
+            </a:prstGeom>
+          </p:spPr>
+        </p:pic>
+        <p:pic>
+          <p:nvPicPr>
+            <p:cNvPr id="5" name="Picture 4"/>
+            <p:cNvPicPr>
+              <a:picLocks noChangeAspect="1"/>
+            </p:cNvPicPr>
+            <p:nvPr/>
+          </p:nvPicPr>
+          <p:blipFill rotWithShape="1">
+            <a:blip r:embed="rId16">
+              <a:extLst>
+                <a:ext uri="{28A0092B-C50C-407E-A947-70E740481C1C}">
+                  <a14:useLocalDpi xmlns:a14="http://schemas.microsoft.com/office/drawing/2010/main" val="0"/>
+                </a:ext>
+              </a:extLst>
+            </a:blip>
+            <a:srcRect l="12494" t="7049"/>
+            <a:stretch/>
+          </p:blipFill>
+          <p:spPr>
+            <a:xfrm>
+              <a:off x="23225846" y="12758895"/>
+              <a:ext cx="6509884" cy="5186258"/>
+            </a:xfrm>
+            <a:prstGeom prst="rect">
+              <a:avLst/>
+            </a:prstGeom>
+          </p:spPr>
+        </p:pic>
+      </p:grpSp>
+      <p:grpSp>
+        <p:nvGrpSpPr>
+          <p:cNvPr id="32" name="Group 31"/>
+          <p:cNvGrpSpPr/>
+          <p:nvPr/>
+        </p:nvGrpSpPr>
+        <p:grpSpPr>
+          <a:xfrm>
+            <a:off x="17051190" y="25087992"/>
+            <a:ext cx="11068262" cy="4352925"/>
+            <a:chOff x="16944031" y="25811674"/>
+            <a:chExt cx="11068262" cy="4352925"/>
+          </a:xfrm>
+        </p:grpSpPr>
+        <p:pic>
+          <p:nvPicPr>
+            <p:cNvPr id="19" name="Picture 18"/>
+            <p:cNvPicPr>
+              <a:picLocks noChangeAspect="1"/>
+            </p:cNvPicPr>
+            <p:nvPr/>
+          </p:nvPicPr>
+          <p:blipFill rotWithShape="1">
+            <a:blip r:embed="rId17"/>
+            <a:srcRect r="11385"/>
+            <a:stretch/>
+          </p:blipFill>
+          <p:spPr>
+            <a:xfrm>
+              <a:off x="23725399" y="26068848"/>
+              <a:ext cx="4286894" cy="4095751"/>
+            </a:xfrm>
+            <a:prstGeom prst="rect">
+              <a:avLst/>
+            </a:prstGeom>
+          </p:spPr>
+        </p:pic>
+        <p:pic>
+          <p:nvPicPr>
+            <p:cNvPr id="24" name="Picture 23"/>
+            <p:cNvPicPr>
+              <a:picLocks noChangeAspect="1"/>
+            </p:cNvPicPr>
+            <p:nvPr/>
+          </p:nvPicPr>
+          <p:blipFill>
+            <a:blip r:embed="rId18"/>
+            <a:stretch>
+              <a:fillRect/>
+            </a:stretch>
+          </p:blipFill>
+          <p:spPr>
+            <a:xfrm>
+              <a:off x="16944031" y="25811674"/>
+              <a:ext cx="4562475" cy="4352925"/>
+            </a:xfrm>
+            <a:prstGeom prst="rect">
+              <a:avLst/>
+            </a:prstGeom>
+          </p:spPr>
+        </p:pic>
+      </p:grpSp>
       <p:pic>
         <p:nvPicPr>
-          <p:cNvPr id="3" name="Picture 2"/>
+          <p:cNvPr id="37" name="Picture 36"/>
           <p:cNvPicPr>
             <a:picLocks noChangeAspect="1"/>
           </p:cNvPicPr>
           <p:nvPr/>
         </p:nvPicPr>
         <p:blipFill>
-          <a:blip r:embed="rId20"/>
+          <a:blip r:embed="rId19" cstate="print">
+            <a:extLst>
+              <a:ext uri="{28A0092B-C50C-407E-A947-70E740481C1C}">
+                <a14:useLocalDpi xmlns:a14="http://schemas.microsoft.com/office/drawing/2010/main" val="0"/>
+              </a:ext>
+            </a:extLst>
+          </a:blip>
           <a:stretch>
             <a:fillRect/>
           </a:stretch>
         </p:blipFill>
         <p:spPr>
           <a:xfrm>
-            <a:off x="35719687" y="9857895"/>
-            <a:ext cx="8446374" cy="4639558"/>
+            <a:off x="10484047" y="26776490"/>
+            <a:ext cx="5822935" cy="3064108"/>
           </a:xfrm>
           <a:prstGeom prst="rect">
             <a:avLst/>
@@ -5517,94 +5445,415 @@
       </p:pic>
       <p:pic>
         <p:nvPicPr>
-          <p:cNvPr id="6" name="Picture 5"/>
+          <p:cNvPr id="41" name="Picture 40"/>
           <p:cNvPicPr>
             <a:picLocks noChangeAspect="1"/>
           </p:cNvPicPr>
           <p:nvPr/>
         </p:nvPicPr>
         <p:blipFill>
-          <a:blip r:embed="rId21"/>
+          <a:blip r:embed="rId20" cstate="print">
+            <a:extLst>
+              <a:ext uri="{28A0092B-C50C-407E-A947-70E740481C1C}">
+                <a14:useLocalDpi xmlns:a14="http://schemas.microsoft.com/office/drawing/2010/main" val="0"/>
+              </a:ext>
+            </a:extLst>
+          </a:blip>
           <a:stretch>
             <a:fillRect/>
           </a:stretch>
         </p:blipFill>
         <p:spPr>
           <a:xfrm>
-            <a:off x="28863970" y="9428580"/>
-            <a:ext cx="6136178" cy="3372736"/>
+            <a:off x="293783" y="26729389"/>
+            <a:ext cx="5415901" cy="2993644"/>
           </a:xfrm>
           <a:prstGeom prst="rect">
             <a:avLst/>
           </a:prstGeom>
         </p:spPr>
       </p:pic>
+      <p:grpSp>
+        <p:nvGrpSpPr>
+          <p:cNvPr id="125" name="Group 124"/>
+          <p:cNvGrpSpPr/>
+          <p:nvPr/>
+        </p:nvGrpSpPr>
+        <p:grpSpPr>
+          <a:xfrm rot="16200000">
+            <a:off x="5758001" y="27862426"/>
+            <a:ext cx="1022326" cy="812328"/>
+            <a:chOff x="3724276" y="28985780"/>
+            <a:chExt cx="2083279" cy="1832358"/>
+          </a:xfrm>
+        </p:grpSpPr>
+        <p:cxnSp>
+          <p:nvCxnSpPr>
+            <p:cNvPr id="93" name="Straight Arrow Connector 92"/>
+            <p:cNvCxnSpPr>
+              <a:cxnSpLocks/>
+            </p:cNvCxnSpPr>
+            <p:nvPr/>
+          </p:nvCxnSpPr>
+          <p:spPr>
+            <a:xfrm flipH="1">
+              <a:off x="3724276" y="30029191"/>
+              <a:ext cx="1045134" cy="741893"/>
+            </a:xfrm>
+            <a:prstGeom prst="straightConnector1">
+              <a:avLst/>
+            </a:prstGeom>
+            <a:ln w="28575">
+              <a:solidFill>
+                <a:schemeClr val="accent4"/>
+              </a:solidFill>
+              <a:prstDash val="sysDot"/>
+              <a:headEnd w="lg" len="med"/>
+              <a:tailEnd type="triangle"/>
+            </a:ln>
+          </p:spPr>
+          <p:style>
+            <a:lnRef idx="1">
+              <a:schemeClr val="accent1"/>
+            </a:lnRef>
+            <a:fillRef idx="0">
+              <a:schemeClr val="accent1"/>
+            </a:fillRef>
+            <a:effectRef idx="0">
+              <a:schemeClr val="accent1"/>
+            </a:effectRef>
+            <a:fontRef idx="minor">
+              <a:schemeClr val="tx1"/>
+            </a:fontRef>
+          </p:style>
+        </p:cxnSp>
+        <p:cxnSp>
+          <p:nvCxnSpPr>
+            <p:cNvPr id="96" name="Straight Connector 95"/>
+            <p:cNvCxnSpPr>
+              <a:cxnSpLocks/>
+            </p:cNvCxnSpPr>
+            <p:nvPr/>
+          </p:nvCxnSpPr>
+          <p:spPr>
+            <a:xfrm>
+              <a:off x="4769410" y="28985780"/>
+              <a:ext cx="1" cy="1030459"/>
+            </a:xfrm>
+            <a:prstGeom prst="line">
+              <a:avLst/>
+            </a:prstGeom>
+            <a:ln w="28575">
+              <a:solidFill>
+                <a:schemeClr val="accent4"/>
+              </a:solidFill>
+              <a:prstDash val="sysDot"/>
+            </a:ln>
+          </p:spPr>
+          <p:style>
+            <a:lnRef idx="1">
+              <a:schemeClr val="accent1"/>
+            </a:lnRef>
+            <a:fillRef idx="0">
+              <a:schemeClr val="accent1"/>
+            </a:fillRef>
+            <a:effectRef idx="0">
+              <a:schemeClr val="accent1"/>
+            </a:effectRef>
+            <a:fontRef idx="minor">
+              <a:schemeClr val="tx1"/>
+            </a:fontRef>
+          </p:style>
+        </p:cxnSp>
+        <p:cxnSp>
+          <p:nvCxnSpPr>
+            <p:cNvPr id="115" name="Straight Arrow Connector 114"/>
+            <p:cNvCxnSpPr>
+              <a:cxnSpLocks/>
+            </p:cNvCxnSpPr>
+            <p:nvPr/>
+          </p:nvCxnSpPr>
+          <p:spPr>
+            <a:xfrm>
+              <a:off x="4759964" y="30029191"/>
+              <a:ext cx="1047591" cy="728941"/>
+            </a:xfrm>
+            <a:prstGeom prst="straightConnector1">
+              <a:avLst/>
+            </a:prstGeom>
+            <a:ln w="28575">
+              <a:solidFill>
+                <a:schemeClr val="accent4"/>
+              </a:solidFill>
+              <a:prstDash val="sysDot"/>
+              <a:headEnd w="lg" len="med"/>
+              <a:tailEnd type="triangle"/>
+            </a:ln>
+          </p:spPr>
+          <p:style>
+            <a:lnRef idx="1">
+              <a:schemeClr val="accent1"/>
+            </a:lnRef>
+            <a:fillRef idx="0">
+              <a:schemeClr val="accent1"/>
+            </a:fillRef>
+            <a:effectRef idx="0">
+              <a:schemeClr val="accent1"/>
+            </a:effectRef>
+            <a:fontRef idx="minor">
+              <a:schemeClr val="tx1"/>
+            </a:fontRef>
+          </p:style>
+        </p:cxnSp>
+        <p:cxnSp>
+          <p:nvCxnSpPr>
+            <p:cNvPr id="120" name="Straight Arrow Connector 119"/>
+            <p:cNvCxnSpPr>
+              <a:cxnSpLocks/>
+            </p:cNvCxnSpPr>
+            <p:nvPr/>
+          </p:nvCxnSpPr>
+          <p:spPr>
+            <a:xfrm>
+              <a:off x="4769410" y="30042596"/>
+              <a:ext cx="0" cy="775542"/>
+            </a:xfrm>
+            <a:prstGeom prst="straightConnector1">
+              <a:avLst/>
+            </a:prstGeom>
+            <a:ln w="28575">
+              <a:solidFill>
+                <a:schemeClr val="accent4"/>
+              </a:solidFill>
+              <a:prstDash val="sysDot"/>
+              <a:headEnd w="lg" len="med"/>
+              <a:tailEnd type="triangle"/>
+            </a:ln>
+          </p:spPr>
+          <p:style>
+            <a:lnRef idx="1">
+              <a:schemeClr val="accent1"/>
+            </a:lnRef>
+            <a:fillRef idx="0">
+              <a:schemeClr val="accent1"/>
+            </a:fillRef>
+            <a:effectRef idx="0">
+              <a:schemeClr val="accent1"/>
+            </a:effectRef>
+            <a:fontRef idx="minor">
+              <a:schemeClr val="tx1"/>
+            </a:fontRef>
+          </p:style>
+        </p:cxnSp>
+      </p:grpSp>
+      <p:grpSp>
+        <p:nvGrpSpPr>
+          <p:cNvPr id="88" name="Group 87"/>
+          <p:cNvGrpSpPr/>
+          <p:nvPr/>
+        </p:nvGrpSpPr>
+        <p:grpSpPr>
+          <a:xfrm>
+            <a:off x="9235094" y="27826283"/>
+            <a:ext cx="977561" cy="956326"/>
+            <a:chOff x="9177338" y="27952955"/>
+            <a:chExt cx="1116574" cy="956326"/>
+          </a:xfrm>
+        </p:grpSpPr>
+        <p:cxnSp>
+          <p:nvCxnSpPr>
+            <p:cNvPr id="43" name="Straight Arrow Connector 42"/>
+            <p:cNvCxnSpPr>
+              <a:cxnSpLocks/>
+            </p:cNvCxnSpPr>
+            <p:nvPr/>
+          </p:nvCxnSpPr>
+          <p:spPr>
+            <a:xfrm>
+              <a:off x="9177338" y="28438411"/>
+              <a:ext cx="1116574" cy="0"/>
+            </a:xfrm>
+            <a:prstGeom prst="straightConnector1">
+              <a:avLst/>
+            </a:prstGeom>
+            <a:ln w="28575">
+              <a:solidFill>
+                <a:schemeClr val="accent4"/>
+              </a:solidFill>
+              <a:prstDash val="sysDot"/>
+              <a:tailEnd type="triangle"/>
+            </a:ln>
+          </p:spPr>
+          <p:style>
+            <a:lnRef idx="1">
+              <a:schemeClr val="accent1"/>
+            </a:lnRef>
+            <a:fillRef idx="0">
+              <a:schemeClr val="accent1"/>
+            </a:fillRef>
+            <a:effectRef idx="0">
+              <a:schemeClr val="accent1"/>
+            </a:effectRef>
+            <a:fontRef idx="minor">
+              <a:schemeClr val="tx1"/>
+            </a:fontRef>
+          </p:style>
+        </p:cxnSp>
+        <p:grpSp>
+          <p:nvGrpSpPr>
+            <p:cNvPr id="87" name="Group 86"/>
+            <p:cNvGrpSpPr/>
+            <p:nvPr/>
+          </p:nvGrpSpPr>
+          <p:grpSpPr>
+            <a:xfrm>
+              <a:off x="9277735" y="27952955"/>
+              <a:ext cx="466035" cy="956326"/>
+              <a:chOff x="9277735" y="27952955"/>
+              <a:chExt cx="466035" cy="956326"/>
+            </a:xfrm>
+          </p:grpSpPr>
+          <p:cxnSp>
+            <p:nvCxnSpPr>
+              <p:cNvPr id="55" name="Straight Connector 54"/>
+              <p:cNvCxnSpPr>
+                <a:cxnSpLocks/>
+              </p:cNvCxnSpPr>
+              <p:nvPr/>
+            </p:nvCxnSpPr>
+            <p:spPr>
+              <a:xfrm>
+                <a:off x="9289615" y="27952955"/>
+                <a:ext cx="444067" cy="466035"/>
+              </a:xfrm>
+              <a:prstGeom prst="line">
+                <a:avLst/>
+              </a:prstGeom>
+              <a:ln w="28575">
+                <a:solidFill>
+                  <a:schemeClr val="accent4"/>
+                </a:solidFill>
+                <a:prstDash val="sysDot"/>
+              </a:ln>
+            </p:spPr>
+            <p:style>
+              <a:lnRef idx="1">
+                <a:schemeClr val="accent1"/>
+              </a:lnRef>
+              <a:fillRef idx="0">
+                <a:schemeClr val="accent1"/>
+              </a:fillRef>
+              <a:effectRef idx="0">
+                <a:schemeClr val="accent1"/>
+              </a:effectRef>
+              <a:fontRef idx="minor">
+                <a:schemeClr val="tx1"/>
+              </a:fontRef>
+            </p:style>
+          </p:cxnSp>
+          <p:cxnSp>
+            <p:nvCxnSpPr>
+              <p:cNvPr id="92" name="Straight Connector 91"/>
+              <p:cNvCxnSpPr>
+                <a:cxnSpLocks/>
+              </p:cNvCxnSpPr>
+              <p:nvPr/>
+            </p:nvCxnSpPr>
+            <p:spPr>
+              <a:xfrm rot="16200000">
+                <a:off x="9288719" y="28454230"/>
+                <a:ext cx="444067" cy="466035"/>
+              </a:xfrm>
+              <a:prstGeom prst="line">
+                <a:avLst/>
+              </a:prstGeom>
+              <a:ln w="28575">
+                <a:solidFill>
+                  <a:schemeClr val="accent4"/>
+                </a:solidFill>
+                <a:prstDash val="sysDot"/>
+              </a:ln>
+            </p:spPr>
+            <p:style>
+              <a:lnRef idx="1">
+                <a:schemeClr val="accent1"/>
+              </a:lnRef>
+              <a:fillRef idx="0">
+                <a:schemeClr val="accent1"/>
+              </a:fillRef>
+              <a:effectRef idx="0">
+                <a:schemeClr val="accent1"/>
+              </a:effectRef>
+              <a:fontRef idx="minor">
+                <a:schemeClr val="tx1"/>
+              </a:fontRef>
+            </p:style>
+          </p:cxnSp>
+        </p:grpSp>
+      </p:grpSp>
+      <p:sp>
+        <p:nvSpPr>
+          <p:cNvPr id="97" name="Content Placeholder 21"/>
+          <p:cNvSpPr>
+            <a:spLocks noGrp="1"/>
+          </p:cNvSpPr>
+          <p:nvPr>
+            <p:ph sz="quarter" idx="35"/>
+          </p:nvPr>
+        </p:nvSpPr>
+        <p:spPr>
+          <a:xfrm>
+            <a:off x="30715384" y="22167808"/>
+            <a:ext cx="12755880" cy="5225233"/>
+          </a:xfrm>
+        </p:spPr>
+        <p:txBody>
+          <a:bodyPr/>
+          <a:lstStyle/>
+          <a:p>
+            <a:r>
+              <a:rPr lang="en-US" dirty="0"/>
+              <a:t>Conclusion </a:t>
+            </a:r>
+          </a:p>
+          <a:p>
+            <a:r>
+              <a:rPr lang="en-US" dirty="0"/>
+              <a:t>Conclusion 2</a:t>
+            </a:r>
+          </a:p>
+          <a:p>
+            <a:r>
+              <a:rPr lang="en-US" dirty="0"/>
+              <a:t>Conclusion 3</a:t>
+            </a:r>
+          </a:p>
+        </p:txBody>
+      </p:sp>
       <p:pic>
         <p:nvPicPr>
-          <p:cNvPr id="9" name="Picture 8"/>
+          <p:cNvPr id="90" name="Picture 89"/>
           <p:cNvPicPr>
             <a:picLocks noChangeAspect="1"/>
           </p:cNvPicPr>
           <p:nvPr/>
         </p:nvPicPr>
         <p:blipFill>
-          <a:blip r:embed="rId22"/>
+          <a:blip r:embed="rId21">
+            <a:extLst>
+              <a:ext uri="{28A0092B-C50C-407E-A947-70E740481C1C}">
+                <a14:useLocalDpi xmlns:a14="http://schemas.microsoft.com/office/drawing/2010/main" val="0"/>
+              </a:ext>
+            </a:extLst>
+          </a:blip>
           <a:stretch>
             <a:fillRect/>
           </a:stretch>
         </p:blipFill>
         <p:spPr>
           <a:xfrm>
-            <a:off x="2517143" y="26515994"/>
-            <a:ext cx="8501542" cy="887632"/>
-          </a:xfrm>
-          <a:prstGeom prst="rect">
-            <a:avLst/>
-          </a:prstGeom>
-        </p:spPr>
-      </p:pic>
-      <p:pic>
-        <p:nvPicPr>
-          <p:cNvPr id="13" name="Picture 12"/>
-          <p:cNvPicPr>
-            <a:picLocks noChangeAspect="1"/>
-          </p:cNvPicPr>
-          <p:nvPr/>
-        </p:nvPicPr>
-        <p:blipFill>
-          <a:blip r:embed="rId23"/>
-          <a:stretch>
-            <a:fillRect/>
-          </a:stretch>
-        </p:blipFill>
-        <p:spPr>
-          <a:xfrm>
-            <a:off x="2451370" y="27988138"/>
-            <a:ext cx="8444242" cy="1108974"/>
-          </a:xfrm>
-          <a:prstGeom prst="rect">
-            <a:avLst/>
-          </a:prstGeom>
-        </p:spPr>
-      </p:pic>
-      <p:pic>
-        <p:nvPicPr>
-          <p:cNvPr id="15" name="Picture 14"/>
-          <p:cNvPicPr>
-            <a:picLocks noChangeAspect="1"/>
-          </p:cNvPicPr>
-          <p:nvPr/>
-        </p:nvPicPr>
-        <p:blipFill>
-          <a:blip r:embed="rId24"/>
-          <a:stretch>
-            <a:fillRect/>
-          </a:stretch>
-        </p:blipFill>
-        <p:spPr>
-          <a:xfrm>
-            <a:off x="3034308" y="31504765"/>
-            <a:ext cx="6171429" cy="380952"/>
+            <a:off x="35339988" y="3483592"/>
+            <a:ext cx="8551212" cy="1547074"/>
           </a:xfrm>
           <a:prstGeom prst="rect">
             <a:avLst/>

--- a/AAS 2017/Alphapower_Poster.pptx
+++ b/AAS 2017/Alphapower_Poster.pptx
@@ -209,7 +209,7 @@
           <a:p>
             <a:fld id="{F1C0B079-A316-4C9B-B165-DF9EA8325D2C}" type="datetimeFigureOut">
               <a:rPr lang="en-US" smtClean="0"/>
-              <a:t>2/9/2017</a:t>
+              <a:t>2/10/2017</a:t>
             </a:fld>
             <a:endParaRPr lang="en-US" dirty="0"/>
           </a:p>
@@ -374,7 +374,7 @@
           <a:p>
             <a:fld id="{38F28AB8-57D1-494F-9851-055AD867E790}" type="datetimeFigureOut">
               <a:rPr lang="en-US" smtClean="0"/>
-              <a:t>2/9/2017</a:t>
+              <a:t>2/10/2017</a:t>
             </a:fld>
             <a:endParaRPr lang="en-US" dirty="0"/>
           </a:p>
@@ -832,7 +832,7 @@
           <a:p>
             <a:fld id="{ECAA57DF-1C19-4726-AB84-014692BAD8F5}" type="datetimeFigureOut">
               <a:rPr lang="en-US" smtClean="0"/>
-              <a:t>2/9/2017</a:t>
+              <a:t>2/10/2017</a:t>
             </a:fld>
             <a:endParaRPr lang="en-US" dirty="0"/>
           </a:p>
@@ -3486,7 +3486,7 @@
             <a:fld id="{ECAA57DF-1C19-4726-AB84-014692BAD8F5}" type="datetimeFigureOut">
               <a:rPr lang="en-US" smtClean="0"/>
               <a:pPr/>
-              <a:t>2/9/2017</a:t>
+              <a:t>2/10/2017</a:t>
             </a:fld>
             <a:endParaRPr lang="en-US" dirty="0"/>
           </a:p>
@@ -4367,7 +4367,7 @@
         </p:nvSpPr>
         <p:spPr>
           <a:xfrm>
-            <a:off x="16132388" y="7598401"/>
+            <a:off x="16622212" y="7598401"/>
             <a:ext cx="12393099" cy="1828483"/>
           </a:xfrm>
         </p:spPr>
@@ -4381,7 +4381,7 @@
               <a:buNone/>
             </a:pPr>
             <a:r>
-              <a:rPr lang="en-US" sz="4400" dirty="0"/>
+              <a:rPr lang="en-US" sz="4400" b="1" dirty="0"/>
               <a:t>Resting state alpha activity in the eyes open condition varied among hearing aid patients</a:t>
             </a:r>
           </a:p>
@@ -4399,7 +4399,7 @@
         </p:nvSpPr>
         <p:spPr>
           <a:xfrm>
-            <a:off x="30715384" y="20608159"/>
+            <a:off x="30715384" y="24512781"/>
             <a:ext cx="12801600" cy="1219200"/>
           </a:xfrm>
           <a:solidFill>
@@ -4429,12 +4429,14 @@
         </p:nvSpPr>
         <p:spPr>
           <a:xfrm>
-            <a:off x="30521365" y="30195232"/>
-            <a:ext cx="12755880" cy="2166577"/>
+            <a:off x="30521365" y="30940524"/>
+            <a:ext cx="7605139" cy="1291727"/>
           </a:xfrm>
         </p:spPr>
         <p:txBody>
-          <a:bodyPr/>
+          <a:bodyPr>
+            <a:normAutofit fontScale="70000" lnSpcReduction="20000"/>
+          </a:bodyPr>
           <a:lstStyle/>
           <a:p>
             <a:r>
@@ -4575,8 +4577,8 @@
         </p:nvSpPr>
         <p:spPr>
           <a:xfrm>
-            <a:off x="30715384" y="28733496"/>
-            <a:ext cx="12801600" cy="1219200"/>
+            <a:off x="30715384" y="30348137"/>
+            <a:ext cx="4435347" cy="422414"/>
           </a:xfrm>
           <a:solidFill>
             <a:schemeClr val="accent5"/>
@@ -4587,143 +4589,12 @@
           <a:lstStyle/>
           <a:p>
             <a:r>
-              <a:rPr lang="en-US" dirty="0"/>
+              <a:rPr lang="en-US" sz="2800" dirty="0"/>
               <a:t>References</a:t>
             </a:r>
           </a:p>
         </p:txBody>
       </p:sp>
-      <p:pic>
-        <p:nvPicPr>
-          <p:cNvPr id="56" name="Content Placeholder 55"/>
-          <p:cNvPicPr>
-            <a:picLocks noGrp="1" noChangeAspect="1"/>
-          </p:cNvPicPr>
-          <p:nvPr>
-            <p:ph sz="quarter" idx="32"/>
-          </p:nvPr>
-        </p:nvPicPr>
-        <p:blipFill>
-          <a:blip r:embed="rId3">
-            <a:extLst>
-              <a:ext uri="{28A0092B-C50C-407E-A947-70E740481C1C}">
-                <a14:useLocalDpi xmlns:a14="http://schemas.microsoft.com/office/drawing/2010/main" val="0"/>
-              </a:ext>
-            </a:extLst>
-          </a:blip>
-          <a:stretch>
-            <a:fillRect/>
-          </a:stretch>
-        </p:blipFill>
-        <p:spPr>
-          <a:xfrm>
-            <a:off x="30484879" y="9056886"/>
-            <a:ext cx="6316935" cy="4042545"/>
-          </a:xfrm>
-        </p:spPr>
-      </p:pic>
-      <p:pic>
-        <p:nvPicPr>
-          <p:cNvPr id="57" name="Content Placeholder 56"/>
-          <p:cNvPicPr>
-            <a:picLocks noGrp="1" noChangeAspect="1"/>
-          </p:cNvPicPr>
-          <p:nvPr>
-            <p:ph sz="quarter" idx="33"/>
-          </p:nvPr>
-        </p:nvPicPr>
-        <p:blipFill>
-          <a:blip r:embed="rId4">
-            <a:extLst>
-              <a:ext uri="{28A0092B-C50C-407E-A947-70E740481C1C}">
-                <a14:useLocalDpi xmlns:a14="http://schemas.microsoft.com/office/drawing/2010/main" val="0"/>
-              </a:ext>
-            </a:extLst>
-          </a:blip>
-          <a:stretch>
-            <a:fillRect/>
-          </a:stretch>
-        </p:blipFill>
-        <p:spPr>
-          <a:xfrm>
-            <a:off x="30889268" y="14457419"/>
-            <a:ext cx="6762692" cy="4327809"/>
-          </a:xfrm>
-        </p:spPr>
-      </p:pic>
-      <p:grpSp>
-        <p:nvGrpSpPr>
-          <p:cNvPr id="25" name="Group 24"/>
-          <p:cNvGrpSpPr/>
-          <p:nvPr/>
-        </p:nvGrpSpPr>
-        <p:grpSpPr>
-          <a:xfrm>
-            <a:off x="15999267" y="18139838"/>
-            <a:ext cx="14344879" cy="5288659"/>
-            <a:chOff x="15687058" y="19112441"/>
-            <a:chExt cx="14344879" cy="5288659"/>
-          </a:xfrm>
-        </p:grpSpPr>
-        <p:pic>
-          <p:nvPicPr>
-            <p:cNvPr id="29" name="Picture 28"/>
-            <p:cNvPicPr>
-              <a:picLocks noChangeAspect="1"/>
-            </p:cNvPicPr>
-            <p:nvPr/>
-          </p:nvPicPr>
-          <p:blipFill rotWithShape="1">
-            <a:blip r:embed="rId5" cstate="print">
-              <a:extLst>
-                <a:ext uri="{28A0092B-C50C-407E-A947-70E740481C1C}">
-                  <a14:useLocalDpi xmlns:a14="http://schemas.microsoft.com/office/drawing/2010/main" val="0"/>
-                </a:ext>
-              </a:extLst>
-            </a:blip>
-            <a:srcRect t="7426" r="20174"/>
-            <a:stretch/>
-          </p:blipFill>
-          <p:spPr>
-            <a:xfrm>
-              <a:off x="15687058" y="19131063"/>
-              <a:ext cx="6059124" cy="5270037"/>
-            </a:xfrm>
-            <a:prstGeom prst="rect">
-              <a:avLst/>
-            </a:prstGeom>
-          </p:spPr>
-        </p:pic>
-        <p:pic>
-          <p:nvPicPr>
-            <p:cNvPr id="44" name="Picture 43"/>
-            <p:cNvPicPr>
-              <a:picLocks noChangeAspect="1"/>
-            </p:cNvPicPr>
-            <p:nvPr/>
-          </p:nvPicPr>
-          <p:blipFill rotWithShape="1">
-            <a:blip r:embed="rId6" cstate="print">
-              <a:extLst>
-                <a:ext uri="{28A0092B-C50C-407E-A947-70E740481C1C}">
-                  <a14:useLocalDpi xmlns:a14="http://schemas.microsoft.com/office/drawing/2010/main" val="0"/>
-                </a:ext>
-              </a:extLst>
-            </a:blip>
-            <a:srcRect l="10253" t="6511"/>
-            <a:stretch/>
-          </p:blipFill>
-          <p:spPr>
-            <a:xfrm>
-              <a:off x="23299301" y="19112441"/>
-              <a:ext cx="6732636" cy="5260043"/>
-            </a:xfrm>
-            <a:prstGeom prst="rect">
-              <a:avLst/>
-            </a:prstGeom>
-          </p:spPr>
-        </p:pic>
-      </p:grpSp>
       <p:sp>
         <p:nvSpPr>
           <p:cNvPr id="48" name="Content Placeholder 16"/>
@@ -4736,7 +4607,7 @@
         </p:nvSpPr>
         <p:spPr>
           <a:xfrm>
-            <a:off x="18925190" y="9824079"/>
+            <a:off x="18906537" y="9326143"/>
             <a:ext cx="6836229" cy="877346"/>
           </a:xfrm>
         </p:spPr>
@@ -4768,8 +4639,8 @@
         </p:nvSpPr>
         <p:spPr>
           <a:xfrm>
-            <a:off x="18253675" y="16760538"/>
-            <a:ext cx="8663292" cy="1539646"/>
+            <a:off x="18253675" y="15406427"/>
+            <a:ext cx="8663292" cy="879798"/>
           </a:xfrm>
         </p:spPr>
         <p:txBody>
@@ -4808,7 +4679,7 @@
         </p:nvSpPr>
         <p:spPr>
           <a:xfrm>
-            <a:off x="15083739" y="23952530"/>
+            <a:off x="14987018" y="24330060"/>
             <a:ext cx="15437626" cy="951725"/>
           </a:xfrm>
         </p:spPr>
@@ -4840,13 +4711,13 @@
         </p:nvSpPr>
         <p:spPr>
           <a:xfrm>
-            <a:off x="16878596" y="29642220"/>
-            <a:ext cx="11413450" cy="2971380"/>
+            <a:off x="17112037" y="31260334"/>
+            <a:ext cx="11413450" cy="1658066"/>
           </a:xfrm>
         </p:spPr>
         <p:txBody>
           <a:bodyPr>
-            <a:normAutofit/>
+            <a:normAutofit lnSpcReduction="10000"/>
           </a:bodyPr>
           <a:lstStyle/>
           <a:p>
@@ -4854,7 +4725,7 @@
               <a:buNone/>
             </a:pPr>
             <a:r>
-              <a:rPr lang="en-US" dirty="0"/>
+              <a:rPr lang="en-US" sz="2400" dirty="0"/>
               <a:t>Figure 2. Individual subject differences in time frequency data during the eyes open condition.  Notice in the top row (subject 1) the increased activation in the alpha band (7.5-12.5Hz), while the bottom row (subject 2) shows no activation across different frequency bands.</a:t>
             </a:r>
           </a:p>
@@ -4872,13 +4743,13 @@
         </p:nvSpPr>
         <p:spPr>
           <a:xfrm>
-            <a:off x="30742327" y="7409464"/>
-            <a:ext cx="12393099" cy="1307968"/>
+            <a:off x="30715384" y="13040487"/>
+            <a:ext cx="12393099" cy="1438827"/>
           </a:xfrm>
         </p:spPr>
         <p:txBody>
           <a:bodyPr>
-            <a:normAutofit fontScale="92500" lnSpcReduction="20000"/>
+            <a:normAutofit fontScale="92500" lnSpcReduction="10000"/>
           </a:bodyPr>
           <a:lstStyle/>
           <a:p>
@@ -4886,42 +4757,12 @@
               <a:buNone/>
             </a:pPr>
             <a:r>
-              <a:rPr lang="en-US" sz="4800" dirty="0"/>
+              <a:rPr lang="en-US" sz="4800" b="1" dirty="0"/>
               <a:t>Decreased SNR thresholds were associated with increased alpha power</a:t>
             </a:r>
           </a:p>
         </p:txBody>
       </p:sp>
-      <p:pic>
-        <p:nvPicPr>
-          <p:cNvPr id="61" name="Picture 60"/>
-          <p:cNvPicPr>
-            <a:picLocks noChangeAspect="1"/>
-          </p:cNvPicPr>
-          <p:nvPr/>
-        </p:nvPicPr>
-        <p:blipFill>
-          <a:blip r:embed="rId7">
-            <a:extLst>
-              <a:ext uri="{28A0092B-C50C-407E-A947-70E740481C1C}">
-                <a14:useLocalDpi xmlns:a14="http://schemas.microsoft.com/office/drawing/2010/main" val="0"/>
-              </a:ext>
-            </a:extLst>
-          </a:blip>
-          <a:stretch>
-            <a:fillRect/>
-          </a:stretch>
-        </p:blipFill>
-        <p:spPr>
-          <a:xfrm>
-            <a:off x="37042252" y="8959968"/>
-            <a:ext cx="6474732" cy="4143528"/>
-          </a:xfrm>
-          <a:prstGeom prst="rect">
-            <a:avLst/>
-          </a:prstGeom>
-        </p:spPr>
-      </p:pic>
       <p:sp>
         <p:nvSpPr>
           <p:cNvPr id="62" name="Content Placeholder 16"/>
@@ -4934,7 +4775,7 @@
         </p:nvSpPr>
         <p:spPr>
           <a:xfrm>
-            <a:off x="30443385" y="18785228"/>
+            <a:off x="30443385" y="23260715"/>
             <a:ext cx="12747714" cy="1167080"/>
           </a:xfrm>
         </p:spPr>
@@ -4949,7 +4790,7 @@
             </a:pPr>
             <a:r>
               <a:rPr lang="en-US" sz="2200" dirty="0"/>
-              <a:t>Figure 4.  Significant correlations between SNR thresholds and pure tone average thresholds were observed</a:t>
+              <a:t>Figure 4.  </a:t>
             </a:r>
           </a:p>
         </p:txBody>
@@ -4966,13 +4807,13 @@
         </p:nvSpPr>
         <p:spPr>
           <a:xfrm>
-            <a:off x="30465884" y="13280096"/>
+            <a:off x="30443385" y="18286475"/>
             <a:ext cx="12747714" cy="1167080"/>
           </a:xfrm>
         </p:spPr>
         <p:txBody>
           <a:bodyPr>
-            <a:normAutofit/>
+            <a:normAutofit lnSpcReduction="10000"/>
           </a:bodyPr>
           <a:lstStyle/>
           <a:p>
@@ -4981,7 +4822,7 @@
             </a:pPr>
             <a:r>
               <a:rPr lang="en-US" sz="2200" dirty="0"/>
-              <a:t>Figure 3.  Significant correlations between SNR thresholds and alpha band power were observed</a:t>
+              <a:t>Figure 3.  Significant correlations between SNR thresholds and alpha power during the eyes open condition.  Alpha power was calculated as area under the curve from the FFT power spectrum in the alpha frequency band.  </a:t>
             </a:r>
           </a:p>
         </p:txBody>
@@ -5023,7 +4864,7 @@
               <p:nvPr/>
             </p:nvPicPr>
             <p:blipFill>
-              <a:blip r:embed="rId8"/>
+              <a:blip r:embed="rId3"/>
               <a:stretch>
                 <a:fillRect/>
               </a:stretch>
@@ -5047,7 +4888,7 @@
               <p:nvPr/>
             </p:nvPicPr>
             <p:blipFill>
-              <a:blip r:embed="rId9"/>
+              <a:blip r:embed="rId4"/>
               <a:stretch>
                 <a:fillRect/>
               </a:stretch>
@@ -5086,7 +4927,7 @@
               <p:nvPr/>
             </p:nvPicPr>
             <p:blipFill>
-              <a:blip r:embed="rId10"/>
+              <a:blip r:embed="rId5"/>
               <a:stretch>
                 <a:fillRect/>
               </a:stretch>
@@ -5110,7 +4951,7 @@
               <p:nvPr/>
             </p:nvPicPr>
             <p:blipFill>
-              <a:blip r:embed="rId11"/>
+              <a:blip r:embed="rId6"/>
               <a:stretch>
                 <a:fillRect/>
               </a:stretch>
@@ -5149,7 +4990,7 @@
               <p:nvPr/>
             </p:nvPicPr>
             <p:blipFill>
-              <a:blip r:embed="rId12"/>
+              <a:blip r:embed="rId7"/>
               <a:stretch>
                 <a:fillRect/>
               </a:stretch>
@@ -5173,7 +5014,7 @@
               <p:nvPr/>
             </p:nvPicPr>
             <p:blipFill>
-              <a:blip r:embed="rId13"/>
+              <a:blip r:embed="rId8"/>
               <a:stretch>
                 <a:fillRect/>
               </a:stretch>
@@ -5231,7 +5072,7 @@
           <p:nvPr/>
         </p:nvPicPr>
         <p:blipFill rotWithShape="1">
-          <a:blip r:embed="rId14">
+          <a:blip r:embed="rId9">
             <a:extLst>
               <a:ext uri="{28A0092B-C50C-407E-A947-70E740481C1C}">
                 <a14:useLocalDpi xmlns:a14="http://schemas.microsoft.com/office/drawing/2010/main" val="0"/>
@@ -5278,141 +5119,6 @@
           </a:p>
         </p:txBody>
       </p:sp>
-      <p:grpSp>
-        <p:nvGrpSpPr>
-          <p:cNvPr id="26" name="Group 25"/>
-          <p:cNvGrpSpPr/>
-          <p:nvPr/>
-        </p:nvGrpSpPr>
-        <p:grpSpPr>
-          <a:xfrm>
-            <a:off x="15371614" y="11136950"/>
-            <a:ext cx="14466702" cy="5248123"/>
-            <a:chOff x="15269028" y="12697030"/>
-            <a:chExt cx="14466702" cy="5248123"/>
-          </a:xfrm>
-        </p:grpSpPr>
-        <p:pic>
-          <p:nvPicPr>
-            <p:cNvPr id="2" name="Picture 1"/>
-            <p:cNvPicPr>
-              <a:picLocks noChangeAspect="1"/>
-            </p:cNvPicPr>
-            <p:nvPr/>
-          </p:nvPicPr>
-          <p:blipFill rotWithShape="1">
-            <a:blip r:embed="rId15">
-              <a:extLst>
-                <a:ext uri="{28A0092B-C50C-407E-A947-70E740481C1C}">
-                  <a14:useLocalDpi xmlns:a14="http://schemas.microsoft.com/office/drawing/2010/main" val="0"/>
-                </a:ext>
-              </a:extLst>
-            </a:blip>
-            <a:srcRect l="1088" t="6557"/>
-            <a:stretch/>
-          </p:blipFill>
-          <p:spPr>
-            <a:xfrm>
-              <a:off x="15269028" y="12697030"/>
-              <a:ext cx="7415247" cy="5241444"/>
-            </a:xfrm>
-            <a:prstGeom prst="rect">
-              <a:avLst/>
-            </a:prstGeom>
-          </p:spPr>
-        </p:pic>
-        <p:pic>
-          <p:nvPicPr>
-            <p:cNvPr id="5" name="Picture 4"/>
-            <p:cNvPicPr>
-              <a:picLocks noChangeAspect="1"/>
-            </p:cNvPicPr>
-            <p:nvPr/>
-          </p:nvPicPr>
-          <p:blipFill rotWithShape="1">
-            <a:blip r:embed="rId16">
-              <a:extLst>
-                <a:ext uri="{28A0092B-C50C-407E-A947-70E740481C1C}">
-                  <a14:useLocalDpi xmlns:a14="http://schemas.microsoft.com/office/drawing/2010/main" val="0"/>
-                </a:ext>
-              </a:extLst>
-            </a:blip>
-            <a:srcRect l="12494" t="7049"/>
-            <a:stretch/>
-          </p:blipFill>
-          <p:spPr>
-            <a:xfrm>
-              <a:off x="23225846" y="12758895"/>
-              <a:ext cx="6509884" cy="5186258"/>
-            </a:xfrm>
-            <a:prstGeom prst="rect">
-              <a:avLst/>
-            </a:prstGeom>
-          </p:spPr>
-        </p:pic>
-      </p:grpSp>
-      <p:grpSp>
-        <p:nvGrpSpPr>
-          <p:cNvPr id="32" name="Group 31"/>
-          <p:cNvGrpSpPr/>
-          <p:nvPr/>
-        </p:nvGrpSpPr>
-        <p:grpSpPr>
-          <a:xfrm>
-            <a:off x="17051190" y="25087992"/>
-            <a:ext cx="11068262" cy="4352925"/>
-            <a:chOff x="16944031" y="25811674"/>
-            <a:chExt cx="11068262" cy="4352925"/>
-          </a:xfrm>
-        </p:grpSpPr>
-        <p:pic>
-          <p:nvPicPr>
-            <p:cNvPr id="19" name="Picture 18"/>
-            <p:cNvPicPr>
-              <a:picLocks noChangeAspect="1"/>
-            </p:cNvPicPr>
-            <p:nvPr/>
-          </p:nvPicPr>
-          <p:blipFill rotWithShape="1">
-            <a:blip r:embed="rId17"/>
-            <a:srcRect r="11385"/>
-            <a:stretch/>
-          </p:blipFill>
-          <p:spPr>
-            <a:xfrm>
-              <a:off x="23725399" y="26068848"/>
-              <a:ext cx="4286894" cy="4095751"/>
-            </a:xfrm>
-            <a:prstGeom prst="rect">
-              <a:avLst/>
-            </a:prstGeom>
-          </p:spPr>
-        </p:pic>
-        <p:pic>
-          <p:nvPicPr>
-            <p:cNvPr id="24" name="Picture 23"/>
-            <p:cNvPicPr>
-              <a:picLocks noChangeAspect="1"/>
-            </p:cNvPicPr>
-            <p:nvPr/>
-          </p:nvPicPr>
-          <p:blipFill>
-            <a:blip r:embed="rId18"/>
-            <a:stretch>
-              <a:fillRect/>
-            </a:stretch>
-          </p:blipFill>
-          <p:spPr>
-            <a:xfrm>
-              <a:off x="16944031" y="25811674"/>
-              <a:ext cx="4562475" cy="4352925"/>
-            </a:xfrm>
-            <a:prstGeom prst="rect">
-              <a:avLst/>
-            </a:prstGeom>
-          </p:spPr>
-        </p:pic>
-      </p:grpSp>
       <p:pic>
         <p:nvPicPr>
           <p:cNvPr id="37" name="Picture 36"/>
@@ -5422,7 +5128,7 @@
           <p:nvPr/>
         </p:nvPicPr>
         <p:blipFill>
-          <a:blip r:embed="rId19" cstate="print">
+          <a:blip r:embed="rId10" cstate="print">
             <a:extLst>
               <a:ext uri="{28A0092B-C50C-407E-A947-70E740481C1C}">
                 <a14:useLocalDpi xmlns:a14="http://schemas.microsoft.com/office/drawing/2010/main" val="0"/>
@@ -5452,7 +5158,7 @@
           <p:nvPr/>
         </p:nvPicPr>
         <p:blipFill>
-          <a:blip r:embed="rId20" cstate="print">
+          <a:blip r:embed="rId11" cstate="print">
             <a:extLst>
               <a:ext uri="{28A0092B-C50C-407E-A947-70E740481C1C}">
                 <a14:useLocalDpi xmlns:a14="http://schemas.microsoft.com/office/drawing/2010/main" val="0"/>
@@ -5803,8 +5509,8 @@
         </p:nvSpPr>
         <p:spPr>
           <a:xfrm>
-            <a:off x="30715384" y="22167808"/>
-            <a:ext cx="12755880" cy="5225233"/>
+            <a:off x="30715384" y="25840906"/>
+            <a:ext cx="12755880" cy="4317468"/>
           </a:xfrm>
         </p:spPr>
         <p:txBody>
@@ -5813,19 +5519,37 @@
           <a:p>
             <a:r>
               <a:rPr lang="en-US" dirty="0"/>
-              <a:t>Conclusion </a:t>
-            </a:r>
-          </a:p>
-          <a:p>
-            <a:r>
-              <a:rPr lang="en-US" dirty="0"/>
-              <a:t>Conclusion 2</a:t>
-            </a:r>
-          </a:p>
-          <a:p>
-            <a:r>
-              <a:rPr lang="en-US" dirty="0"/>
-              <a:t>Conclusion 3</a:t>
+              <a:t>Alpha power was primarily concentrated to occipital electrodes </a:t>
+            </a:r>
+          </a:p>
+          <a:p>
+            <a:r>
+              <a:rPr lang="en-US" dirty="0"/>
+              <a:t>Subject variability in alpha power was recorded</a:t>
+            </a:r>
+          </a:p>
+          <a:p>
+            <a:r>
+              <a:rPr lang="en-US" dirty="0"/>
+              <a:t>Alpha power was greater in the eyes closed condition compared to eyes open</a:t>
+            </a:r>
+          </a:p>
+          <a:p>
+            <a:r>
+              <a:rPr lang="en-US" dirty="0"/>
+              <a:t>SNR-50 thresholds decreased as a function of alpha power during the eyes open condition, and increased during eyes closed</a:t>
+            </a:r>
+          </a:p>
+          <a:p>
+            <a:r>
+              <a:rPr lang="en-US" dirty="0"/>
+              <a:t>Audibility and age did not significantly contribute to SNR-50 thresholds </a:t>
+            </a:r>
+          </a:p>
+          <a:p>
+            <a:r>
+              <a:rPr lang="en-US" dirty="0"/>
+              <a:t>EEG alpha power may be predictive of SNR-50 threshold outcome measures</a:t>
             </a:r>
           </a:p>
         </p:txBody>
@@ -5839,7 +5563,7 @@
           <p:nvPr/>
         </p:nvPicPr>
         <p:blipFill>
-          <a:blip r:embed="rId21">
+          <a:blip r:embed="rId12">
             <a:extLst>
               <a:ext uri="{28A0092B-C50C-407E-A947-70E740481C1C}">
                 <a14:useLocalDpi xmlns:a14="http://schemas.microsoft.com/office/drawing/2010/main" val="0"/>
@@ -5860,6 +5584,900 @@
           </a:prstGeom>
         </p:spPr>
       </p:pic>
+      <p:grpSp>
+        <p:nvGrpSpPr>
+          <p:cNvPr id="29" name="Group 28"/>
+          <p:cNvGrpSpPr/>
+          <p:nvPr/>
+        </p:nvGrpSpPr>
+        <p:grpSpPr>
+          <a:xfrm>
+            <a:off x="30646528" y="19738484"/>
+            <a:ext cx="11745229" cy="3624181"/>
+            <a:chOff x="30646528" y="15509620"/>
+            <a:chExt cx="12870456" cy="3971388"/>
+          </a:xfrm>
+        </p:grpSpPr>
+        <p:pic>
+          <p:nvPicPr>
+            <p:cNvPr id="13" name="Picture 12"/>
+            <p:cNvPicPr>
+              <a:picLocks noChangeAspect="1"/>
+            </p:cNvPicPr>
+            <p:nvPr/>
+          </p:nvPicPr>
+          <p:blipFill rotWithShape="1">
+            <a:blip r:embed="rId13">
+              <a:extLst>
+                <a:ext uri="{28A0092B-C50C-407E-A947-70E740481C1C}">
+                  <a14:useLocalDpi xmlns:a14="http://schemas.microsoft.com/office/drawing/2010/main" val="0"/>
+                </a:ext>
+              </a:extLst>
+            </a:blip>
+            <a:srcRect l="5167"/>
+            <a:stretch/>
+          </p:blipFill>
+          <p:spPr>
+            <a:xfrm>
+              <a:off x="37621180" y="15509620"/>
+              <a:ext cx="5895804" cy="3971388"/>
+            </a:xfrm>
+            <a:prstGeom prst="rect">
+              <a:avLst/>
+            </a:prstGeom>
+          </p:spPr>
+        </p:pic>
+        <p:pic>
+          <p:nvPicPr>
+            <p:cNvPr id="16" name="Picture 15"/>
+            <p:cNvPicPr>
+              <a:picLocks noChangeAspect="1"/>
+            </p:cNvPicPr>
+            <p:nvPr/>
+          </p:nvPicPr>
+          <p:blipFill>
+            <a:blip r:embed="rId14">
+              <a:extLst>
+                <a:ext uri="{28A0092B-C50C-407E-A947-70E740481C1C}">
+                  <a14:useLocalDpi xmlns:a14="http://schemas.microsoft.com/office/drawing/2010/main" val="0"/>
+                </a:ext>
+              </a:extLst>
+            </a:blip>
+            <a:stretch>
+              <a:fillRect/>
+            </a:stretch>
+          </p:blipFill>
+          <p:spPr>
+            <a:xfrm>
+              <a:off x="30646528" y="15666502"/>
+              <a:ext cx="5779627" cy="3691980"/>
+            </a:xfrm>
+            <a:prstGeom prst="rect">
+              <a:avLst/>
+            </a:prstGeom>
+          </p:spPr>
+        </p:pic>
+      </p:grpSp>
+      <p:pic>
+        <p:nvPicPr>
+          <p:cNvPr id="59" name="Picture 58"/>
+          <p:cNvPicPr>
+            <a:picLocks noChangeAspect="1"/>
+          </p:cNvPicPr>
+          <p:nvPr/>
+        </p:nvPicPr>
+        <p:blipFill>
+          <a:blip r:embed="rId15"/>
+          <a:stretch>
+            <a:fillRect/>
+          </a:stretch>
+        </p:blipFill>
+        <p:spPr>
+          <a:xfrm>
+            <a:off x="28183788" y="18067369"/>
+            <a:ext cx="742857" cy="4342857"/>
+          </a:xfrm>
+          <a:prstGeom prst="rect">
+            <a:avLst/>
+          </a:prstGeom>
+        </p:spPr>
+      </p:pic>
+      <p:grpSp>
+        <p:nvGrpSpPr>
+          <p:cNvPr id="94" name="Group 93"/>
+          <p:cNvGrpSpPr/>
+          <p:nvPr/>
+        </p:nvGrpSpPr>
+        <p:grpSpPr>
+          <a:xfrm>
+            <a:off x="17599955" y="16286225"/>
+            <a:ext cx="10551281" cy="8015462"/>
+            <a:chOff x="17599955" y="16600186"/>
+            <a:chExt cx="10551281" cy="8015462"/>
+          </a:xfrm>
+        </p:grpSpPr>
+        <p:pic>
+          <p:nvPicPr>
+            <p:cNvPr id="83" name="Picture 82"/>
+            <p:cNvPicPr preferRelativeResize="0">
+              <a:picLocks/>
+            </p:cNvPicPr>
+            <p:nvPr/>
+          </p:nvPicPr>
+          <p:blipFill>
+            <a:blip r:embed="rId16">
+              <a:extLst>
+                <a:ext uri="{28A0092B-C50C-407E-A947-70E740481C1C}">
+                  <a14:useLocalDpi xmlns:a14="http://schemas.microsoft.com/office/drawing/2010/main" val="0"/>
+                </a:ext>
+              </a:extLst>
+            </a:blip>
+            <a:stretch>
+              <a:fillRect/>
+            </a:stretch>
+          </p:blipFill>
+          <p:spPr>
+            <a:xfrm>
+              <a:off x="17599955" y="20610576"/>
+              <a:ext cx="4901184" cy="4005072"/>
+            </a:xfrm>
+            <a:prstGeom prst="rect">
+              <a:avLst/>
+            </a:prstGeom>
+          </p:spPr>
+        </p:pic>
+        <p:pic>
+          <p:nvPicPr>
+            <p:cNvPr id="86" name="Picture 85"/>
+            <p:cNvPicPr preferRelativeResize="0">
+              <a:picLocks/>
+            </p:cNvPicPr>
+            <p:nvPr/>
+          </p:nvPicPr>
+          <p:blipFill>
+            <a:blip r:embed="rId17">
+              <a:extLst>
+                <a:ext uri="{28A0092B-C50C-407E-A947-70E740481C1C}">
+                  <a14:useLocalDpi xmlns:a14="http://schemas.microsoft.com/office/drawing/2010/main" val="0"/>
+                </a:ext>
+              </a:extLst>
+            </a:blip>
+            <a:stretch>
+              <a:fillRect/>
+            </a:stretch>
+          </p:blipFill>
+          <p:spPr>
+            <a:xfrm>
+              <a:off x="23041841" y="20610014"/>
+              <a:ext cx="4901184" cy="4000500"/>
+            </a:xfrm>
+            <a:prstGeom prst="rect">
+              <a:avLst/>
+            </a:prstGeom>
+          </p:spPr>
+        </p:pic>
+        <p:pic>
+          <p:nvPicPr>
+            <p:cNvPr id="89" name="Picture 88"/>
+            <p:cNvPicPr preferRelativeResize="0">
+              <a:picLocks/>
+            </p:cNvPicPr>
+            <p:nvPr/>
+          </p:nvPicPr>
+          <p:blipFill>
+            <a:blip r:embed="rId18">
+              <a:extLst>
+                <a:ext uri="{28A0092B-C50C-407E-A947-70E740481C1C}">
+                  <a14:useLocalDpi xmlns:a14="http://schemas.microsoft.com/office/drawing/2010/main" val="0"/>
+                </a:ext>
+              </a:extLst>
+            </a:blip>
+            <a:stretch>
+              <a:fillRect/>
+            </a:stretch>
+          </p:blipFill>
+          <p:spPr>
+            <a:xfrm>
+              <a:off x="23254073" y="16600186"/>
+              <a:ext cx="4897163" cy="4000500"/>
+            </a:xfrm>
+            <a:prstGeom prst="rect">
+              <a:avLst/>
+            </a:prstGeom>
+          </p:spPr>
+        </p:pic>
+        <p:pic>
+          <p:nvPicPr>
+            <p:cNvPr id="91" name="Picture 90"/>
+            <p:cNvPicPr>
+              <a:picLocks noChangeAspect="1"/>
+            </p:cNvPicPr>
+            <p:nvPr/>
+          </p:nvPicPr>
+          <p:blipFill>
+            <a:blip r:embed="rId19">
+              <a:extLst>
+                <a:ext uri="{28A0092B-C50C-407E-A947-70E740481C1C}">
+                  <a14:useLocalDpi xmlns:a14="http://schemas.microsoft.com/office/drawing/2010/main" val="0"/>
+                </a:ext>
+              </a:extLst>
+            </a:blip>
+            <a:stretch>
+              <a:fillRect/>
+            </a:stretch>
+          </p:blipFill>
+          <p:spPr>
+            <a:xfrm>
+              <a:off x="17818373" y="16600186"/>
+              <a:ext cx="4897163" cy="4000500"/>
+            </a:xfrm>
+            <a:prstGeom prst="rect">
+              <a:avLst/>
+            </a:prstGeom>
+          </p:spPr>
+        </p:pic>
+      </p:grpSp>
+      <p:pic>
+        <p:nvPicPr>
+          <p:cNvPr id="105" name="Picture 104"/>
+          <p:cNvPicPr preferRelativeResize="0">
+            <a:picLocks/>
+          </p:cNvPicPr>
+          <p:nvPr/>
+        </p:nvPicPr>
+        <p:blipFill>
+          <a:blip r:embed="rId20"/>
+          <a:stretch>
+            <a:fillRect/>
+          </a:stretch>
+        </p:blipFill>
+        <p:spPr>
+          <a:xfrm>
+            <a:off x="28181810" y="26351614"/>
+            <a:ext cx="740664" cy="4343400"/>
+          </a:xfrm>
+          <a:prstGeom prst="rect">
+            <a:avLst/>
+          </a:prstGeom>
+        </p:spPr>
+      </p:pic>
+      <p:grpSp>
+        <p:nvGrpSpPr>
+          <p:cNvPr id="109" name="Group 108"/>
+          <p:cNvGrpSpPr/>
+          <p:nvPr/>
+        </p:nvGrpSpPr>
+        <p:grpSpPr>
+          <a:xfrm>
+            <a:off x="18767921" y="25429464"/>
+            <a:ext cx="8304825" cy="5978584"/>
+            <a:chOff x="18767921" y="25429464"/>
+            <a:chExt cx="8304825" cy="5978584"/>
+          </a:xfrm>
+        </p:grpSpPr>
+        <p:pic>
+          <p:nvPicPr>
+            <p:cNvPr id="99" name="Picture 98"/>
+            <p:cNvPicPr>
+              <a:picLocks noChangeAspect="1"/>
+            </p:cNvPicPr>
+            <p:nvPr/>
+          </p:nvPicPr>
+          <p:blipFill>
+            <a:blip r:embed="rId21">
+              <a:extLst>
+                <a:ext uri="{28A0092B-C50C-407E-A947-70E740481C1C}">
+                  <a14:useLocalDpi xmlns:a14="http://schemas.microsoft.com/office/drawing/2010/main" val="0"/>
+                </a:ext>
+              </a:extLst>
+            </a:blip>
+            <a:stretch>
+              <a:fillRect/>
+            </a:stretch>
+          </p:blipFill>
+          <p:spPr>
+            <a:xfrm>
+              <a:off x="23807694" y="25429464"/>
+              <a:ext cx="3261770" cy="2961064"/>
+            </a:xfrm>
+            <a:prstGeom prst="rect">
+              <a:avLst/>
+            </a:prstGeom>
+          </p:spPr>
+        </p:pic>
+        <p:pic>
+          <p:nvPicPr>
+            <p:cNvPr id="101" name="Picture 100"/>
+            <p:cNvPicPr>
+              <a:picLocks noChangeAspect="1"/>
+            </p:cNvPicPr>
+            <p:nvPr/>
+          </p:nvPicPr>
+          <p:blipFill>
+            <a:blip r:embed="rId22">
+              <a:extLst>
+                <a:ext uri="{28A0092B-C50C-407E-A947-70E740481C1C}">
+                  <a14:useLocalDpi xmlns:a14="http://schemas.microsoft.com/office/drawing/2010/main" val="0"/>
+                </a:ext>
+              </a:extLst>
+            </a:blip>
+            <a:stretch>
+              <a:fillRect/>
+            </a:stretch>
+          </p:blipFill>
+          <p:spPr>
+            <a:xfrm>
+              <a:off x="18772632" y="28445182"/>
+              <a:ext cx="3261770" cy="2961064"/>
+            </a:xfrm>
+            <a:prstGeom prst="rect">
+              <a:avLst/>
+            </a:prstGeom>
+          </p:spPr>
+        </p:pic>
+        <p:pic>
+          <p:nvPicPr>
+            <p:cNvPr id="103" name="Picture 102"/>
+            <p:cNvPicPr>
+              <a:picLocks noChangeAspect="1"/>
+            </p:cNvPicPr>
+            <p:nvPr/>
+          </p:nvPicPr>
+          <p:blipFill>
+            <a:blip r:embed="rId23">
+              <a:extLst>
+                <a:ext uri="{28A0092B-C50C-407E-A947-70E740481C1C}">
+                  <a14:useLocalDpi xmlns:a14="http://schemas.microsoft.com/office/drawing/2010/main" val="0"/>
+                </a:ext>
+              </a:extLst>
+            </a:blip>
+            <a:stretch>
+              <a:fillRect/>
+            </a:stretch>
+          </p:blipFill>
+          <p:spPr>
+            <a:xfrm>
+              <a:off x="23810976" y="28446984"/>
+              <a:ext cx="3261770" cy="2961064"/>
+            </a:xfrm>
+            <a:prstGeom prst="rect">
+              <a:avLst/>
+            </a:prstGeom>
+          </p:spPr>
+        </p:pic>
+        <p:pic>
+          <p:nvPicPr>
+            <p:cNvPr id="107" name="Picture 106"/>
+            <p:cNvPicPr preferRelativeResize="0">
+              <a:picLocks/>
+            </p:cNvPicPr>
+            <p:nvPr/>
+          </p:nvPicPr>
+          <p:blipFill>
+            <a:blip r:embed="rId24">
+              <a:extLst>
+                <a:ext uri="{28A0092B-C50C-407E-A947-70E740481C1C}">
+                  <a14:useLocalDpi xmlns:a14="http://schemas.microsoft.com/office/drawing/2010/main" val="0"/>
+                </a:ext>
+              </a:extLst>
+            </a:blip>
+            <a:stretch>
+              <a:fillRect/>
+            </a:stretch>
+          </p:blipFill>
+          <p:spPr>
+            <a:xfrm>
+              <a:off x="18767921" y="25431472"/>
+              <a:ext cx="3264408" cy="2964448"/>
+            </a:xfrm>
+            <a:prstGeom prst="rect">
+              <a:avLst/>
+            </a:prstGeom>
+          </p:spPr>
+        </p:pic>
+      </p:grpSp>
+      <p:pic>
+        <p:nvPicPr>
+          <p:cNvPr id="17" name="Picture 16"/>
+          <p:cNvPicPr>
+            <a:picLocks noChangeAspect="1"/>
+          </p:cNvPicPr>
+          <p:nvPr/>
+        </p:nvPicPr>
+        <p:blipFill>
+          <a:blip r:embed="rId25">
+            <a:extLst>
+              <a:ext uri="{28A0092B-C50C-407E-A947-70E740481C1C}">
+                <a14:useLocalDpi xmlns:a14="http://schemas.microsoft.com/office/drawing/2010/main" val="0"/>
+              </a:ext>
+            </a:extLst>
+          </a:blip>
+          <a:stretch>
+            <a:fillRect/>
+          </a:stretch>
+        </p:blipFill>
+        <p:spPr>
+          <a:xfrm>
+            <a:off x="16161122" y="9985120"/>
+            <a:ext cx="6762750" cy="5524500"/>
+          </a:xfrm>
+          <a:prstGeom prst="rect">
+            <a:avLst/>
+          </a:prstGeom>
+        </p:spPr>
+      </p:pic>
+      <p:pic>
+        <p:nvPicPr>
+          <p:cNvPr id="24" name="Picture 23"/>
+          <p:cNvPicPr>
+            <a:picLocks noChangeAspect="1"/>
+          </p:cNvPicPr>
+          <p:nvPr/>
+        </p:nvPicPr>
+        <p:blipFill>
+          <a:blip r:embed="rId26">
+            <a:extLst>
+              <a:ext uri="{28A0092B-C50C-407E-A947-70E740481C1C}">
+                <a14:useLocalDpi xmlns:a14="http://schemas.microsoft.com/office/drawing/2010/main" val="0"/>
+              </a:ext>
+            </a:extLst>
+          </a:blip>
+          <a:stretch>
+            <a:fillRect/>
+          </a:stretch>
+        </p:blipFill>
+        <p:spPr>
+          <a:xfrm>
+            <a:off x="22380044" y="9949654"/>
+            <a:ext cx="6762750" cy="5524500"/>
+          </a:xfrm>
+          <a:prstGeom prst="rect">
+            <a:avLst/>
+          </a:prstGeom>
+        </p:spPr>
+      </p:pic>
+      <p:pic>
+        <p:nvPicPr>
+          <p:cNvPr id="25" name="Picture 24"/>
+          <p:cNvPicPr>
+            <a:picLocks noChangeAspect="1"/>
+          </p:cNvPicPr>
+          <p:nvPr/>
+        </p:nvPicPr>
+        <p:blipFill>
+          <a:blip r:embed="rId27">
+            <a:extLst>
+              <a:ext uri="{28A0092B-C50C-407E-A947-70E740481C1C}">
+                <a14:useLocalDpi xmlns:a14="http://schemas.microsoft.com/office/drawing/2010/main" val="0"/>
+              </a:ext>
+            </a:extLst>
+          </a:blip>
+          <a:stretch>
+            <a:fillRect/>
+          </a:stretch>
+        </p:blipFill>
+        <p:spPr>
+          <a:xfrm>
+            <a:off x="37361727" y="14855648"/>
+            <a:ext cx="5317073" cy="3396504"/>
+          </a:xfrm>
+          <a:prstGeom prst="rect">
+            <a:avLst/>
+          </a:prstGeom>
+        </p:spPr>
+      </p:pic>
+      <p:pic>
+        <p:nvPicPr>
+          <p:cNvPr id="27" name="Picture 26"/>
+          <p:cNvPicPr>
+            <a:picLocks noChangeAspect="1"/>
+          </p:cNvPicPr>
+          <p:nvPr/>
+        </p:nvPicPr>
+        <p:blipFill>
+          <a:blip r:embed="rId28">
+            <a:extLst>
+              <a:ext uri="{28A0092B-C50C-407E-A947-70E740481C1C}">
+                <a14:useLocalDpi xmlns:a14="http://schemas.microsoft.com/office/drawing/2010/main" val="0"/>
+              </a:ext>
+            </a:extLst>
+          </a:blip>
+          <a:stretch>
+            <a:fillRect/>
+          </a:stretch>
+        </p:blipFill>
+        <p:spPr>
+          <a:xfrm>
+            <a:off x="30443385" y="14739531"/>
+            <a:ext cx="5408222" cy="3454729"/>
+          </a:xfrm>
+          <a:prstGeom prst="rect">
+            <a:avLst/>
+          </a:prstGeom>
+        </p:spPr>
+      </p:pic>
+      <p:graphicFrame>
+        <p:nvGraphicFramePr>
+          <p:cNvPr id="32" name="Table 31"/>
+          <p:cNvGraphicFramePr>
+            <a:graphicFrameLocks noGrp="1"/>
+          </p:cNvGraphicFramePr>
+          <p:nvPr>
+            <p:extLst>
+              <p:ext uri="{D42A27DB-BD31-4B8C-83A1-F6EECF244321}">
+                <p14:modId xmlns:p14="http://schemas.microsoft.com/office/powerpoint/2010/main" val="1651639643"/>
+              </p:ext>
+            </p:extLst>
+          </p:nvPr>
+        </p:nvGraphicFramePr>
+        <p:xfrm>
+          <a:off x="30774964" y="8573494"/>
+          <a:ext cx="12696300" cy="3573594"/>
+        </p:xfrm>
+        <a:graphic>
+          <a:graphicData uri="http://schemas.openxmlformats.org/drawingml/2006/table">
+            <a:tbl>
+              <a:tblPr firstRow="1" bandRow="1">
+                <a:tableStyleId>{5940675A-B579-460E-94D1-54222C63F5DA}</a:tableStyleId>
+              </a:tblPr>
+              <a:tblGrid>
+                <a:gridCol w="3174075">
+                  <a:extLst>
+                    <a:ext uri="{9D8B030D-6E8A-4147-A177-3AD203B41FA5}">
+                      <a16:colId xmlns:a16="http://schemas.microsoft.com/office/drawing/2014/main" val="3632308337"/>
+                    </a:ext>
+                  </a:extLst>
+                </a:gridCol>
+                <a:gridCol w="3174075">
+                  <a:extLst>
+                    <a:ext uri="{9D8B030D-6E8A-4147-A177-3AD203B41FA5}">
+                      <a16:colId xmlns:a16="http://schemas.microsoft.com/office/drawing/2014/main" val="3161482999"/>
+                    </a:ext>
+                  </a:extLst>
+                </a:gridCol>
+                <a:gridCol w="3174075">
+                  <a:extLst>
+                    <a:ext uri="{9D8B030D-6E8A-4147-A177-3AD203B41FA5}">
+                      <a16:colId xmlns:a16="http://schemas.microsoft.com/office/drawing/2014/main" val="1464763851"/>
+                    </a:ext>
+                  </a:extLst>
+                </a:gridCol>
+                <a:gridCol w="3174075">
+                  <a:extLst>
+                    <a:ext uri="{9D8B030D-6E8A-4147-A177-3AD203B41FA5}">
+                      <a16:colId xmlns:a16="http://schemas.microsoft.com/office/drawing/2014/main" val="1517804166"/>
+                    </a:ext>
+                  </a:extLst>
+                </a:gridCol>
+              </a:tblGrid>
+              <a:tr h="1191198">
+                <a:tc>
+                  <a:txBody>
+                    <a:bodyPr/>
+                    <a:lstStyle/>
+                    <a:p>
+                      <a:endParaRPr lang="en-US" sz="3700" dirty="0"/>
+                    </a:p>
+                  </a:txBody>
+                  <a:tcPr marL="39676" marR="39676" marT="19838" marB="19838"/>
+                </a:tc>
+                <a:tc>
+                  <a:txBody>
+                    <a:bodyPr/>
+                    <a:lstStyle/>
+                    <a:p>
+                      <a:pPr marL="0" marR="0" lvl="0" indent="0" algn="l" defTabSz="4389120" rtl="0" eaLnBrk="1" fontAlgn="auto" latinLnBrk="0" hangingPunct="1">
+                        <a:lnSpc>
+                          <a:spcPct val="100000"/>
+                        </a:lnSpc>
+                        <a:spcBef>
+                          <a:spcPts val="0"/>
+                        </a:spcBef>
+                        <a:spcAft>
+                          <a:spcPts val="0"/>
+                        </a:spcAft>
+                        <a:buClrTx/>
+                        <a:buSzTx/>
+                        <a:buFontTx/>
+                        <a:buNone/>
+                        <a:tabLst/>
+                        <a:defRPr/>
+                      </a:pPr>
+                      <a:r>
+                        <a:rPr lang="en-US" sz="3600" dirty="0"/>
+                        <a:t>Estimate co-efficient</a:t>
+                      </a:r>
+                    </a:p>
+                  </a:txBody>
+                  <a:tcPr marL="39676" marR="39676" marT="19838" marB="19838"/>
+                </a:tc>
+                <a:tc>
+                  <a:txBody>
+                    <a:bodyPr/>
+                    <a:lstStyle/>
+                    <a:p>
+                      <a:r>
+                        <a:rPr lang="en-US" sz="3600" dirty="0"/>
+                        <a:t>Standard error</a:t>
+                      </a:r>
+                    </a:p>
+                  </a:txBody>
+                  <a:tcPr marL="39676" marR="39676" marT="19838" marB="19838"/>
+                </a:tc>
+                <a:tc>
+                  <a:txBody>
+                    <a:bodyPr/>
+                    <a:lstStyle/>
+                    <a:p>
+                      <a:r>
+                        <a:rPr lang="en-US" sz="3600" dirty="0"/>
+                        <a:t>P-value</a:t>
+                      </a:r>
+                    </a:p>
+                  </a:txBody>
+                  <a:tcPr marL="39676" marR="39676" marT="19838" marB="19838"/>
+                </a:tc>
+                <a:extLst>
+                  <a:ext uri="{0D108BD9-81ED-4DB2-BD59-A6C34878D82A}">
+                    <a16:rowId xmlns:a16="http://schemas.microsoft.com/office/drawing/2014/main" val="559417239"/>
+                  </a:ext>
+                </a:extLst>
+              </a:tr>
+              <a:tr h="1191198">
+                <a:tc>
+                  <a:txBody>
+                    <a:bodyPr/>
+                    <a:lstStyle/>
+                    <a:p>
+                      <a:r>
+                        <a:rPr lang="en-US" sz="3700" dirty="0"/>
+                        <a:t>Alpha power eyes open</a:t>
+                      </a:r>
+                    </a:p>
+                  </a:txBody>
+                  <a:tcPr marL="39676" marR="39676" marT="19838" marB="19838"/>
+                </a:tc>
+                <a:tc>
+                  <a:txBody>
+                    <a:bodyPr/>
+                    <a:lstStyle/>
+                    <a:p>
+                      <a:r>
+                        <a:rPr lang="en-US" sz="4400" dirty="0"/>
+                        <a:t>-39.7</a:t>
+                      </a:r>
+                    </a:p>
+                  </a:txBody>
+                  <a:tcPr marL="39676" marR="39676" marT="19838" marB="19838"/>
+                </a:tc>
+                <a:tc>
+                  <a:txBody>
+                    <a:bodyPr/>
+                    <a:lstStyle/>
+                    <a:p>
+                      <a:r>
+                        <a:rPr lang="en-US" sz="4400" dirty="0"/>
+                        <a:t>12.6</a:t>
+                      </a:r>
+                    </a:p>
+                  </a:txBody>
+                  <a:tcPr marL="39676" marR="39676" marT="19838" marB="19838"/>
+                </a:tc>
+                <a:tc>
+                  <a:txBody>
+                    <a:bodyPr/>
+                    <a:lstStyle/>
+                    <a:p>
+                      <a:r>
+                        <a:rPr lang="en-US" sz="4400" dirty="0"/>
+                        <a:t>0.008**</a:t>
+                      </a:r>
+                    </a:p>
+                  </a:txBody>
+                  <a:tcPr marL="39676" marR="39676" marT="19838" marB="19838"/>
+                </a:tc>
+                <a:extLst>
+                  <a:ext uri="{0D108BD9-81ED-4DB2-BD59-A6C34878D82A}">
+                    <a16:rowId xmlns:a16="http://schemas.microsoft.com/office/drawing/2014/main" val="2181573276"/>
+                  </a:ext>
+                </a:extLst>
+              </a:tr>
+              <a:tr h="1191198">
+                <a:tc>
+                  <a:txBody>
+                    <a:bodyPr/>
+                    <a:lstStyle/>
+                    <a:p>
+                      <a:r>
+                        <a:rPr lang="en-US" sz="3700" dirty="0"/>
+                        <a:t>Alpha power eyes closed</a:t>
+                      </a:r>
+                    </a:p>
+                  </a:txBody>
+                  <a:tcPr marL="39676" marR="39676" marT="19838" marB="19838"/>
+                </a:tc>
+                <a:tc>
+                  <a:txBody>
+                    <a:bodyPr/>
+                    <a:lstStyle/>
+                    <a:p>
+                      <a:r>
+                        <a:rPr lang="en-US" sz="4400" dirty="0"/>
+                        <a:t>19.0</a:t>
+                      </a:r>
+                    </a:p>
+                  </a:txBody>
+                  <a:tcPr marL="39676" marR="39676" marT="19838" marB="19838"/>
+                </a:tc>
+                <a:tc>
+                  <a:txBody>
+                    <a:bodyPr/>
+                    <a:lstStyle/>
+                    <a:p>
+                      <a:r>
+                        <a:rPr lang="en-US" sz="4400" dirty="0"/>
+                        <a:t>6.4</a:t>
+                      </a:r>
+                    </a:p>
+                  </a:txBody>
+                  <a:tcPr marL="39676" marR="39676" marT="19838" marB="19838"/>
+                </a:tc>
+                <a:tc>
+                  <a:txBody>
+                    <a:bodyPr/>
+                    <a:lstStyle/>
+                    <a:p>
+                      <a:r>
+                        <a:rPr lang="en-US" sz="4400" dirty="0"/>
+                        <a:t>0.01*</a:t>
+                      </a:r>
+                    </a:p>
+                  </a:txBody>
+                  <a:tcPr marL="39676" marR="39676" marT="19838" marB="19838"/>
+                </a:tc>
+                <a:extLst>
+                  <a:ext uri="{0D108BD9-81ED-4DB2-BD59-A6C34878D82A}">
+                    <a16:rowId xmlns:a16="http://schemas.microsoft.com/office/drawing/2014/main" val="1041974949"/>
+                  </a:ext>
+                </a:extLst>
+              </a:tr>
+            </a:tbl>
+          </a:graphicData>
+        </a:graphic>
+      </p:graphicFrame>
+      <p:sp>
+        <p:nvSpPr>
+          <p:cNvPr id="81" name="Content Placeholder 16"/>
+          <p:cNvSpPr>
+            <a:spLocks noGrp="1"/>
+          </p:cNvSpPr>
+          <p:nvPr>
+            <p:ph sz="quarter" idx="30"/>
+          </p:nvPr>
+        </p:nvSpPr>
+        <p:spPr>
+          <a:xfrm>
+            <a:off x="30915072" y="12178124"/>
+            <a:ext cx="12747714" cy="800292"/>
+          </a:xfrm>
+        </p:spPr>
+        <p:txBody>
+          <a:bodyPr>
+            <a:normAutofit fontScale="92500" lnSpcReduction="10000"/>
+          </a:bodyPr>
+          <a:lstStyle/>
+          <a:p>
+            <a:pPr marL="0" indent="0">
+              <a:buNone/>
+            </a:pPr>
+            <a:r>
+              <a:rPr lang="en-US" sz="2200" dirty="0"/>
+              <a:t>Table 1. Linear regression model (y=</a:t>
+            </a:r>
+            <a:r>
+              <a:rPr lang="el-GR" sz="2200" dirty="0"/>
+              <a:t>β</a:t>
+            </a:r>
+            <a:r>
+              <a:rPr lang="en-US" sz="2200" baseline="-25000" dirty="0"/>
+              <a:t>0</a:t>
+            </a:r>
+            <a:r>
+              <a:rPr lang="en-US" sz="2200" dirty="0"/>
+              <a:t>+</a:t>
+            </a:r>
+            <a:r>
+              <a:rPr lang="el-GR" sz="2200" dirty="0"/>
+              <a:t> β</a:t>
+            </a:r>
+            <a:r>
+              <a:rPr lang="en-US" sz="2200" baseline="-25000" dirty="0"/>
+              <a:t>1</a:t>
+            </a:r>
+            <a:r>
+              <a:rPr lang="en-US" sz="2200" dirty="0"/>
+              <a:t>X</a:t>
+            </a:r>
+            <a:r>
+              <a:rPr lang="en-US" sz="2200" baseline="-25000" dirty="0"/>
+              <a:t>1</a:t>
+            </a:r>
+            <a:r>
+              <a:rPr lang="en-US" sz="2200" dirty="0"/>
+              <a:t>+</a:t>
+            </a:r>
+            <a:r>
+              <a:rPr lang="el-GR" sz="2200" dirty="0"/>
+              <a:t> β</a:t>
+            </a:r>
+            <a:r>
+              <a:rPr lang="en-US" sz="2200" baseline="-25000" dirty="0"/>
+              <a:t>2</a:t>
+            </a:r>
+            <a:r>
+              <a:rPr lang="en-US" sz="2200" dirty="0"/>
+              <a:t>X</a:t>
+            </a:r>
+            <a:r>
+              <a:rPr lang="en-US" sz="2200" baseline="-25000" dirty="0"/>
+              <a:t>2</a:t>
+            </a:r>
+            <a:r>
+              <a:rPr lang="en-US" sz="2200" dirty="0"/>
+              <a:t>) where y=SNR-50 threshold, X</a:t>
+            </a:r>
+            <a:r>
+              <a:rPr lang="en-US" sz="2200" baseline="-25000" dirty="0"/>
+              <a:t>1</a:t>
+            </a:r>
+            <a:r>
+              <a:rPr lang="en-US" sz="2200" dirty="0"/>
+              <a:t>=alpha power eyes open, X</a:t>
+            </a:r>
+            <a:r>
+              <a:rPr lang="en-US" sz="2200" baseline="-25000" dirty="0"/>
+              <a:t>2</a:t>
+            </a:r>
+            <a:r>
+              <a:rPr lang="en-US" sz="2200" dirty="0"/>
+              <a:t>=alpha power eyes closed</a:t>
+            </a:r>
+            <a:endParaRPr lang="en-US" sz="2200" dirty="0"/>
+          </a:p>
+        </p:txBody>
+      </p:sp>
+      <p:sp>
+        <p:nvSpPr>
+          <p:cNvPr id="82" name="Content Placeholder 16"/>
+          <p:cNvSpPr>
+            <a:spLocks noGrp="1"/>
+          </p:cNvSpPr>
+          <p:nvPr>
+            <p:ph sz="quarter" idx="30"/>
+          </p:nvPr>
+        </p:nvSpPr>
+        <p:spPr>
+          <a:xfrm>
+            <a:off x="30443384" y="6970681"/>
+            <a:ext cx="13654293" cy="1493888"/>
+          </a:xfrm>
+        </p:spPr>
+        <p:txBody>
+          <a:bodyPr>
+            <a:normAutofit/>
+          </a:bodyPr>
+          <a:lstStyle/>
+          <a:p>
+            <a:pPr marL="0" indent="0">
+              <a:buNone/>
+            </a:pPr>
+            <a:r>
+              <a:rPr lang="en-US" sz="4400" b="1" dirty="0"/>
+              <a:t>SNR thresholds significantly associate with alpha power</a:t>
+            </a:r>
+          </a:p>
+        </p:txBody>
+      </p:sp>
     </p:spTree>
     <p:extLst>
       <p:ext uri="{BB962C8B-B14F-4D97-AF65-F5344CB8AC3E}">

--- a/AAS 2017/Alphapower_Poster.pptx
+++ b/AAS 2017/Alphapower_Poster.pptx
@@ -123,8 +123,22 @@
 
 <file path=ppt/commentAuthors.xml><?xml version="1.0" encoding="utf-8"?>
 <p:cmAuthorLst xmlns:a="http://schemas.openxmlformats.org/drawingml/2006/main" xmlns:r="http://schemas.openxmlformats.org/officeDocument/2006/relationships" xmlns:p="http://schemas.openxmlformats.org/presentationml/2006/main">
-  <p:cmAuthor id="2" name="Author" initials="A" lastIdx="1" clrIdx="1"/>
+  <p:cmAuthor id="2" name="Author" initials="A" lastIdx="2" clrIdx="1"/>
 </p:cmAuthorLst>
+</file>
+
+<file path=ppt/comments/comment1.xml><?xml version="1.0" encoding="utf-8"?>
+<p:cmLst xmlns:a="http://schemas.openxmlformats.org/drawingml/2006/main" xmlns:r="http://schemas.openxmlformats.org/officeDocument/2006/relationships" xmlns:p="http://schemas.openxmlformats.org/presentationml/2006/main">
+  <p:cm authorId="2" dt="2017-02-10T15:55:13.012" idx="2">
+    <p:pos x="10" y="10"/>
+    <p:text>Indicate which figures are eyes open and which are eyes closed. We need to delineate the low and high alpha participants. One way would be to highlight one column of figures a different background color.</p:text>
+    <p:extLst>
+      <p:ext uri="{C676402C-5697-4E1C-873F-D02D1690AC5C}">
+        <p15:threadingInfo xmlns:p15="http://schemas.microsoft.com/office/powerpoint/2012/main" timeZoneBias="480"/>
+      </p:ext>
+    </p:extLst>
+  </p:cm>
+</p:cmLst>
 </file>
 
 <file path=ppt/handoutMasters/handoutMaster1.xml><?xml version="1.0" encoding="utf-8"?>
@@ -4075,7 +4089,15 @@
             <a:pPr algn="just"/>
             <a:r>
               <a:rPr lang="en-US" sz="2400" dirty="0"/>
-              <a:t>Effects of aging and hearing loss on central inhibitory function could potentially contribute to poor speech in noise (SiN) performance</a:t>
+              <a:t>Effects of aging and hearing loss on central inhibitory function could potentially contribute to poor speech in noise (</a:t>
+            </a:r>
+            <a:r>
+              <a:rPr lang="en-US" sz="2400" dirty="0" smtClean="0"/>
+              <a:t>SIN</a:t>
+            </a:r>
+            <a:r>
+              <a:rPr lang="en-US" sz="2400" dirty="0"/>
+              <a:t>) performance</a:t>
             </a:r>
           </a:p>
           <a:p>
@@ -4089,7 +4111,31 @@
             <a:pPr algn="just"/>
             <a:r>
               <a:rPr lang="en-US" sz="2400" dirty="0"/>
-              <a:t>Alpha rhythms effects on SiN testing has been well studied, but less is known about how individual resting state alpha relates to SiN performance.</a:t>
+              <a:t>Alpha rhythms </a:t>
+            </a:r>
+            <a:r>
+              <a:rPr lang="en-US" sz="2400" dirty="0" smtClean="0"/>
+              <a:t>effect </a:t>
+            </a:r>
+            <a:r>
+              <a:rPr lang="en-US" sz="2400" dirty="0"/>
+              <a:t>on </a:t>
+            </a:r>
+            <a:r>
+              <a:rPr lang="en-US" sz="2400" dirty="0" smtClean="0"/>
+              <a:t>SIN </a:t>
+            </a:r>
+            <a:r>
+              <a:rPr lang="en-US" sz="2400" dirty="0"/>
+              <a:t>testing has been well studied, but less is known about how individual resting state alpha relates to </a:t>
+            </a:r>
+            <a:r>
+              <a:rPr lang="en-US" sz="2400" dirty="0" smtClean="0"/>
+              <a:t>SIN </a:t>
+            </a:r>
+            <a:r>
+              <a:rPr lang="en-US" sz="2400" dirty="0"/>
+              <a:t>performance.</a:t>
             </a:r>
           </a:p>
           <a:p>
@@ -4103,7 +4149,23 @@
             <a:pPr algn="just"/>
             <a:r>
               <a:rPr lang="en-US" sz="2400" dirty="0"/>
-              <a:t>Purpose of the present study was to examine if an individual’s inhibitory function, as defined by their resting state alpha activity, would predict sentences in noise (SNR) thresholds</a:t>
+              <a:t>Purpose of the present study was to examine if an individual’s inhibitory function, as defined by their resting state alpha activity, would predict </a:t>
+            </a:r>
+            <a:r>
+              <a:rPr lang="en-US" sz="2400" dirty="0" smtClean="0"/>
+              <a:t>signal to </a:t>
+            </a:r>
+            <a:r>
+              <a:rPr lang="en-US" sz="2400" dirty="0"/>
+              <a:t>noise </a:t>
+            </a:r>
+            <a:r>
+              <a:rPr lang="en-US" sz="2400" dirty="0" smtClean="0"/>
+              <a:t>ratio (SNR</a:t>
+            </a:r>
+            <a:r>
+              <a:rPr lang="en-US" sz="2400" dirty="0"/>
+              <a:t>) thresholds</a:t>
             </a:r>
           </a:p>
           <a:p>
@@ -6124,28 +6186,28 @@
                 <a:gridCol w="3174075">
                   <a:extLst>
                     <a:ext uri="{9D8B030D-6E8A-4147-A177-3AD203B41FA5}">
-                      <a16:colId xmlns:a16="http://schemas.microsoft.com/office/drawing/2014/main" val="3632308337"/>
+                      <a16:colId xmlns="" xmlns:a16="http://schemas.microsoft.com/office/drawing/2014/main" val="3632308337"/>
                     </a:ext>
                   </a:extLst>
                 </a:gridCol>
                 <a:gridCol w="3174075">
                   <a:extLst>
                     <a:ext uri="{9D8B030D-6E8A-4147-A177-3AD203B41FA5}">
-                      <a16:colId xmlns:a16="http://schemas.microsoft.com/office/drawing/2014/main" val="3161482999"/>
+                      <a16:colId xmlns="" xmlns:a16="http://schemas.microsoft.com/office/drawing/2014/main" val="3161482999"/>
                     </a:ext>
                   </a:extLst>
                 </a:gridCol>
                 <a:gridCol w="3174075">
                   <a:extLst>
                     <a:ext uri="{9D8B030D-6E8A-4147-A177-3AD203B41FA5}">
-                      <a16:colId xmlns:a16="http://schemas.microsoft.com/office/drawing/2014/main" val="1464763851"/>
+                      <a16:colId xmlns="" xmlns:a16="http://schemas.microsoft.com/office/drawing/2014/main" val="1464763851"/>
                     </a:ext>
                   </a:extLst>
                 </a:gridCol>
                 <a:gridCol w="3174075">
                   <a:extLst>
                     <a:ext uri="{9D8B030D-6E8A-4147-A177-3AD203B41FA5}">
-                      <a16:colId xmlns:a16="http://schemas.microsoft.com/office/drawing/2014/main" val="1517804166"/>
+                      <a16:colId xmlns="" xmlns:a16="http://schemas.microsoft.com/office/drawing/2014/main" val="1517804166"/>
                     </a:ext>
                   </a:extLst>
                 </a:gridCol>
@@ -6219,7 +6281,7 @@
                 </a:tc>
                 <a:extLst>
                   <a:ext uri="{0D108BD9-81ED-4DB2-BD59-A6C34878D82A}">
-                    <a16:rowId xmlns:a16="http://schemas.microsoft.com/office/drawing/2014/main" val="559417239"/>
+                    <a16:rowId xmlns="" xmlns:a16="http://schemas.microsoft.com/office/drawing/2014/main" val="559417239"/>
                   </a:ext>
                 </a:extLst>
               </a:tr>
@@ -6278,7 +6340,7 @@
                 </a:tc>
                 <a:extLst>
                   <a:ext uri="{0D108BD9-81ED-4DB2-BD59-A6C34878D82A}">
-                    <a16:rowId xmlns:a16="http://schemas.microsoft.com/office/drawing/2014/main" val="2181573276"/>
+                    <a16:rowId xmlns="" xmlns:a16="http://schemas.microsoft.com/office/drawing/2014/main" val="2181573276"/>
                   </a:ext>
                 </a:extLst>
               </a:tr>
@@ -6337,7 +6399,7 @@
                 </a:tc>
                 <a:extLst>
                   <a:ext uri="{0D108BD9-81ED-4DB2-BD59-A6C34878D82A}">
-                    <a16:rowId xmlns:a16="http://schemas.microsoft.com/office/drawing/2014/main" val="1041974949"/>
+                    <a16:rowId xmlns="" xmlns:a16="http://schemas.microsoft.com/office/drawing/2014/main" val="1041974949"/>
                   </a:ext>
                 </a:extLst>
               </a:tr>
@@ -6442,7 +6504,6 @@
               <a:rPr lang="en-US" sz="2200" dirty="0"/>
               <a:t>=alpha power eyes closed</a:t>
             </a:r>
-            <a:endParaRPr lang="en-US" sz="2200" dirty="0"/>
           </a:p>
         </p:txBody>
       </p:sp>
